--- a/Group Project 1B.pptx
+++ b/Group Project 1B.pptx
@@ -1,31 +1,31 @@
 
 <file path=ppt/presentation.xml><?xml version="1.0" encoding="utf-8"?>
-<p:presentation xmlns:a="http://schemas.openxmlformats.org/drawingml/2006/main" xmlns:r="http://schemas.openxmlformats.org/officeDocument/2006/relationships" xmlns:mc="http://schemas.openxmlformats.org/markup-compatibility/2006" xmlns:mv="urn:schemas-microsoft-com:mac:vml" xmlns:p="http://schemas.openxmlformats.org/presentationml/2006/main" xmlns:c="http://schemas.openxmlformats.org/drawingml/2006/chart" xmlns:dgm="http://schemas.openxmlformats.org/drawingml/2006/diagram" xmlns:o="urn:schemas-microsoft-com:office:office" xmlns:v="urn:schemas-microsoft-com:vml" xmlns:pvml="urn:schemas-microsoft-com:office:powerpoint" xmlns:com="http://schemas.openxmlformats.org/drawingml/2006/compatibility" xmlns:p14="http://schemas.microsoft.com/office/powerpoint/2010/main" autoCompressPictures="0" strictFirstAndLastChars="0" saveSubsetFonts="1">
+<p:presentation xmlns:a="http://schemas.openxmlformats.org/drawingml/2006/main" xmlns:r="http://schemas.openxmlformats.org/officeDocument/2006/relationships" xmlns:p="http://schemas.openxmlformats.org/presentationml/2006/main" strictFirstAndLastChars="0" saveSubsetFonts="1" autoCompressPictures="0">
   <p:sldMasterIdLst>
-    <p:sldMasterId id="2147483659" r:id="rId3"/>
+    <p:sldMasterId id="2147483659" r:id="rId1"/>
   </p:sldMasterIdLst>
   <p:notesMasterIdLst>
-    <p:notesMasterId r:id="rId4"/>
+    <p:notesMasterId r:id="rId15"/>
   </p:notesMasterIdLst>
   <p:sldIdLst>
-    <p:sldId id="256" r:id="rId5"/>
-    <p:sldId id="257" r:id="rId6"/>
-    <p:sldId id="258" r:id="rId7"/>
-    <p:sldId id="259" r:id="rId8"/>
-    <p:sldId id="260" r:id="rId9"/>
-    <p:sldId id="261" r:id="rId10"/>
-    <p:sldId id="262" r:id="rId11"/>
-    <p:sldId id="263" r:id="rId12"/>
-    <p:sldId id="264" r:id="rId13"/>
-    <p:sldId id="265" r:id="rId14"/>
-    <p:sldId id="266" r:id="rId15"/>
-    <p:sldId id="267" r:id="rId16"/>
-    <p:sldId id="268" r:id="rId17"/>
+    <p:sldId id="256" r:id="rId2"/>
+    <p:sldId id="257" r:id="rId3"/>
+    <p:sldId id="258" r:id="rId4"/>
+    <p:sldId id="259" r:id="rId5"/>
+    <p:sldId id="260" r:id="rId6"/>
+    <p:sldId id="261" r:id="rId7"/>
+    <p:sldId id="262" r:id="rId8"/>
+    <p:sldId id="263" r:id="rId9"/>
+    <p:sldId id="264" r:id="rId10"/>
+    <p:sldId id="265" r:id="rId11"/>
+    <p:sldId id="266" r:id="rId12"/>
+    <p:sldId id="267" r:id="rId13"/>
+    <p:sldId id="268" r:id="rId14"/>
   </p:sldIdLst>
-  <p:sldSz cy="5143500" cx="9144000"/>
+  <p:sldSz cx="9144000" cy="5143500" type="screen16x9"/>
   <p:notesSz cx="6858000" cy="9144000"/>
   <p:defaultTextStyle>
-    <a:defPPr lvl="0" marR="0" rtl="0" algn="l">
+    <a:defPPr marR="0" lvl="0" algn="l" rtl="0">
       <a:lnSpc>
         <a:spcPct val="100000"/>
       </a:lnSpc>
@@ -36,7 +36,7 @@
         <a:spcPts val="0"/>
       </a:spcAft>
     </a:defPPr>
-    <a:lvl1pPr lvl="0" marR="0" rtl="0" algn="l">
+    <a:lvl1pPr marR="0" lvl="0" algn="l" rtl="0">
       <a:lnSpc>
         <a:spcPct val="100000"/>
       </a:lnSpc>
@@ -47,7 +47,7 @@
         <a:spcPts val="0"/>
       </a:spcAft>
       <a:buNone/>
-      <a:defRPr b="0" i="0" sz="1400" u="none" cap="none" strike="noStrike">
+      <a:defRPr sz="1400" b="0" i="0" u="none" strike="noStrike" cap="none">
         <a:solidFill>
           <a:srgbClr val="000000"/>
         </a:solidFill>
@@ -57,7 +57,7 @@
         <a:sym typeface="Arial"/>
       </a:defRPr>
     </a:lvl1pPr>
-    <a:lvl2pPr lvl="1" marR="0" rtl="0" algn="l">
+    <a:lvl2pPr marR="0" lvl="1" algn="l" rtl="0">
       <a:lnSpc>
         <a:spcPct val="100000"/>
       </a:lnSpc>
@@ -68,7 +68,7 @@
         <a:spcPts val="0"/>
       </a:spcAft>
       <a:buNone/>
-      <a:defRPr b="0" i="0" sz="1400" u="none" cap="none" strike="noStrike">
+      <a:defRPr sz="1400" b="0" i="0" u="none" strike="noStrike" cap="none">
         <a:solidFill>
           <a:srgbClr val="000000"/>
         </a:solidFill>
@@ -78,7 +78,7 @@
         <a:sym typeface="Arial"/>
       </a:defRPr>
     </a:lvl2pPr>
-    <a:lvl3pPr lvl="2" marR="0" rtl="0" algn="l">
+    <a:lvl3pPr marR="0" lvl="2" algn="l" rtl="0">
       <a:lnSpc>
         <a:spcPct val="100000"/>
       </a:lnSpc>
@@ -89,7 +89,7 @@
         <a:spcPts val="0"/>
       </a:spcAft>
       <a:buNone/>
-      <a:defRPr b="0" i="0" sz="1400" u="none" cap="none" strike="noStrike">
+      <a:defRPr sz="1400" b="0" i="0" u="none" strike="noStrike" cap="none">
         <a:solidFill>
           <a:srgbClr val="000000"/>
         </a:solidFill>
@@ -99,7 +99,7 @@
         <a:sym typeface="Arial"/>
       </a:defRPr>
     </a:lvl3pPr>
-    <a:lvl4pPr lvl="3" marR="0" rtl="0" algn="l">
+    <a:lvl4pPr marR="0" lvl="3" algn="l" rtl="0">
       <a:lnSpc>
         <a:spcPct val="100000"/>
       </a:lnSpc>
@@ -110,7 +110,7 @@
         <a:spcPts val="0"/>
       </a:spcAft>
       <a:buNone/>
-      <a:defRPr b="0" i="0" sz="1400" u="none" cap="none" strike="noStrike">
+      <a:defRPr sz="1400" b="0" i="0" u="none" strike="noStrike" cap="none">
         <a:solidFill>
           <a:srgbClr val="000000"/>
         </a:solidFill>
@@ -120,7 +120,7 @@
         <a:sym typeface="Arial"/>
       </a:defRPr>
     </a:lvl4pPr>
-    <a:lvl5pPr lvl="4" marR="0" rtl="0" algn="l">
+    <a:lvl5pPr marR="0" lvl="4" algn="l" rtl="0">
       <a:lnSpc>
         <a:spcPct val="100000"/>
       </a:lnSpc>
@@ -131,7 +131,7 @@
         <a:spcPts val="0"/>
       </a:spcAft>
       <a:buNone/>
-      <a:defRPr b="0" i="0" sz="1400" u="none" cap="none" strike="noStrike">
+      <a:defRPr sz="1400" b="0" i="0" u="none" strike="noStrike" cap="none">
         <a:solidFill>
           <a:srgbClr val="000000"/>
         </a:solidFill>
@@ -141,7 +141,7 @@
         <a:sym typeface="Arial"/>
       </a:defRPr>
     </a:lvl5pPr>
-    <a:lvl6pPr lvl="5" marR="0" rtl="0" algn="l">
+    <a:lvl6pPr marR="0" lvl="5" algn="l" rtl="0">
       <a:lnSpc>
         <a:spcPct val="100000"/>
       </a:lnSpc>
@@ -152,7 +152,7 @@
         <a:spcPts val="0"/>
       </a:spcAft>
       <a:buNone/>
-      <a:defRPr b="0" i="0" sz="1400" u="none" cap="none" strike="noStrike">
+      <a:defRPr sz="1400" b="0" i="0" u="none" strike="noStrike" cap="none">
         <a:solidFill>
           <a:srgbClr val="000000"/>
         </a:solidFill>
@@ -162,7 +162,7 @@
         <a:sym typeface="Arial"/>
       </a:defRPr>
     </a:lvl6pPr>
-    <a:lvl7pPr lvl="6" marR="0" rtl="0" algn="l">
+    <a:lvl7pPr marR="0" lvl="6" algn="l" rtl="0">
       <a:lnSpc>
         <a:spcPct val="100000"/>
       </a:lnSpc>
@@ -173,7 +173,7 @@
         <a:spcPts val="0"/>
       </a:spcAft>
       <a:buNone/>
-      <a:defRPr b="0" i="0" sz="1400" u="none" cap="none" strike="noStrike">
+      <a:defRPr sz="1400" b="0" i="0" u="none" strike="noStrike" cap="none">
         <a:solidFill>
           <a:srgbClr val="000000"/>
         </a:solidFill>
@@ -183,7 +183,7 @@
         <a:sym typeface="Arial"/>
       </a:defRPr>
     </a:lvl7pPr>
-    <a:lvl8pPr lvl="7" marR="0" rtl="0" algn="l">
+    <a:lvl8pPr marR="0" lvl="7" algn="l" rtl="0">
       <a:lnSpc>
         <a:spcPct val="100000"/>
       </a:lnSpc>
@@ -194,7 +194,7 @@
         <a:spcPts val="0"/>
       </a:spcAft>
       <a:buNone/>
-      <a:defRPr b="0" i="0" sz="1400" u="none" cap="none" strike="noStrike">
+      <a:defRPr sz="1400" b="0" i="0" u="none" strike="noStrike" cap="none">
         <a:solidFill>
           <a:srgbClr val="000000"/>
         </a:solidFill>
@@ -204,7 +204,7 @@
         <a:sym typeface="Arial"/>
       </a:defRPr>
     </a:lvl8pPr>
-    <a:lvl9pPr lvl="8" marR="0" rtl="0" algn="l">
+    <a:lvl9pPr marR="0" lvl="8" algn="l" rtl="0">
       <a:lnSpc>
         <a:spcPct val="100000"/>
       </a:lnSpc>
@@ -215,7 +215,7 @@
         <a:spcPts val="0"/>
       </a:spcAft>
       <a:buNone/>
-      <a:defRPr b="0" i="0" sz="1400" u="none" cap="none" strike="noStrike">
+      <a:defRPr sz="1400" b="0" i="0" u="none" strike="noStrike" cap="none">
         <a:solidFill>
           <a:srgbClr val="000000"/>
         </a:solidFill>
@@ -230,11 +230,16 @@
 </file>
 
 <file path=ppt/notesMasters/notesMaster1.xml><?xml version="1.0" encoding="utf-8"?>
-<p:notesMaster xmlns:a="http://schemas.openxmlformats.org/drawingml/2006/main" xmlns:r="http://schemas.openxmlformats.org/officeDocument/2006/relationships" xmlns:mc="http://schemas.openxmlformats.org/markup-compatibility/2006" xmlns:mv="urn:schemas-microsoft-com:mac:vml" xmlns:p="http://schemas.openxmlformats.org/presentationml/2006/main" xmlns:c="http://schemas.openxmlformats.org/drawingml/2006/chart" xmlns:dgm="http://schemas.openxmlformats.org/drawingml/2006/diagram" xmlns:o="urn:schemas-microsoft-com:office:office" xmlns:v="urn:schemas-microsoft-com:vml" xmlns:pvml="urn:schemas-microsoft-com:office:powerpoint" xmlns:com="http://schemas.openxmlformats.org/drawingml/2006/compatibility" xmlns:p14="http://schemas.microsoft.com/office/powerpoint/2010/main">
+<p:notesMaster xmlns:a="http://schemas.openxmlformats.org/drawingml/2006/main" xmlns:r="http://schemas.openxmlformats.org/officeDocument/2006/relationships" xmlns:p="http://schemas.openxmlformats.org/presentationml/2006/main">
   <p:cSld>
+    <p:bg>
+      <p:bgRef idx="1001">
+        <a:schemeClr val="bg1"/>
+      </p:bgRef>
+    </p:bg>
     <p:spTree>
       <p:nvGrpSpPr>
-        <p:cNvPr id="2" name="Shape 2"/>
+        <p:cNvPr id="1" name="Shape 2"/>
         <p:cNvGrpSpPr/>
         <p:nvPr/>
       </p:nvGrpSpPr>
@@ -249,9 +254,11 @@
       <p:sp>
         <p:nvSpPr>
           <p:cNvPr id="3" name="Shape 3"/>
-          <p:cNvSpPr/>
-          <p:nvPr>
-            <p:ph idx="2" type="sldImg"/>
+          <p:cNvSpPr>
+            <a:spLocks noGrp="1" noRot="1" noChangeAspect="1"/>
+          </p:cNvSpPr>
+          <p:nvPr>
+            <p:ph type="sldImg" idx="2"/>
           </p:nvPr>
         </p:nvSpPr>
         <p:spPr>
@@ -260,8 +267,13 @@
             <a:ext cx="6096075" cy="3429000"/>
           </a:xfrm>
           <a:custGeom>
+            <a:avLst/>
+            <a:gdLst/>
+            <a:ahLst/>
+            <a:cxnLst/>
+            <a:rect l="0" t="0" r="0" b="0"/>
             <a:pathLst>
-              <a:path extrusionOk="0" h="120000" w="120000">
+              <a:path w="120000" h="120000" extrusionOk="0">
                 <a:moveTo>
                   <a:pt x="0" y="0"/>
                 </a:moveTo>
@@ -279,23 +291,25 @@
             </a:pathLst>
           </a:custGeom>
           <a:noFill/>
-          <a:ln cap="flat" cmpd="sng" w="9525">
+          <a:ln w="9525" cap="flat" cmpd="sng">
             <a:solidFill>
               <a:srgbClr val="000000"/>
             </a:solidFill>
             <a:prstDash val="solid"/>
             <a:round/>
-            <a:headEnd len="med" w="med" type="none"/>
-            <a:tailEnd len="med" w="med" type="none"/>
+            <a:headEnd type="none" w="med" len="med"/>
+            <a:tailEnd type="none" w="med" len="med"/>
           </a:ln>
         </p:spPr>
       </p:sp>
       <p:sp>
         <p:nvSpPr>
           <p:cNvPr id="4" name="Shape 4"/>
-          <p:cNvSpPr txBox="1"/>
-          <p:nvPr>
-            <p:ph idx="1" type="body"/>
+          <p:cNvSpPr txBox="1">
+            <a:spLocks noGrp="1"/>
+          </p:cNvSpPr>
+          <p:nvPr>
+            <p:ph type="body" idx="1"/>
           </p:nvPr>
         </p:nvSpPr>
         <p:spPr>
@@ -312,7 +326,7 @@
           </a:ln>
         </p:spPr>
         <p:txBody>
-          <a:bodyPr anchorCtr="0" anchor="t" bIns="91425" lIns="91425" rIns="91425" tIns="91425"/>
+          <a:bodyPr lIns="91425" tIns="91425" rIns="91425" bIns="91425" anchor="t" anchorCtr="0"/>
           <a:lstStyle>
             <a:lvl1pPr lvl="0">
               <a:spcBef>
@@ -369,21 +383,115 @@
               <a:defRPr sz="1100"/>
             </a:lvl9pPr>
           </a:lstStyle>
-          <a:p/>
+          <a:p>
+            <a:endParaRPr/>
+          </a:p>
         </p:txBody>
       </p:sp>
     </p:spTree>
   </p:cSld>
-  <p:clrMap accent1="accent1" accent2="accent2" accent3="accent3" accent4="accent4" accent5="accent5" accent6="accent6" bg1="lt1" bg2="dk2" tx1="dk1" tx2="lt2" folHlink="folHlink" hlink="hlink"/>
+  <p:clrMap bg1="lt1" tx1="dk1" bg2="dk2" tx2="lt2" accent1="accent1" accent2="accent2" accent3="accent3" accent4="accent4" accent5="accent5" accent6="accent6" hlink="hlink" folHlink="folHlink"/>
+  <p:notesStyle>
+    <a:lvl1pPr marL="0" algn="l" defTabSz="914400" rtl="0" eaLnBrk="1" latinLnBrk="0" hangingPunct="1">
+      <a:defRPr sz="1200" kern="1200">
+        <a:solidFill>
+          <a:schemeClr val="tx1"/>
+        </a:solidFill>
+        <a:latin typeface="+mn-lt"/>
+        <a:ea typeface="+mn-ea"/>
+        <a:cs typeface="+mn-cs"/>
+      </a:defRPr>
+    </a:lvl1pPr>
+    <a:lvl2pPr marL="457200" algn="l" defTabSz="914400" rtl="0" eaLnBrk="1" latinLnBrk="0" hangingPunct="1">
+      <a:defRPr sz="1200" kern="1200">
+        <a:solidFill>
+          <a:schemeClr val="tx1"/>
+        </a:solidFill>
+        <a:latin typeface="+mn-lt"/>
+        <a:ea typeface="+mn-ea"/>
+        <a:cs typeface="+mn-cs"/>
+      </a:defRPr>
+    </a:lvl2pPr>
+    <a:lvl3pPr marL="914400" algn="l" defTabSz="914400" rtl="0" eaLnBrk="1" latinLnBrk="0" hangingPunct="1">
+      <a:defRPr sz="1200" kern="1200">
+        <a:solidFill>
+          <a:schemeClr val="tx1"/>
+        </a:solidFill>
+        <a:latin typeface="+mn-lt"/>
+        <a:ea typeface="+mn-ea"/>
+        <a:cs typeface="+mn-cs"/>
+      </a:defRPr>
+    </a:lvl3pPr>
+    <a:lvl4pPr marL="1371600" algn="l" defTabSz="914400" rtl="0" eaLnBrk="1" latinLnBrk="0" hangingPunct="1">
+      <a:defRPr sz="1200" kern="1200">
+        <a:solidFill>
+          <a:schemeClr val="tx1"/>
+        </a:solidFill>
+        <a:latin typeface="+mn-lt"/>
+        <a:ea typeface="+mn-ea"/>
+        <a:cs typeface="+mn-cs"/>
+      </a:defRPr>
+    </a:lvl4pPr>
+    <a:lvl5pPr marL="1828800" algn="l" defTabSz="914400" rtl="0" eaLnBrk="1" latinLnBrk="0" hangingPunct="1">
+      <a:defRPr sz="1200" kern="1200">
+        <a:solidFill>
+          <a:schemeClr val="tx1"/>
+        </a:solidFill>
+        <a:latin typeface="+mn-lt"/>
+        <a:ea typeface="+mn-ea"/>
+        <a:cs typeface="+mn-cs"/>
+      </a:defRPr>
+    </a:lvl5pPr>
+    <a:lvl6pPr marL="2286000" algn="l" defTabSz="914400" rtl="0" eaLnBrk="1" latinLnBrk="0" hangingPunct="1">
+      <a:defRPr sz="1200" kern="1200">
+        <a:solidFill>
+          <a:schemeClr val="tx1"/>
+        </a:solidFill>
+        <a:latin typeface="+mn-lt"/>
+        <a:ea typeface="+mn-ea"/>
+        <a:cs typeface="+mn-cs"/>
+      </a:defRPr>
+    </a:lvl6pPr>
+    <a:lvl7pPr marL="2743200" algn="l" defTabSz="914400" rtl="0" eaLnBrk="1" latinLnBrk="0" hangingPunct="1">
+      <a:defRPr sz="1200" kern="1200">
+        <a:solidFill>
+          <a:schemeClr val="tx1"/>
+        </a:solidFill>
+        <a:latin typeface="+mn-lt"/>
+        <a:ea typeface="+mn-ea"/>
+        <a:cs typeface="+mn-cs"/>
+      </a:defRPr>
+    </a:lvl7pPr>
+    <a:lvl8pPr marL="3200400" algn="l" defTabSz="914400" rtl="0" eaLnBrk="1" latinLnBrk="0" hangingPunct="1">
+      <a:defRPr sz="1200" kern="1200">
+        <a:solidFill>
+          <a:schemeClr val="tx1"/>
+        </a:solidFill>
+        <a:latin typeface="+mn-lt"/>
+        <a:ea typeface="+mn-ea"/>
+        <a:cs typeface="+mn-cs"/>
+      </a:defRPr>
+    </a:lvl8pPr>
+    <a:lvl9pPr marL="3657600" algn="l" defTabSz="914400" rtl="0" eaLnBrk="1" latinLnBrk="0" hangingPunct="1">
+      <a:defRPr sz="1200" kern="1200">
+        <a:solidFill>
+          <a:schemeClr val="tx1"/>
+        </a:solidFill>
+        <a:latin typeface="+mn-lt"/>
+        <a:ea typeface="+mn-ea"/>
+        <a:cs typeface="+mn-cs"/>
+      </a:defRPr>
+    </a:lvl9pPr>
+  </p:notesStyle>
 </p:notesMaster>
 </file>
 
 <file path=ppt/notesSlides/notesSlide1.xml><?xml version="1.0" encoding="utf-8"?>
-<p:notes xmlns:a="http://schemas.openxmlformats.org/drawingml/2006/main" xmlns:r="http://schemas.openxmlformats.org/officeDocument/2006/relationships" xmlns:mc="http://schemas.openxmlformats.org/markup-compatibility/2006" xmlns:mv="urn:schemas-microsoft-com:mac:vml" xmlns:p="http://schemas.openxmlformats.org/presentationml/2006/main" xmlns:c="http://schemas.openxmlformats.org/drawingml/2006/chart" xmlns:dgm="http://schemas.openxmlformats.org/drawingml/2006/diagram" xmlns:o="urn:schemas-microsoft-com:office:office" xmlns:v="urn:schemas-microsoft-com:vml" xmlns:pvml="urn:schemas-microsoft-com:office:powerpoint" xmlns:com="http://schemas.openxmlformats.org/drawingml/2006/compatibility" xmlns:p14="http://schemas.microsoft.com/office/powerpoint/2010/main" showMasterPhAnim="0" showMasterSp="0">
+<p:notes xmlns:a="http://schemas.openxmlformats.org/drawingml/2006/main" xmlns:r="http://schemas.openxmlformats.org/officeDocument/2006/relationships" xmlns:p="http://schemas.openxmlformats.org/presentationml/2006/main" showMasterSp="0" showMasterPhAnim="0">
   <p:cSld>
     <p:spTree>
       <p:nvGrpSpPr>
-        <p:cNvPr id="50" name="Shape 50"/>
+        <p:cNvPr id="1" name="Shape 50"/>
         <p:cNvGrpSpPr/>
         <p:nvPr/>
       </p:nvGrpSpPr>
@@ -398,9 +506,11 @@
       <p:sp>
         <p:nvSpPr>
           <p:cNvPr id="51" name="Shape 51"/>
-          <p:cNvSpPr/>
-          <p:nvPr>
-            <p:ph idx="2" type="sldImg"/>
+          <p:cNvSpPr>
+            <a:spLocks noGrp="1" noRot="1" noChangeAspect="1"/>
+          </p:cNvSpPr>
+          <p:nvPr>
+            <p:ph type="sldImg" idx="2"/>
           </p:nvPr>
         </p:nvSpPr>
         <p:spPr>
@@ -409,8 +519,13 @@
             <a:ext cx="6096075" cy="3429000"/>
           </a:xfrm>
           <a:custGeom>
+            <a:avLst/>
+            <a:gdLst/>
+            <a:ahLst/>
+            <a:cxnLst/>
+            <a:rect l="0" t="0" r="0" b="0"/>
             <a:pathLst>
-              <a:path extrusionOk="0" h="120000" w="120000">
+              <a:path w="120000" h="120000" extrusionOk="0">
                 <a:moveTo>
                   <a:pt x="0" y="0"/>
                 </a:moveTo>
@@ -432,9 +547,11 @@
       <p:sp>
         <p:nvSpPr>
           <p:cNvPr id="52" name="Shape 52"/>
-          <p:cNvSpPr txBox="1"/>
-          <p:nvPr>
-            <p:ph idx="1" type="body"/>
+          <p:cNvSpPr txBox="1">
+            <a:spLocks noGrp="1"/>
+          </p:cNvSpPr>
+          <p:nvPr>
+            <p:ph type="body" idx="1"/>
           </p:nvPr>
         </p:nvSpPr>
         <p:spPr>
@@ -447,7 +564,7 @@
           </a:prstGeom>
         </p:spPr>
         <p:txBody>
-          <a:bodyPr anchorCtr="0" anchor="t" bIns="91425" lIns="91425" rIns="91425" tIns="91425">
+          <a:bodyPr lIns="91425" tIns="91425" rIns="91425" bIns="91425" anchor="t" anchorCtr="0">
             <a:noAutofit/>
           </a:bodyPr>
           <a:lstStyle/>
@@ -458,9 +575,6 @@
               </a:spcBef>
               <a:buNone/>
             </a:pPr>
-            <a:r>
-              <a:t/>
-            </a:r>
             <a:endParaRPr/>
           </a:p>
         </p:txBody>
@@ -474,11 +588,11 @@
 </file>
 
 <file path=ppt/notesSlides/notesSlide10.xml><?xml version="1.0" encoding="utf-8"?>
-<p:notes xmlns:a="http://schemas.openxmlformats.org/drawingml/2006/main" xmlns:r="http://schemas.openxmlformats.org/officeDocument/2006/relationships" xmlns:mc="http://schemas.openxmlformats.org/markup-compatibility/2006" xmlns:mv="urn:schemas-microsoft-com:mac:vml" xmlns:p="http://schemas.openxmlformats.org/presentationml/2006/main" xmlns:c="http://schemas.openxmlformats.org/drawingml/2006/chart" xmlns:dgm="http://schemas.openxmlformats.org/drawingml/2006/diagram" xmlns:o="urn:schemas-microsoft-com:office:office" xmlns:v="urn:schemas-microsoft-com:vml" xmlns:pvml="urn:schemas-microsoft-com:office:powerpoint" xmlns:com="http://schemas.openxmlformats.org/drawingml/2006/compatibility" xmlns:p14="http://schemas.microsoft.com/office/powerpoint/2010/main" showMasterPhAnim="0" showMasterSp="0">
+<p:notes xmlns:a="http://schemas.openxmlformats.org/drawingml/2006/main" xmlns:r="http://schemas.openxmlformats.org/officeDocument/2006/relationships" xmlns:p="http://schemas.openxmlformats.org/presentationml/2006/main" showMasterSp="0" showMasterPhAnim="0">
   <p:cSld>
     <p:spTree>
       <p:nvGrpSpPr>
-        <p:cNvPr id="117" name="Shape 117"/>
+        <p:cNvPr id="1" name="Shape 117"/>
         <p:cNvGrpSpPr/>
         <p:nvPr/>
       </p:nvGrpSpPr>
@@ -493,9 +607,11 @@
       <p:sp>
         <p:nvSpPr>
           <p:cNvPr id="118" name="Shape 118"/>
-          <p:cNvSpPr/>
-          <p:nvPr>
-            <p:ph idx="2" type="sldImg"/>
+          <p:cNvSpPr>
+            <a:spLocks noGrp="1" noRot="1" noChangeAspect="1"/>
+          </p:cNvSpPr>
+          <p:nvPr>
+            <p:ph type="sldImg" idx="2"/>
           </p:nvPr>
         </p:nvSpPr>
         <p:spPr>
@@ -504,8 +620,13 @@
             <a:ext cx="6096000" cy="3429000"/>
           </a:xfrm>
           <a:custGeom>
+            <a:avLst/>
+            <a:gdLst/>
+            <a:ahLst/>
+            <a:cxnLst/>
+            <a:rect l="0" t="0" r="0" b="0"/>
             <a:pathLst>
-              <a:path extrusionOk="0" h="120000" w="120000">
+              <a:path w="120000" h="120000" extrusionOk="0">
                 <a:moveTo>
                   <a:pt x="0" y="0"/>
                 </a:moveTo>
@@ -527,9 +648,11 @@
       <p:sp>
         <p:nvSpPr>
           <p:cNvPr id="119" name="Shape 119"/>
-          <p:cNvSpPr txBox="1"/>
-          <p:nvPr>
-            <p:ph idx="1" type="body"/>
+          <p:cNvSpPr txBox="1">
+            <a:spLocks noGrp="1"/>
+          </p:cNvSpPr>
+          <p:nvPr>
+            <p:ph type="body" idx="1"/>
           </p:nvPr>
         </p:nvSpPr>
         <p:spPr>
@@ -542,7 +665,7 @@
           </a:prstGeom>
         </p:spPr>
         <p:txBody>
-          <a:bodyPr anchorCtr="0" anchor="t" bIns="91425" lIns="91425" rIns="91425" tIns="91425">
+          <a:bodyPr lIns="91425" tIns="91425" rIns="91425" bIns="91425" anchor="t" anchorCtr="0">
             <a:noAutofit/>
           </a:bodyPr>
           <a:lstStyle/>
@@ -553,9 +676,6 @@
               </a:spcBef>
               <a:buNone/>
             </a:pPr>
-            <a:r>
-              <a:t/>
-            </a:r>
             <a:endParaRPr/>
           </a:p>
         </p:txBody>
@@ -569,11 +689,11 @@
 </file>
 
 <file path=ppt/notesSlides/notesSlide11.xml><?xml version="1.0" encoding="utf-8"?>
-<p:notes xmlns:a="http://schemas.openxmlformats.org/drawingml/2006/main" xmlns:r="http://schemas.openxmlformats.org/officeDocument/2006/relationships" xmlns:mc="http://schemas.openxmlformats.org/markup-compatibility/2006" xmlns:mv="urn:schemas-microsoft-com:mac:vml" xmlns:p="http://schemas.openxmlformats.org/presentationml/2006/main" xmlns:c="http://schemas.openxmlformats.org/drawingml/2006/chart" xmlns:dgm="http://schemas.openxmlformats.org/drawingml/2006/diagram" xmlns:o="urn:schemas-microsoft-com:office:office" xmlns:v="urn:schemas-microsoft-com:vml" xmlns:pvml="urn:schemas-microsoft-com:office:powerpoint" xmlns:com="http://schemas.openxmlformats.org/drawingml/2006/compatibility" xmlns:p14="http://schemas.microsoft.com/office/powerpoint/2010/main" showMasterPhAnim="0" showMasterSp="0">
+<p:notes xmlns:a="http://schemas.openxmlformats.org/drawingml/2006/main" xmlns:r="http://schemas.openxmlformats.org/officeDocument/2006/relationships" xmlns:p="http://schemas.openxmlformats.org/presentationml/2006/main" showMasterSp="0" showMasterPhAnim="0">
   <p:cSld>
     <p:spTree>
       <p:nvGrpSpPr>
-        <p:cNvPr id="125" name="Shape 125"/>
+        <p:cNvPr id="1" name="Shape 125"/>
         <p:cNvGrpSpPr/>
         <p:nvPr/>
       </p:nvGrpSpPr>
@@ -588,9 +708,11 @@
       <p:sp>
         <p:nvSpPr>
           <p:cNvPr id="126" name="Shape 126"/>
-          <p:cNvSpPr/>
-          <p:nvPr>
-            <p:ph idx="2" type="sldImg"/>
+          <p:cNvSpPr>
+            <a:spLocks noGrp="1" noRot="1" noChangeAspect="1"/>
+          </p:cNvSpPr>
+          <p:nvPr>
+            <p:ph type="sldImg" idx="2"/>
           </p:nvPr>
         </p:nvSpPr>
         <p:spPr>
@@ -599,8 +721,13 @@
             <a:ext cx="6096000" cy="3429000"/>
           </a:xfrm>
           <a:custGeom>
+            <a:avLst/>
+            <a:gdLst/>
+            <a:ahLst/>
+            <a:cxnLst/>
+            <a:rect l="0" t="0" r="0" b="0"/>
             <a:pathLst>
-              <a:path extrusionOk="0" h="120000" w="120000">
+              <a:path w="120000" h="120000" extrusionOk="0">
                 <a:moveTo>
                   <a:pt x="0" y="0"/>
                 </a:moveTo>
@@ -622,9 +749,11 @@
       <p:sp>
         <p:nvSpPr>
           <p:cNvPr id="127" name="Shape 127"/>
-          <p:cNvSpPr txBox="1"/>
-          <p:nvPr>
-            <p:ph idx="1" type="body"/>
+          <p:cNvSpPr txBox="1">
+            <a:spLocks noGrp="1"/>
+          </p:cNvSpPr>
+          <p:nvPr>
+            <p:ph type="body" idx="1"/>
           </p:nvPr>
         </p:nvSpPr>
         <p:spPr>
@@ -637,7 +766,7 @@
           </a:prstGeom>
         </p:spPr>
         <p:txBody>
-          <a:bodyPr anchorCtr="0" anchor="t" bIns="91425" lIns="91425" rIns="91425" tIns="91425">
+          <a:bodyPr lIns="91425" tIns="91425" rIns="91425" bIns="91425" anchor="t" anchorCtr="0">
             <a:noAutofit/>
           </a:bodyPr>
           <a:lstStyle/>
@@ -648,9 +777,6 @@
               </a:spcBef>
               <a:buNone/>
             </a:pPr>
-            <a:r>
-              <a:t/>
-            </a:r>
             <a:endParaRPr/>
           </a:p>
         </p:txBody>
@@ -664,11 +790,11 @@
 </file>
 
 <file path=ppt/notesSlides/notesSlide12.xml><?xml version="1.0" encoding="utf-8"?>
-<p:notes xmlns:a="http://schemas.openxmlformats.org/drawingml/2006/main" xmlns:r="http://schemas.openxmlformats.org/officeDocument/2006/relationships" xmlns:mc="http://schemas.openxmlformats.org/markup-compatibility/2006" xmlns:mv="urn:schemas-microsoft-com:mac:vml" xmlns:p="http://schemas.openxmlformats.org/presentationml/2006/main" xmlns:c="http://schemas.openxmlformats.org/drawingml/2006/chart" xmlns:dgm="http://schemas.openxmlformats.org/drawingml/2006/diagram" xmlns:o="urn:schemas-microsoft-com:office:office" xmlns:v="urn:schemas-microsoft-com:vml" xmlns:pvml="urn:schemas-microsoft-com:office:powerpoint" xmlns:com="http://schemas.openxmlformats.org/drawingml/2006/compatibility" xmlns:p14="http://schemas.microsoft.com/office/powerpoint/2010/main" showMasterPhAnim="0" showMasterSp="0">
+<p:notes xmlns:a="http://schemas.openxmlformats.org/drawingml/2006/main" xmlns:r="http://schemas.openxmlformats.org/officeDocument/2006/relationships" xmlns:p="http://schemas.openxmlformats.org/presentationml/2006/main" showMasterSp="0" showMasterPhAnim="0">
   <p:cSld>
     <p:spTree>
       <p:nvGrpSpPr>
-        <p:cNvPr id="133" name="Shape 133"/>
+        <p:cNvPr id="1" name="Shape 133"/>
         <p:cNvGrpSpPr/>
         <p:nvPr/>
       </p:nvGrpSpPr>
@@ -683,9 +809,11 @@
       <p:sp>
         <p:nvSpPr>
           <p:cNvPr id="134" name="Shape 134"/>
-          <p:cNvSpPr/>
-          <p:nvPr>
-            <p:ph idx="2" type="sldImg"/>
+          <p:cNvSpPr>
+            <a:spLocks noGrp="1" noRot="1" noChangeAspect="1"/>
+          </p:cNvSpPr>
+          <p:nvPr>
+            <p:ph type="sldImg" idx="2"/>
           </p:nvPr>
         </p:nvSpPr>
         <p:spPr>
@@ -694,8 +822,13 @@
             <a:ext cx="6096000" cy="3429000"/>
           </a:xfrm>
           <a:custGeom>
+            <a:avLst/>
+            <a:gdLst/>
+            <a:ahLst/>
+            <a:cxnLst/>
+            <a:rect l="0" t="0" r="0" b="0"/>
             <a:pathLst>
-              <a:path extrusionOk="0" h="120000" w="120000">
+              <a:path w="120000" h="120000" extrusionOk="0">
                 <a:moveTo>
                   <a:pt x="0" y="0"/>
                 </a:moveTo>
@@ -717,9 +850,11 @@
       <p:sp>
         <p:nvSpPr>
           <p:cNvPr id="135" name="Shape 135"/>
-          <p:cNvSpPr txBox="1"/>
-          <p:nvPr>
-            <p:ph idx="1" type="body"/>
+          <p:cNvSpPr txBox="1">
+            <a:spLocks noGrp="1"/>
+          </p:cNvSpPr>
+          <p:nvPr>
+            <p:ph type="body" idx="1"/>
           </p:nvPr>
         </p:nvSpPr>
         <p:spPr>
@@ -732,7 +867,7 @@
           </a:prstGeom>
         </p:spPr>
         <p:txBody>
-          <a:bodyPr anchorCtr="0" anchor="t" bIns="91425" lIns="91425" rIns="91425" tIns="91425">
+          <a:bodyPr lIns="91425" tIns="91425" rIns="91425" bIns="91425" anchor="t" anchorCtr="0">
             <a:noAutofit/>
           </a:bodyPr>
           <a:lstStyle/>
@@ -743,9 +878,6 @@
               </a:spcBef>
               <a:buNone/>
             </a:pPr>
-            <a:r>
-              <a:t/>
-            </a:r>
             <a:endParaRPr/>
           </a:p>
         </p:txBody>
@@ -759,11 +891,11 @@
 </file>
 
 <file path=ppt/notesSlides/notesSlide13.xml><?xml version="1.0" encoding="utf-8"?>
-<p:notes xmlns:a="http://schemas.openxmlformats.org/drawingml/2006/main" xmlns:r="http://schemas.openxmlformats.org/officeDocument/2006/relationships" xmlns:mc="http://schemas.openxmlformats.org/markup-compatibility/2006" xmlns:mv="urn:schemas-microsoft-com:mac:vml" xmlns:p="http://schemas.openxmlformats.org/presentationml/2006/main" xmlns:c="http://schemas.openxmlformats.org/drawingml/2006/chart" xmlns:dgm="http://schemas.openxmlformats.org/drawingml/2006/diagram" xmlns:o="urn:schemas-microsoft-com:office:office" xmlns:v="urn:schemas-microsoft-com:vml" xmlns:pvml="urn:schemas-microsoft-com:office:powerpoint" xmlns:com="http://schemas.openxmlformats.org/drawingml/2006/compatibility" xmlns:p14="http://schemas.microsoft.com/office/powerpoint/2010/main" showMasterPhAnim="0" showMasterSp="0">
+<p:notes xmlns:a="http://schemas.openxmlformats.org/drawingml/2006/main" xmlns:r="http://schemas.openxmlformats.org/officeDocument/2006/relationships" xmlns:p="http://schemas.openxmlformats.org/presentationml/2006/main" showMasterSp="0" showMasterPhAnim="0">
   <p:cSld>
     <p:spTree>
       <p:nvGrpSpPr>
-        <p:cNvPr id="141" name="Shape 141"/>
+        <p:cNvPr id="1" name="Shape 141"/>
         <p:cNvGrpSpPr/>
         <p:nvPr/>
       </p:nvGrpSpPr>
@@ -778,9 +910,11 @@
       <p:sp>
         <p:nvSpPr>
           <p:cNvPr id="142" name="Shape 142"/>
-          <p:cNvSpPr/>
-          <p:nvPr>
-            <p:ph idx="2" type="sldImg"/>
+          <p:cNvSpPr>
+            <a:spLocks noGrp="1" noRot="1" noChangeAspect="1"/>
+          </p:cNvSpPr>
+          <p:nvPr>
+            <p:ph type="sldImg" idx="2"/>
           </p:nvPr>
         </p:nvSpPr>
         <p:spPr>
@@ -789,8 +923,13 @@
             <a:ext cx="6096000" cy="3429000"/>
           </a:xfrm>
           <a:custGeom>
+            <a:avLst/>
+            <a:gdLst/>
+            <a:ahLst/>
+            <a:cxnLst/>
+            <a:rect l="0" t="0" r="0" b="0"/>
             <a:pathLst>
-              <a:path extrusionOk="0" h="120000" w="120000">
+              <a:path w="120000" h="120000" extrusionOk="0">
                 <a:moveTo>
                   <a:pt x="0" y="0"/>
                 </a:moveTo>
@@ -812,9 +951,11 @@
       <p:sp>
         <p:nvSpPr>
           <p:cNvPr id="143" name="Shape 143"/>
-          <p:cNvSpPr txBox="1"/>
-          <p:nvPr>
-            <p:ph idx="1" type="body"/>
+          <p:cNvSpPr txBox="1">
+            <a:spLocks noGrp="1"/>
+          </p:cNvSpPr>
+          <p:nvPr>
+            <p:ph type="body" idx="1"/>
           </p:nvPr>
         </p:nvSpPr>
         <p:spPr>
@@ -827,7 +968,7 @@
           </a:prstGeom>
         </p:spPr>
         <p:txBody>
-          <a:bodyPr anchorCtr="0" anchor="t" bIns="91425" lIns="91425" rIns="91425" tIns="91425">
+          <a:bodyPr lIns="91425" tIns="91425" rIns="91425" bIns="91425" anchor="t" anchorCtr="0">
             <a:noAutofit/>
           </a:bodyPr>
           <a:lstStyle/>
@@ -838,9 +979,6 @@
               </a:spcBef>
               <a:buNone/>
             </a:pPr>
-            <a:r>
-              <a:t/>
-            </a:r>
             <a:endParaRPr/>
           </a:p>
         </p:txBody>
@@ -854,11 +992,11 @@
 </file>
 
 <file path=ppt/notesSlides/notesSlide2.xml><?xml version="1.0" encoding="utf-8"?>
-<p:notes xmlns:a="http://schemas.openxmlformats.org/drawingml/2006/main" xmlns:r="http://schemas.openxmlformats.org/officeDocument/2006/relationships" xmlns:mc="http://schemas.openxmlformats.org/markup-compatibility/2006" xmlns:mv="urn:schemas-microsoft-com:mac:vml" xmlns:p="http://schemas.openxmlformats.org/presentationml/2006/main" xmlns:c="http://schemas.openxmlformats.org/drawingml/2006/chart" xmlns:dgm="http://schemas.openxmlformats.org/drawingml/2006/diagram" xmlns:o="urn:schemas-microsoft-com:office:office" xmlns:v="urn:schemas-microsoft-com:vml" xmlns:pvml="urn:schemas-microsoft-com:office:powerpoint" xmlns:com="http://schemas.openxmlformats.org/drawingml/2006/compatibility" xmlns:p14="http://schemas.microsoft.com/office/powerpoint/2010/main" showMasterPhAnim="0" showMasterSp="0">
+<p:notes xmlns:a="http://schemas.openxmlformats.org/drawingml/2006/main" xmlns:r="http://schemas.openxmlformats.org/officeDocument/2006/relationships" xmlns:p="http://schemas.openxmlformats.org/presentationml/2006/main" showMasterSp="0" showMasterPhAnim="0">
   <p:cSld>
     <p:spTree>
       <p:nvGrpSpPr>
-        <p:cNvPr id="56" name="Shape 56"/>
+        <p:cNvPr id="1" name="Shape 56"/>
         <p:cNvGrpSpPr/>
         <p:nvPr/>
       </p:nvGrpSpPr>
@@ -873,9 +1011,11 @@
       <p:sp>
         <p:nvSpPr>
           <p:cNvPr id="57" name="Shape 57"/>
-          <p:cNvSpPr/>
-          <p:nvPr>
-            <p:ph idx="2" type="sldImg"/>
+          <p:cNvSpPr>
+            <a:spLocks noGrp="1" noRot="1" noChangeAspect="1"/>
+          </p:cNvSpPr>
+          <p:nvPr>
+            <p:ph type="sldImg" idx="2"/>
           </p:nvPr>
         </p:nvSpPr>
         <p:spPr>
@@ -884,8 +1024,13 @@
             <a:ext cx="6096000" cy="3429000"/>
           </a:xfrm>
           <a:custGeom>
+            <a:avLst/>
+            <a:gdLst/>
+            <a:ahLst/>
+            <a:cxnLst/>
+            <a:rect l="0" t="0" r="0" b="0"/>
             <a:pathLst>
-              <a:path extrusionOk="0" h="120000" w="120000">
+              <a:path w="120000" h="120000" extrusionOk="0">
                 <a:moveTo>
                   <a:pt x="0" y="0"/>
                 </a:moveTo>
@@ -907,9 +1052,11 @@
       <p:sp>
         <p:nvSpPr>
           <p:cNvPr id="58" name="Shape 58"/>
-          <p:cNvSpPr txBox="1"/>
-          <p:nvPr>
-            <p:ph idx="1" type="body"/>
+          <p:cNvSpPr txBox="1">
+            <a:spLocks noGrp="1"/>
+          </p:cNvSpPr>
+          <p:nvPr>
+            <p:ph type="body" idx="1"/>
           </p:nvPr>
         </p:nvSpPr>
         <p:spPr>
@@ -922,7 +1069,7 @@
           </a:prstGeom>
         </p:spPr>
         <p:txBody>
-          <a:bodyPr anchorCtr="0" anchor="t" bIns="91425" lIns="91425" rIns="91425" tIns="91425">
+          <a:bodyPr lIns="91425" tIns="91425" rIns="91425" bIns="91425" anchor="t" anchorCtr="0">
             <a:noAutofit/>
           </a:bodyPr>
           <a:lstStyle/>
@@ -933,9 +1080,6 @@
               </a:spcBef>
               <a:buNone/>
             </a:pPr>
-            <a:r>
-              <a:t/>
-            </a:r>
             <a:endParaRPr/>
           </a:p>
         </p:txBody>
@@ -949,11 +1093,11 @@
 </file>
 
 <file path=ppt/notesSlides/notesSlide3.xml><?xml version="1.0" encoding="utf-8"?>
-<p:notes xmlns:a="http://schemas.openxmlformats.org/drawingml/2006/main" xmlns:r="http://schemas.openxmlformats.org/officeDocument/2006/relationships" xmlns:mc="http://schemas.openxmlformats.org/markup-compatibility/2006" xmlns:mv="urn:schemas-microsoft-com:mac:vml" xmlns:p="http://schemas.openxmlformats.org/presentationml/2006/main" xmlns:c="http://schemas.openxmlformats.org/drawingml/2006/chart" xmlns:dgm="http://schemas.openxmlformats.org/drawingml/2006/diagram" xmlns:o="urn:schemas-microsoft-com:office:office" xmlns:v="urn:schemas-microsoft-com:vml" xmlns:pvml="urn:schemas-microsoft-com:office:powerpoint" xmlns:com="http://schemas.openxmlformats.org/drawingml/2006/compatibility" xmlns:p14="http://schemas.microsoft.com/office/powerpoint/2010/main" showMasterPhAnim="0" showMasterSp="0">
+<p:notes xmlns:a="http://schemas.openxmlformats.org/drawingml/2006/main" xmlns:r="http://schemas.openxmlformats.org/officeDocument/2006/relationships" xmlns:p="http://schemas.openxmlformats.org/presentationml/2006/main" showMasterSp="0" showMasterPhAnim="0">
   <p:cSld>
     <p:spTree>
       <p:nvGrpSpPr>
-        <p:cNvPr id="62" name="Shape 62"/>
+        <p:cNvPr id="1" name="Shape 62"/>
         <p:cNvGrpSpPr/>
         <p:nvPr/>
       </p:nvGrpSpPr>
@@ -968,9 +1112,11 @@
       <p:sp>
         <p:nvSpPr>
           <p:cNvPr id="63" name="Shape 63"/>
-          <p:cNvSpPr/>
-          <p:nvPr>
-            <p:ph idx="2" type="sldImg"/>
+          <p:cNvSpPr>
+            <a:spLocks noGrp="1" noRot="1" noChangeAspect="1"/>
+          </p:cNvSpPr>
+          <p:nvPr>
+            <p:ph type="sldImg" idx="2"/>
           </p:nvPr>
         </p:nvSpPr>
         <p:spPr>
@@ -979,8 +1125,13 @@
             <a:ext cx="6096000" cy="3429000"/>
           </a:xfrm>
           <a:custGeom>
+            <a:avLst/>
+            <a:gdLst/>
+            <a:ahLst/>
+            <a:cxnLst/>
+            <a:rect l="0" t="0" r="0" b="0"/>
             <a:pathLst>
-              <a:path extrusionOk="0" h="120000" w="120000">
+              <a:path w="120000" h="120000" extrusionOk="0">
                 <a:moveTo>
                   <a:pt x="0" y="0"/>
                 </a:moveTo>
@@ -1002,9 +1153,11 @@
       <p:sp>
         <p:nvSpPr>
           <p:cNvPr id="64" name="Shape 64"/>
-          <p:cNvSpPr txBox="1"/>
-          <p:nvPr>
-            <p:ph idx="1" type="body"/>
+          <p:cNvSpPr txBox="1">
+            <a:spLocks noGrp="1"/>
+          </p:cNvSpPr>
+          <p:nvPr>
+            <p:ph type="body" idx="1"/>
           </p:nvPr>
         </p:nvSpPr>
         <p:spPr>
@@ -1017,7 +1170,7 @@
           </a:prstGeom>
         </p:spPr>
         <p:txBody>
-          <a:bodyPr anchorCtr="0" anchor="t" bIns="91425" lIns="91425" rIns="91425" tIns="91425">
+          <a:bodyPr lIns="91425" tIns="91425" rIns="91425" bIns="91425" anchor="t" anchorCtr="0">
             <a:noAutofit/>
           </a:bodyPr>
           <a:lstStyle/>
@@ -1028,9 +1181,6 @@
               </a:spcBef>
               <a:buNone/>
             </a:pPr>
-            <a:r>
-              <a:t/>
-            </a:r>
             <a:endParaRPr/>
           </a:p>
         </p:txBody>
@@ -1044,11 +1194,11 @@
 </file>
 
 <file path=ppt/notesSlides/notesSlide4.xml><?xml version="1.0" encoding="utf-8"?>
-<p:notes xmlns:a="http://schemas.openxmlformats.org/drawingml/2006/main" xmlns:r="http://schemas.openxmlformats.org/officeDocument/2006/relationships" xmlns:mc="http://schemas.openxmlformats.org/markup-compatibility/2006" xmlns:mv="urn:schemas-microsoft-com:mac:vml" xmlns:p="http://schemas.openxmlformats.org/presentationml/2006/main" xmlns:c="http://schemas.openxmlformats.org/drawingml/2006/chart" xmlns:dgm="http://schemas.openxmlformats.org/drawingml/2006/diagram" xmlns:o="urn:schemas-microsoft-com:office:office" xmlns:v="urn:schemas-microsoft-com:vml" xmlns:pvml="urn:schemas-microsoft-com:office:powerpoint" xmlns:com="http://schemas.openxmlformats.org/drawingml/2006/compatibility" xmlns:p14="http://schemas.microsoft.com/office/powerpoint/2010/main" showMasterPhAnim="0" showMasterSp="0">
+<p:notes xmlns:a="http://schemas.openxmlformats.org/drawingml/2006/main" xmlns:r="http://schemas.openxmlformats.org/officeDocument/2006/relationships" xmlns:p="http://schemas.openxmlformats.org/presentationml/2006/main" showMasterSp="0" showMasterPhAnim="0">
   <p:cSld>
     <p:spTree>
       <p:nvGrpSpPr>
-        <p:cNvPr id="71" name="Shape 71"/>
+        <p:cNvPr id="1" name="Shape 71"/>
         <p:cNvGrpSpPr/>
         <p:nvPr/>
       </p:nvGrpSpPr>
@@ -1063,9 +1213,11 @@
       <p:sp>
         <p:nvSpPr>
           <p:cNvPr id="72" name="Shape 72"/>
-          <p:cNvSpPr/>
-          <p:nvPr>
-            <p:ph idx="2" type="sldImg"/>
+          <p:cNvSpPr>
+            <a:spLocks noGrp="1" noRot="1" noChangeAspect="1"/>
+          </p:cNvSpPr>
+          <p:nvPr>
+            <p:ph type="sldImg" idx="2"/>
           </p:nvPr>
         </p:nvSpPr>
         <p:spPr>
@@ -1074,8 +1226,13 @@
             <a:ext cx="6096000" cy="3429000"/>
           </a:xfrm>
           <a:custGeom>
+            <a:avLst/>
+            <a:gdLst/>
+            <a:ahLst/>
+            <a:cxnLst/>
+            <a:rect l="0" t="0" r="0" b="0"/>
             <a:pathLst>
-              <a:path extrusionOk="0" h="120000" w="120000">
+              <a:path w="120000" h="120000" extrusionOk="0">
                 <a:moveTo>
                   <a:pt x="0" y="0"/>
                 </a:moveTo>
@@ -1097,9 +1254,11 @@
       <p:sp>
         <p:nvSpPr>
           <p:cNvPr id="73" name="Shape 73"/>
-          <p:cNvSpPr txBox="1"/>
-          <p:nvPr>
-            <p:ph idx="1" type="body"/>
+          <p:cNvSpPr txBox="1">
+            <a:spLocks noGrp="1"/>
+          </p:cNvSpPr>
+          <p:nvPr>
+            <p:ph type="body" idx="1"/>
           </p:nvPr>
         </p:nvSpPr>
         <p:spPr>
@@ -1112,7 +1271,7 @@
           </a:prstGeom>
         </p:spPr>
         <p:txBody>
-          <a:bodyPr anchorCtr="0" anchor="t" bIns="91425" lIns="91425" rIns="91425" tIns="91425">
+          <a:bodyPr lIns="91425" tIns="91425" rIns="91425" bIns="91425" anchor="t" anchorCtr="0">
             <a:noAutofit/>
           </a:bodyPr>
           <a:lstStyle/>
@@ -1123,9 +1282,6 @@
               </a:spcBef>
               <a:buNone/>
             </a:pPr>
-            <a:r>
-              <a:t/>
-            </a:r>
             <a:endParaRPr/>
           </a:p>
         </p:txBody>
@@ -1139,11 +1295,11 @@
 </file>
 
 <file path=ppt/notesSlides/notesSlide5.xml><?xml version="1.0" encoding="utf-8"?>
-<p:notes xmlns:a="http://schemas.openxmlformats.org/drawingml/2006/main" xmlns:r="http://schemas.openxmlformats.org/officeDocument/2006/relationships" xmlns:mc="http://schemas.openxmlformats.org/markup-compatibility/2006" xmlns:mv="urn:schemas-microsoft-com:mac:vml" xmlns:p="http://schemas.openxmlformats.org/presentationml/2006/main" xmlns:c="http://schemas.openxmlformats.org/drawingml/2006/chart" xmlns:dgm="http://schemas.openxmlformats.org/drawingml/2006/diagram" xmlns:o="urn:schemas-microsoft-com:office:office" xmlns:v="urn:schemas-microsoft-com:vml" xmlns:pvml="urn:schemas-microsoft-com:office:powerpoint" xmlns:com="http://schemas.openxmlformats.org/drawingml/2006/compatibility" xmlns:p14="http://schemas.microsoft.com/office/powerpoint/2010/main" showMasterPhAnim="0" showMasterSp="0">
+<p:notes xmlns:a="http://schemas.openxmlformats.org/drawingml/2006/main" xmlns:r="http://schemas.openxmlformats.org/officeDocument/2006/relationships" xmlns:p="http://schemas.openxmlformats.org/presentationml/2006/main" showMasterSp="0" showMasterPhAnim="0">
   <p:cSld>
     <p:spTree>
       <p:nvGrpSpPr>
-        <p:cNvPr id="77" name="Shape 77"/>
+        <p:cNvPr id="1" name="Shape 77"/>
         <p:cNvGrpSpPr/>
         <p:nvPr/>
       </p:nvGrpSpPr>
@@ -1158,9 +1314,11 @@
       <p:sp>
         <p:nvSpPr>
           <p:cNvPr id="78" name="Shape 78"/>
-          <p:cNvSpPr/>
-          <p:nvPr>
-            <p:ph idx="2" type="sldImg"/>
+          <p:cNvSpPr>
+            <a:spLocks noGrp="1" noRot="1" noChangeAspect="1"/>
+          </p:cNvSpPr>
+          <p:nvPr>
+            <p:ph type="sldImg" idx="2"/>
           </p:nvPr>
         </p:nvSpPr>
         <p:spPr>
@@ -1169,8 +1327,13 @@
             <a:ext cx="6096000" cy="3429000"/>
           </a:xfrm>
           <a:custGeom>
+            <a:avLst/>
+            <a:gdLst/>
+            <a:ahLst/>
+            <a:cxnLst/>
+            <a:rect l="0" t="0" r="0" b="0"/>
             <a:pathLst>
-              <a:path extrusionOk="0" h="120000" w="120000">
+              <a:path w="120000" h="120000" extrusionOk="0">
                 <a:moveTo>
                   <a:pt x="0" y="0"/>
                 </a:moveTo>
@@ -1192,9 +1355,11 @@
       <p:sp>
         <p:nvSpPr>
           <p:cNvPr id="79" name="Shape 79"/>
-          <p:cNvSpPr txBox="1"/>
-          <p:nvPr>
-            <p:ph idx="1" type="body"/>
+          <p:cNvSpPr txBox="1">
+            <a:spLocks noGrp="1"/>
+          </p:cNvSpPr>
+          <p:nvPr>
+            <p:ph type="body" idx="1"/>
           </p:nvPr>
         </p:nvSpPr>
         <p:spPr>
@@ -1207,7 +1372,7 @@
           </a:prstGeom>
         </p:spPr>
         <p:txBody>
-          <a:bodyPr anchorCtr="0" anchor="t" bIns="91425" lIns="91425" rIns="91425" tIns="91425">
+          <a:bodyPr lIns="91425" tIns="91425" rIns="91425" bIns="91425" anchor="t" anchorCtr="0">
             <a:noAutofit/>
           </a:bodyPr>
           <a:lstStyle/>
@@ -1218,9 +1383,6 @@
               </a:spcBef>
               <a:buNone/>
             </a:pPr>
-            <a:r>
-              <a:t/>
-            </a:r>
             <a:endParaRPr/>
           </a:p>
         </p:txBody>
@@ -1234,11 +1396,11 @@
 </file>
 
 <file path=ppt/notesSlides/notesSlide6.xml><?xml version="1.0" encoding="utf-8"?>
-<p:notes xmlns:a="http://schemas.openxmlformats.org/drawingml/2006/main" xmlns:r="http://schemas.openxmlformats.org/officeDocument/2006/relationships" xmlns:mc="http://schemas.openxmlformats.org/markup-compatibility/2006" xmlns:mv="urn:schemas-microsoft-com:mac:vml" xmlns:p="http://schemas.openxmlformats.org/presentationml/2006/main" xmlns:c="http://schemas.openxmlformats.org/drawingml/2006/chart" xmlns:dgm="http://schemas.openxmlformats.org/drawingml/2006/diagram" xmlns:o="urn:schemas-microsoft-com:office:office" xmlns:v="urn:schemas-microsoft-com:vml" xmlns:pvml="urn:schemas-microsoft-com:office:powerpoint" xmlns:com="http://schemas.openxmlformats.org/drawingml/2006/compatibility" xmlns:p14="http://schemas.microsoft.com/office/powerpoint/2010/main" showMasterPhAnim="0" showMasterSp="0">
+<p:notes xmlns:a="http://schemas.openxmlformats.org/drawingml/2006/main" xmlns:r="http://schemas.openxmlformats.org/officeDocument/2006/relationships" xmlns:p="http://schemas.openxmlformats.org/presentationml/2006/main" showMasterSp="0" showMasterPhAnim="0">
   <p:cSld>
     <p:spTree>
       <p:nvGrpSpPr>
-        <p:cNvPr id="86" name="Shape 86"/>
+        <p:cNvPr id="1" name="Shape 86"/>
         <p:cNvGrpSpPr/>
         <p:nvPr/>
       </p:nvGrpSpPr>
@@ -1253,9 +1415,11 @@
       <p:sp>
         <p:nvSpPr>
           <p:cNvPr id="87" name="Shape 87"/>
-          <p:cNvSpPr/>
-          <p:nvPr>
-            <p:ph idx="2" type="sldImg"/>
+          <p:cNvSpPr>
+            <a:spLocks noGrp="1" noRot="1" noChangeAspect="1"/>
+          </p:cNvSpPr>
+          <p:nvPr>
+            <p:ph type="sldImg" idx="2"/>
           </p:nvPr>
         </p:nvSpPr>
         <p:spPr>
@@ -1264,8 +1428,13 @@
             <a:ext cx="6096000" cy="3429000"/>
           </a:xfrm>
           <a:custGeom>
+            <a:avLst/>
+            <a:gdLst/>
+            <a:ahLst/>
+            <a:cxnLst/>
+            <a:rect l="0" t="0" r="0" b="0"/>
             <a:pathLst>
-              <a:path extrusionOk="0" h="120000" w="120000">
+              <a:path w="120000" h="120000" extrusionOk="0">
                 <a:moveTo>
                   <a:pt x="0" y="0"/>
                 </a:moveTo>
@@ -1287,9 +1456,11 @@
       <p:sp>
         <p:nvSpPr>
           <p:cNvPr id="88" name="Shape 88"/>
-          <p:cNvSpPr txBox="1"/>
-          <p:nvPr>
-            <p:ph idx="1" type="body"/>
+          <p:cNvSpPr txBox="1">
+            <a:spLocks noGrp="1"/>
+          </p:cNvSpPr>
+          <p:nvPr>
+            <p:ph type="body" idx="1"/>
           </p:nvPr>
         </p:nvSpPr>
         <p:spPr>
@@ -1302,7 +1473,7 @@
           </a:prstGeom>
         </p:spPr>
         <p:txBody>
-          <a:bodyPr anchorCtr="0" anchor="t" bIns="91425" lIns="91425" rIns="91425" tIns="91425">
+          <a:bodyPr lIns="91425" tIns="91425" rIns="91425" bIns="91425" anchor="t" anchorCtr="0">
             <a:noAutofit/>
           </a:bodyPr>
           <a:lstStyle/>
@@ -1313,9 +1484,6 @@
               </a:spcBef>
               <a:buNone/>
             </a:pPr>
-            <a:r>
-              <a:t/>
-            </a:r>
             <a:endParaRPr/>
           </a:p>
         </p:txBody>
@@ -1329,11 +1497,11 @@
 </file>
 
 <file path=ppt/notesSlides/notesSlide7.xml><?xml version="1.0" encoding="utf-8"?>
-<p:notes xmlns:a="http://schemas.openxmlformats.org/drawingml/2006/main" xmlns:r="http://schemas.openxmlformats.org/officeDocument/2006/relationships" xmlns:mc="http://schemas.openxmlformats.org/markup-compatibility/2006" xmlns:mv="urn:schemas-microsoft-com:mac:vml" xmlns:p="http://schemas.openxmlformats.org/presentationml/2006/main" xmlns:c="http://schemas.openxmlformats.org/drawingml/2006/chart" xmlns:dgm="http://schemas.openxmlformats.org/drawingml/2006/diagram" xmlns:o="urn:schemas-microsoft-com:office:office" xmlns:v="urn:schemas-microsoft-com:vml" xmlns:pvml="urn:schemas-microsoft-com:office:powerpoint" xmlns:com="http://schemas.openxmlformats.org/drawingml/2006/compatibility" xmlns:p14="http://schemas.microsoft.com/office/powerpoint/2010/main" showMasterPhAnim="0" showMasterSp="0">
+<p:notes xmlns:a="http://schemas.openxmlformats.org/drawingml/2006/main" xmlns:r="http://schemas.openxmlformats.org/officeDocument/2006/relationships" xmlns:p="http://schemas.openxmlformats.org/presentationml/2006/main" showMasterSp="0" showMasterPhAnim="0">
   <p:cSld>
     <p:spTree>
       <p:nvGrpSpPr>
-        <p:cNvPr id="94" name="Shape 94"/>
+        <p:cNvPr id="1" name="Shape 94"/>
         <p:cNvGrpSpPr/>
         <p:nvPr/>
       </p:nvGrpSpPr>
@@ -1348,9 +1516,11 @@
       <p:sp>
         <p:nvSpPr>
           <p:cNvPr id="95" name="Shape 95"/>
-          <p:cNvSpPr/>
-          <p:nvPr>
-            <p:ph idx="2" type="sldImg"/>
+          <p:cNvSpPr>
+            <a:spLocks noGrp="1" noRot="1" noChangeAspect="1"/>
+          </p:cNvSpPr>
+          <p:nvPr>
+            <p:ph type="sldImg" idx="2"/>
           </p:nvPr>
         </p:nvSpPr>
         <p:spPr>
@@ -1359,8 +1529,13 @@
             <a:ext cx="6096000" cy="3429000"/>
           </a:xfrm>
           <a:custGeom>
+            <a:avLst/>
+            <a:gdLst/>
+            <a:ahLst/>
+            <a:cxnLst/>
+            <a:rect l="0" t="0" r="0" b="0"/>
             <a:pathLst>
-              <a:path extrusionOk="0" h="120000" w="120000">
+              <a:path w="120000" h="120000" extrusionOk="0">
                 <a:moveTo>
                   <a:pt x="0" y="0"/>
                 </a:moveTo>
@@ -1382,9 +1557,11 @@
       <p:sp>
         <p:nvSpPr>
           <p:cNvPr id="96" name="Shape 96"/>
-          <p:cNvSpPr txBox="1"/>
-          <p:nvPr>
-            <p:ph idx="1" type="body"/>
+          <p:cNvSpPr txBox="1">
+            <a:spLocks noGrp="1"/>
+          </p:cNvSpPr>
+          <p:nvPr>
+            <p:ph type="body" idx="1"/>
           </p:nvPr>
         </p:nvSpPr>
         <p:spPr>
@@ -1397,7 +1574,7 @@
           </a:prstGeom>
         </p:spPr>
         <p:txBody>
-          <a:bodyPr anchorCtr="0" anchor="t" bIns="91425" lIns="91425" rIns="91425" tIns="91425">
+          <a:bodyPr lIns="91425" tIns="91425" rIns="91425" bIns="91425" anchor="t" anchorCtr="0">
             <a:noAutofit/>
           </a:bodyPr>
           <a:lstStyle/>
@@ -1408,9 +1585,6 @@
               </a:spcBef>
               <a:buNone/>
             </a:pPr>
-            <a:r>
-              <a:t/>
-            </a:r>
             <a:endParaRPr/>
           </a:p>
         </p:txBody>
@@ -1424,11 +1598,11 @@
 </file>
 
 <file path=ppt/notesSlides/notesSlide8.xml><?xml version="1.0" encoding="utf-8"?>
-<p:notes xmlns:a="http://schemas.openxmlformats.org/drawingml/2006/main" xmlns:r="http://schemas.openxmlformats.org/officeDocument/2006/relationships" xmlns:mc="http://schemas.openxmlformats.org/markup-compatibility/2006" xmlns:mv="urn:schemas-microsoft-com:mac:vml" xmlns:p="http://schemas.openxmlformats.org/presentationml/2006/main" xmlns:c="http://schemas.openxmlformats.org/drawingml/2006/chart" xmlns:dgm="http://schemas.openxmlformats.org/drawingml/2006/diagram" xmlns:o="urn:schemas-microsoft-com:office:office" xmlns:v="urn:schemas-microsoft-com:vml" xmlns:pvml="urn:schemas-microsoft-com:office:powerpoint" xmlns:com="http://schemas.openxmlformats.org/drawingml/2006/compatibility" xmlns:p14="http://schemas.microsoft.com/office/powerpoint/2010/main" showMasterPhAnim="0" showMasterSp="0">
+<p:notes xmlns:a="http://schemas.openxmlformats.org/drawingml/2006/main" xmlns:r="http://schemas.openxmlformats.org/officeDocument/2006/relationships" xmlns:p="http://schemas.openxmlformats.org/presentationml/2006/main" showMasterSp="0" showMasterPhAnim="0">
   <p:cSld>
     <p:spTree>
       <p:nvGrpSpPr>
-        <p:cNvPr id="102" name="Shape 102"/>
+        <p:cNvPr id="1" name="Shape 102"/>
         <p:cNvGrpSpPr/>
         <p:nvPr/>
       </p:nvGrpSpPr>
@@ -1443,9 +1617,11 @@
       <p:sp>
         <p:nvSpPr>
           <p:cNvPr id="103" name="Shape 103"/>
-          <p:cNvSpPr/>
-          <p:nvPr>
-            <p:ph idx="2" type="sldImg"/>
+          <p:cNvSpPr>
+            <a:spLocks noGrp="1" noRot="1" noChangeAspect="1"/>
+          </p:cNvSpPr>
+          <p:nvPr>
+            <p:ph type="sldImg" idx="2"/>
           </p:nvPr>
         </p:nvSpPr>
         <p:spPr>
@@ -1454,8 +1630,13 @@
             <a:ext cx="6096000" cy="3429000"/>
           </a:xfrm>
           <a:custGeom>
+            <a:avLst/>
+            <a:gdLst/>
+            <a:ahLst/>
+            <a:cxnLst/>
+            <a:rect l="0" t="0" r="0" b="0"/>
             <a:pathLst>
-              <a:path extrusionOk="0" h="120000" w="120000">
+              <a:path w="120000" h="120000" extrusionOk="0">
                 <a:moveTo>
                   <a:pt x="0" y="0"/>
                 </a:moveTo>
@@ -1477,9 +1658,11 @@
       <p:sp>
         <p:nvSpPr>
           <p:cNvPr id="104" name="Shape 104"/>
-          <p:cNvSpPr txBox="1"/>
-          <p:nvPr>
-            <p:ph idx="1" type="body"/>
+          <p:cNvSpPr txBox="1">
+            <a:spLocks noGrp="1"/>
+          </p:cNvSpPr>
+          <p:nvPr>
+            <p:ph type="body" idx="1"/>
           </p:nvPr>
         </p:nvSpPr>
         <p:spPr>
@@ -1492,7 +1675,7 @@
           </a:prstGeom>
         </p:spPr>
         <p:txBody>
-          <a:bodyPr anchorCtr="0" anchor="t" bIns="91425" lIns="91425" rIns="91425" tIns="91425">
+          <a:bodyPr lIns="91425" tIns="91425" rIns="91425" bIns="91425" anchor="t" anchorCtr="0">
             <a:noAutofit/>
           </a:bodyPr>
           <a:lstStyle/>
@@ -1503,9 +1686,6 @@
               </a:spcBef>
               <a:buNone/>
             </a:pPr>
-            <a:r>
-              <a:t/>
-            </a:r>
             <a:endParaRPr/>
           </a:p>
         </p:txBody>
@@ -1519,11 +1699,11 @@
 </file>
 
 <file path=ppt/notesSlides/notesSlide9.xml><?xml version="1.0" encoding="utf-8"?>
-<p:notes xmlns:a="http://schemas.openxmlformats.org/drawingml/2006/main" xmlns:r="http://schemas.openxmlformats.org/officeDocument/2006/relationships" xmlns:mc="http://schemas.openxmlformats.org/markup-compatibility/2006" xmlns:mv="urn:schemas-microsoft-com:mac:vml" xmlns:p="http://schemas.openxmlformats.org/presentationml/2006/main" xmlns:c="http://schemas.openxmlformats.org/drawingml/2006/chart" xmlns:dgm="http://schemas.openxmlformats.org/drawingml/2006/diagram" xmlns:o="urn:schemas-microsoft-com:office:office" xmlns:v="urn:schemas-microsoft-com:vml" xmlns:pvml="urn:schemas-microsoft-com:office:powerpoint" xmlns:com="http://schemas.openxmlformats.org/drawingml/2006/compatibility" xmlns:p14="http://schemas.microsoft.com/office/powerpoint/2010/main" showMasterPhAnim="0" showMasterSp="0">
+<p:notes xmlns:a="http://schemas.openxmlformats.org/drawingml/2006/main" xmlns:r="http://schemas.openxmlformats.org/officeDocument/2006/relationships" xmlns:p="http://schemas.openxmlformats.org/presentationml/2006/main" showMasterSp="0" showMasterPhAnim="0">
   <p:cSld>
     <p:spTree>
       <p:nvGrpSpPr>
-        <p:cNvPr id="111" name="Shape 111"/>
+        <p:cNvPr id="1" name="Shape 111"/>
         <p:cNvGrpSpPr/>
         <p:nvPr/>
       </p:nvGrpSpPr>
@@ -1538,19 +1718,26 @@
       <p:sp>
         <p:nvSpPr>
           <p:cNvPr id="112" name="Shape 112"/>
-          <p:cNvSpPr/>
-          <p:nvPr>
-            <p:ph idx="2" type="sldImg"/>
-          </p:nvPr>
-        </p:nvSpPr>
-        <p:spPr>
-          <a:xfrm>
-            <a:off x="381300" y="685800"/>
+          <p:cNvSpPr>
+            <a:spLocks noGrp="1" noRot="1" noChangeAspect="1"/>
+          </p:cNvSpPr>
+          <p:nvPr>
+            <p:ph type="sldImg" idx="2"/>
+          </p:nvPr>
+        </p:nvSpPr>
+        <p:spPr>
+          <a:xfrm>
+            <a:off x="381000" y="685800"/>
             <a:ext cx="6096000" cy="3429000"/>
           </a:xfrm>
           <a:custGeom>
+            <a:avLst/>
+            <a:gdLst/>
+            <a:ahLst/>
+            <a:cxnLst/>
+            <a:rect l="0" t="0" r="0" b="0"/>
             <a:pathLst>
-              <a:path extrusionOk="0" h="120000" w="120000">
+              <a:path w="120000" h="120000" extrusionOk="0">
                 <a:moveTo>
                   <a:pt x="0" y="0"/>
                 </a:moveTo>
@@ -1572,9 +1759,11 @@
       <p:sp>
         <p:nvSpPr>
           <p:cNvPr id="113" name="Shape 113"/>
-          <p:cNvSpPr txBox="1"/>
-          <p:nvPr>
-            <p:ph idx="1" type="body"/>
+          <p:cNvSpPr txBox="1">
+            <a:spLocks noGrp="1"/>
+          </p:cNvSpPr>
+          <p:nvPr>
+            <p:ph type="body" idx="1"/>
           </p:nvPr>
         </p:nvSpPr>
         <p:spPr>
@@ -1587,7 +1776,7 @@
           </a:prstGeom>
         </p:spPr>
         <p:txBody>
-          <a:bodyPr anchorCtr="0" anchor="t" bIns="91425" lIns="91425" rIns="91425" tIns="91425">
+          <a:bodyPr lIns="91425" tIns="91425" rIns="91425" bIns="91425" anchor="t" anchorCtr="0">
             <a:noAutofit/>
           </a:bodyPr>
           <a:lstStyle/>
@@ -1598,9 +1787,6 @@
               </a:spcBef>
               <a:buNone/>
             </a:pPr>
-            <a:r>
-              <a:t/>
-            </a:r>
             <a:endParaRPr/>
           </a:p>
         </p:txBody>
@@ -1614,11 +1800,11 @@
 </file>
 
 <file path=ppt/slideLayouts/slideLayout1.xml><?xml version="1.0" encoding="utf-8"?>
-<p:sldLayout xmlns:a="http://schemas.openxmlformats.org/drawingml/2006/main" xmlns:r="http://schemas.openxmlformats.org/officeDocument/2006/relationships" xmlns:mc="http://schemas.openxmlformats.org/markup-compatibility/2006" xmlns:mv="urn:schemas-microsoft-com:mac:vml" xmlns:p="http://schemas.openxmlformats.org/presentationml/2006/main" xmlns:c="http://schemas.openxmlformats.org/drawingml/2006/chart" xmlns:dgm="http://schemas.openxmlformats.org/drawingml/2006/diagram" xmlns:o="urn:schemas-microsoft-com:office:office" xmlns:v="urn:schemas-microsoft-com:vml" xmlns:pvml="urn:schemas-microsoft-com:office:powerpoint" xmlns:com="http://schemas.openxmlformats.org/drawingml/2006/compatibility" xmlns:p14="http://schemas.microsoft.com/office/powerpoint/2010/main" type="title">
+<p:sldLayout xmlns:a="http://schemas.openxmlformats.org/drawingml/2006/main" xmlns:r="http://schemas.openxmlformats.org/officeDocument/2006/relationships" xmlns:p="http://schemas.openxmlformats.org/presentationml/2006/main" type="title">
   <p:cSld name="Title slide">
     <p:spTree>
       <p:nvGrpSpPr>
-        <p:cNvPr id="9" name="Shape 9"/>
+        <p:cNvPr id="1" name="Shape 9"/>
         <p:cNvGrpSpPr/>
         <p:nvPr/>
       </p:nvGrpSpPr>
@@ -1633,7 +1819,9 @@
       <p:sp>
         <p:nvSpPr>
           <p:cNvPr id="10" name="Shape 10"/>
-          <p:cNvSpPr txBox="1"/>
+          <p:cNvSpPr txBox="1">
+            <a:spLocks noGrp="1"/>
+          </p:cNvSpPr>
           <p:nvPr>
             <p:ph type="ctrTitle"/>
           </p:nvPr>
@@ -1648,7 +1836,7 @@
           </a:prstGeom>
         </p:spPr>
         <p:txBody>
-          <a:bodyPr anchorCtr="0" anchor="b" bIns="91425" lIns="91425" rIns="91425" tIns="91425"/>
+          <a:bodyPr lIns="91425" tIns="91425" rIns="91425" bIns="91425" anchor="b" anchorCtr="0"/>
           <a:lstStyle>
             <a:lvl1pPr lvl="0" algn="ctr">
               <a:spcBef>
@@ -1714,15 +1902,19 @@
               <a:defRPr sz="5200"/>
             </a:lvl9pPr>
           </a:lstStyle>
-          <a:p/>
+          <a:p>
+            <a:endParaRPr/>
+          </a:p>
         </p:txBody>
       </p:sp>
       <p:sp>
         <p:nvSpPr>
           <p:cNvPr id="11" name="Shape 11"/>
-          <p:cNvSpPr txBox="1"/>
-          <p:nvPr>
-            <p:ph idx="1" type="subTitle"/>
+          <p:cNvSpPr txBox="1">
+            <a:spLocks noGrp="1"/>
+          </p:cNvSpPr>
+          <p:nvPr>
+            <p:ph type="subTitle" idx="1"/>
           </p:nvPr>
         </p:nvSpPr>
         <p:spPr>
@@ -1735,7 +1927,7 @@
           </a:prstGeom>
         </p:spPr>
         <p:txBody>
-          <a:bodyPr anchorCtr="0" anchor="t" bIns="91425" lIns="91425" rIns="91425" tIns="91425"/>
+          <a:bodyPr lIns="91425" tIns="91425" rIns="91425" bIns="91425" anchor="t" anchorCtr="0"/>
           <a:lstStyle>
             <a:lvl1pPr lvl="0" algn="ctr">
               <a:lnSpc>
@@ -1864,15 +2056,19 @@
               <a:defRPr sz="2800"/>
             </a:lvl9pPr>
           </a:lstStyle>
-          <a:p/>
+          <a:p>
+            <a:endParaRPr/>
+          </a:p>
         </p:txBody>
       </p:sp>
       <p:sp>
         <p:nvSpPr>
           <p:cNvPr id="12" name="Shape 12"/>
-          <p:cNvSpPr txBox="1"/>
-          <p:nvPr>
-            <p:ph idx="12" type="sldNum"/>
+          <p:cNvSpPr txBox="1">
+            <a:spLocks noGrp="1"/>
+          </p:cNvSpPr>
+          <p:nvPr>
+            <p:ph type="sldNum" idx="12"/>
           </p:nvPr>
         </p:nvSpPr>
         <p:spPr>
@@ -1885,7 +2081,7 @@
           </a:prstGeom>
         </p:spPr>
         <p:txBody>
-          <a:bodyPr anchorCtr="0" anchor="ctr" bIns="91425" lIns="91425" rIns="91425" tIns="91425">
+          <a:bodyPr lIns="91425" tIns="91425" rIns="91425" bIns="91425" anchor="ctr" anchorCtr="0">
             <a:noAutofit/>
           </a:bodyPr>
           <a:lstStyle/>
@@ -1900,6 +2096,7 @@
               <a:rPr lang="en"/>
               <a:t>‹#›</a:t>
             </a:fld>
+            <a:endParaRPr lang="en"/>
           </a:p>
         </p:txBody>
       </p:sp>
@@ -1912,11 +2109,11 @@
 </file>
 
 <file path=ppt/slideLayouts/slideLayout10.xml><?xml version="1.0" encoding="utf-8"?>
-<p:sldLayout xmlns:a="http://schemas.openxmlformats.org/drawingml/2006/main" xmlns:r="http://schemas.openxmlformats.org/officeDocument/2006/relationships" xmlns:mc="http://schemas.openxmlformats.org/markup-compatibility/2006" xmlns:mv="urn:schemas-microsoft-com:mac:vml" xmlns:p="http://schemas.openxmlformats.org/presentationml/2006/main" xmlns:c="http://schemas.openxmlformats.org/drawingml/2006/chart" xmlns:dgm="http://schemas.openxmlformats.org/drawingml/2006/diagram" xmlns:o="urn:schemas-microsoft-com:office:office" xmlns:v="urn:schemas-microsoft-com:vml" xmlns:pvml="urn:schemas-microsoft-com:office:powerpoint" xmlns:com="http://schemas.openxmlformats.org/drawingml/2006/compatibility" xmlns:p14="http://schemas.microsoft.com/office/powerpoint/2010/main">
+<p:sldLayout xmlns:a="http://schemas.openxmlformats.org/drawingml/2006/main" xmlns:r="http://schemas.openxmlformats.org/officeDocument/2006/relationships" xmlns:p="http://schemas.openxmlformats.org/presentationml/2006/main">
   <p:cSld name="Big number">
     <p:spTree>
       <p:nvGrpSpPr>
-        <p:cNvPr id="44" name="Shape 44"/>
+        <p:cNvPr id="1" name="Shape 44"/>
         <p:cNvGrpSpPr/>
         <p:nvPr/>
       </p:nvGrpSpPr>
@@ -1931,7 +2128,9 @@
       <p:sp>
         <p:nvSpPr>
           <p:cNvPr id="45" name="Shape 45"/>
-          <p:cNvSpPr txBox="1"/>
+          <p:cNvSpPr txBox="1">
+            <a:spLocks noGrp="1"/>
+          </p:cNvSpPr>
           <p:nvPr>
             <p:ph type="title"/>
           </p:nvPr>
@@ -1946,7 +2145,7 @@
           </a:prstGeom>
         </p:spPr>
         <p:txBody>
-          <a:bodyPr anchorCtr="0" anchor="b" bIns="91425" lIns="91425" rIns="91425" tIns="91425"/>
+          <a:bodyPr lIns="91425" tIns="91425" rIns="91425" bIns="91425" anchor="b" anchorCtr="0"/>
           <a:lstStyle>
             <a:lvl1pPr lvl="0" algn="ctr">
               <a:spcBef>
@@ -2012,15 +2211,19 @@
               <a:defRPr sz="12000"/>
             </a:lvl9pPr>
           </a:lstStyle>
-          <a:p/>
+          <a:p>
+            <a:endParaRPr/>
+          </a:p>
         </p:txBody>
       </p:sp>
       <p:sp>
         <p:nvSpPr>
           <p:cNvPr id="46" name="Shape 46"/>
-          <p:cNvSpPr txBox="1"/>
-          <p:nvPr>
-            <p:ph idx="1" type="body"/>
+          <p:cNvSpPr txBox="1">
+            <a:spLocks noGrp="1"/>
+          </p:cNvSpPr>
+          <p:nvPr>
+            <p:ph type="body" idx="1"/>
           </p:nvPr>
         </p:nvSpPr>
         <p:spPr>
@@ -2033,7 +2236,7 @@
           </a:prstGeom>
         </p:spPr>
         <p:txBody>
-          <a:bodyPr anchorCtr="0" anchor="t" bIns="91425" lIns="91425" rIns="91425" tIns="91425"/>
+          <a:bodyPr lIns="91425" tIns="91425" rIns="91425" bIns="91425" anchor="t" anchorCtr="0"/>
           <a:lstStyle>
             <a:lvl1pPr lvl="0" algn="ctr">
               <a:spcBef>
@@ -2090,15 +2293,19 @@
               <a:defRPr/>
             </a:lvl9pPr>
           </a:lstStyle>
-          <a:p/>
+          <a:p>
+            <a:endParaRPr/>
+          </a:p>
         </p:txBody>
       </p:sp>
       <p:sp>
         <p:nvSpPr>
           <p:cNvPr id="47" name="Shape 47"/>
-          <p:cNvSpPr txBox="1"/>
-          <p:nvPr>
-            <p:ph idx="12" type="sldNum"/>
+          <p:cNvSpPr txBox="1">
+            <a:spLocks noGrp="1"/>
+          </p:cNvSpPr>
+          <p:nvPr>
+            <p:ph type="sldNum" idx="12"/>
           </p:nvPr>
         </p:nvSpPr>
         <p:spPr>
@@ -2111,7 +2318,7 @@
           </a:prstGeom>
         </p:spPr>
         <p:txBody>
-          <a:bodyPr anchorCtr="0" anchor="ctr" bIns="91425" lIns="91425" rIns="91425" tIns="91425">
+          <a:bodyPr lIns="91425" tIns="91425" rIns="91425" bIns="91425" anchor="ctr" anchorCtr="0">
             <a:noAutofit/>
           </a:bodyPr>
           <a:lstStyle/>
@@ -2126,6 +2333,7 @@
               <a:rPr lang="en"/>
               <a:t>‹#›</a:t>
             </a:fld>
+            <a:endParaRPr lang="en"/>
           </a:p>
         </p:txBody>
       </p:sp>
@@ -2138,11 +2346,11 @@
 </file>
 
 <file path=ppt/slideLayouts/slideLayout11.xml><?xml version="1.0" encoding="utf-8"?>
-<p:sldLayout xmlns:a="http://schemas.openxmlformats.org/drawingml/2006/main" xmlns:r="http://schemas.openxmlformats.org/officeDocument/2006/relationships" xmlns:mc="http://schemas.openxmlformats.org/markup-compatibility/2006" xmlns:mv="urn:schemas-microsoft-com:mac:vml" xmlns:p="http://schemas.openxmlformats.org/presentationml/2006/main" xmlns:c="http://schemas.openxmlformats.org/drawingml/2006/chart" xmlns:dgm="http://schemas.openxmlformats.org/drawingml/2006/diagram" xmlns:o="urn:schemas-microsoft-com:office:office" xmlns:v="urn:schemas-microsoft-com:vml" xmlns:pvml="urn:schemas-microsoft-com:office:powerpoint" xmlns:com="http://schemas.openxmlformats.org/drawingml/2006/compatibility" xmlns:p14="http://schemas.microsoft.com/office/powerpoint/2010/main" type="blank">
+<p:sldLayout xmlns:a="http://schemas.openxmlformats.org/drawingml/2006/main" xmlns:r="http://schemas.openxmlformats.org/officeDocument/2006/relationships" xmlns:p="http://schemas.openxmlformats.org/presentationml/2006/main" type="blank">
   <p:cSld name="Blank">
     <p:spTree>
       <p:nvGrpSpPr>
-        <p:cNvPr id="48" name="Shape 48"/>
+        <p:cNvPr id="1" name="Shape 48"/>
         <p:cNvGrpSpPr/>
         <p:nvPr/>
       </p:nvGrpSpPr>
@@ -2157,9 +2365,11 @@
       <p:sp>
         <p:nvSpPr>
           <p:cNvPr id="49" name="Shape 49"/>
-          <p:cNvSpPr txBox="1"/>
-          <p:nvPr>
-            <p:ph idx="12" type="sldNum"/>
+          <p:cNvSpPr txBox="1">
+            <a:spLocks noGrp="1"/>
+          </p:cNvSpPr>
+          <p:nvPr>
+            <p:ph type="sldNum" idx="12"/>
           </p:nvPr>
         </p:nvSpPr>
         <p:spPr>
@@ -2172,7 +2382,7 @@
           </a:prstGeom>
         </p:spPr>
         <p:txBody>
-          <a:bodyPr anchorCtr="0" anchor="ctr" bIns="91425" lIns="91425" rIns="91425" tIns="91425">
+          <a:bodyPr lIns="91425" tIns="91425" rIns="91425" bIns="91425" anchor="ctr" anchorCtr="0">
             <a:noAutofit/>
           </a:bodyPr>
           <a:lstStyle/>
@@ -2187,6 +2397,7 @@
               <a:rPr lang="en"/>
               <a:t>‹#›</a:t>
             </a:fld>
+            <a:endParaRPr lang="en"/>
           </a:p>
         </p:txBody>
       </p:sp>
@@ -2199,11 +2410,11 @@
 </file>
 
 <file path=ppt/slideLayouts/slideLayout2.xml><?xml version="1.0" encoding="utf-8"?>
-<p:sldLayout xmlns:a="http://schemas.openxmlformats.org/drawingml/2006/main" xmlns:r="http://schemas.openxmlformats.org/officeDocument/2006/relationships" xmlns:mc="http://schemas.openxmlformats.org/markup-compatibility/2006" xmlns:mv="urn:schemas-microsoft-com:mac:vml" xmlns:p="http://schemas.openxmlformats.org/presentationml/2006/main" xmlns:c="http://schemas.openxmlformats.org/drawingml/2006/chart" xmlns:dgm="http://schemas.openxmlformats.org/drawingml/2006/diagram" xmlns:o="urn:schemas-microsoft-com:office:office" xmlns:v="urn:schemas-microsoft-com:vml" xmlns:pvml="urn:schemas-microsoft-com:office:powerpoint" xmlns:com="http://schemas.openxmlformats.org/drawingml/2006/compatibility" xmlns:p14="http://schemas.microsoft.com/office/powerpoint/2010/main" type="secHead">
+<p:sldLayout xmlns:a="http://schemas.openxmlformats.org/drawingml/2006/main" xmlns:r="http://schemas.openxmlformats.org/officeDocument/2006/relationships" xmlns:p="http://schemas.openxmlformats.org/presentationml/2006/main" type="secHead">
   <p:cSld name="Section header">
     <p:spTree>
       <p:nvGrpSpPr>
-        <p:cNvPr id="13" name="Shape 13"/>
+        <p:cNvPr id="1" name="Shape 13"/>
         <p:cNvGrpSpPr/>
         <p:nvPr/>
       </p:nvGrpSpPr>
@@ -2218,7 +2429,9 @@
       <p:sp>
         <p:nvSpPr>
           <p:cNvPr id="14" name="Shape 14"/>
-          <p:cNvSpPr txBox="1"/>
+          <p:cNvSpPr txBox="1">
+            <a:spLocks noGrp="1"/>
+          </p:cNvSpPr>
           <p:nvPr>
             <p:ph type="title"/>
           </p:nvPr>
@@ -2233,7 +2446,7 @@
           </a:prstGeom>
         </p:spPr>
         <p:txBody>
-          <a:bodyPr anchorCtr="0" anchor="ctr" bIns="91425" lIns="91425" rIns="91425" tIns="91425"/>
+          <a:bodyPr lIns="91425" tIns="91425" rIns="91425" bIns="91425" anchor="ctr" anchorCtr="0"/>
           <a:lstStyle>
             <a:lvl1pPr lvl="0" algn="ctr">
               <a:spcBef>
@@ -2299,15 +2512,19 @@
               <a:defRPr sz="3600"/>
             </a:lvl9pPr>
           </a:lstStyle>
-          <a:p/>
+          <a:p>
+            <a:endParaRPr/>
+          </a:p>
         </p:txBody>
       </p:sp>
       <p:sp>
         <p:nvSpPr>
           <p:cNvPr id="15" name="Shape 15"/>
-          <p:cNvSpPr txBox="1"/>
-          <p:nvPr>
-            <p:ph idx="12" type="sldNum"/>
+          <p:cNvSpPr txBox="1">
+            <a:spLocks noGrp="1"/>
+          </p:cNvSpPr>
+          <p:nvPr>
+            <p:ph type="sldNum" idx="12"/>
           </p:nvPr>
         </p:nvSpPr>
         <p:spPr>
@@ -2320,7 +2537,7 @@
           </a:prstGeom>
         </p:spPr>
         <p:txBody>
-          <a:bodyPr anchorCtr="0" anchor="ctr" bIns="91425" lIns="91425" rIns="91425" tIns="91425">
+          <a:bodyPr lIns="91425" tIns="91425" rIns="91425" bIns="91425" anchor="ctr" anchorCtr="0">
             <a:noAutofit/>
           </a:bodyPr>
           <a:lstStyle/>
@@ -2335,6 +2552,7 @@
               <a:rPr lang="en"/>
               <a:t>‹#›</a:t>
             </a:fld>
+            <a:endParaRPr lang="en"/>
           </a:p>
         </p:txBody>
       </p:sp>
@@ -2347,11 +2565,11 @@
 </file>
 
 <file path=ppt/slideLayouts/slideLayout3.xml><?xml version="1.0" encoding="utf-8"?>
-<p:sldLayout xmlns:a="http://schemas.openxmlformats.org/drawingml/2006/main" xmlns:r="http://schemas.openxmlformats.org/officeDocument/2006/relationships" xmlns:mc="http://schemas.openxmlformats.org/markup-compatibility/2006" xmlns:mv="urn:schemas-microsoft-com:mac:vml" xmlns:p="http://schemas.openxmlformats.org/presentationml/2006/main" xmlns:c="http://schemas.openxmlformats.org/drawingml/2006/chart" xmlns:dgm="http://schemas.openxmlformats.org/drawingml/2006/diagram" xmlns:o="urn:schemas-microsoft-com:office:office" xmlns:v="urn:schemas-microsoft-com:vml" xmlns:pvml="urn:schemas-microsoft-com:office:powerpoint" xmlns:com="http://schemas.openxmlformats.org/drawingml/2006/compatibility" xmlns:p14="http://schemas.microsoft.com/office/powerpoint/2010/main" type="tx">
+<p:sldLayout xmlns:a="http://schemas.openxmlformats.org/drawingml/2006/main" xmlns:r="http://schemas.openxmlformats.org/officeDocument/2006/relationships" xmlns:p="http://schemas.openxmlformats.org/presentationml/2006/main" type="tx">
   <p:cSld name="Title and body">
     <p:spTree>
       <p:nvGrpSpPr>
-        <p:cNvPr id="16" name="Shape 16"/>
+        <p:cNvPr id="1" name="Shape 16"/>
         <p:cNvGrpSpPr/>
         <p:nvPr/>
       </p:nvGrpSpPr>
@@ -2366,7 +2584,9 @@
       <p:sp>
         <p:nvSpPr>
           <p:cNvPr id="17" name="Shape 17"/>
-          <p:cNvSpPr txBox="1"/>
+          <p:cNvSpPr txBox="1">
+            <a:spLocks noGrp="1"/>
+          </p:cNvSpPr>
           <p:nvPr>
             <p:ph type="title"/>
           </p:nvPr>
@@ -2381,7 +2601,7 @@
           </a:prstGeom>
         </p:spPr>
         <p:txBody>
-          <a:bodyPr anchorCtr="0" anchor="t" bIns="91425" lIns="91425" rIns="91425" tIns="91425"/>
+          <a:bodyPr lIns="91425" tIns="91425" rIns="91425" bIns="91425" anchor="t" anchorCtr="0"/>
           <a:lstStyle>
             <a:lvl1pPr lvl="0">
               <a:spcBef>
@@ -2438,15 +2658,19 @@
               <a:defRPr/>
             </a:lvl9pPr>
           </a:lstStyle>
-          <a:p/>
+          <a:p>
+            <a:endParaRPr/>
+          </a:p>
         </p:txBody>
       </p:sp>
       <p:sp>
         <p:nvSpPr>
           <p:cNvPr id="18" name="Shape 18"/>
-          <p:cNvSpPr txBox="1"/>
-          <p:nvPr>
-            <p:ph idx="1" type="body"/>
+          <p:cNvSpPr txBox="1">
+            <a:spLocks noGrp="1"/>
+          </p:cNvSpPr>
+          <p:nvPr>
+            <p:ph type="body" idx="1"/>
           </p:nvPr>
         </p:nvSpPr>
         <p:spPr>
@@ -2459,7 +2683,7 @@
           </a:prstGeom>
         </p:spPr>
         <p:txBody>
-          <a:bodyPr anchorCtr="0" anchor="t" bIns="91425" lIns="91425" rIns="91425" tIns="91425"/>
+          <a:bodyPr lIns="91425" tIns="91425" rIns="91425" bIns="91425" anchor="t" anchorCtr="0"/>
           <a:lstStyle>
             <a:lvl1pPr lvl="0">
               <a:spcBef>
@@ -2516,15 +2740,19 @@
               <a:defRPr/>
             </a:lvl9pPr>
           </a:lstStyle>
-          <a:p/>
+          <a:p>
+            <a:endParaRPr/>
+          </a:p>
         </p:txBody>
       </p:sp>
       <p:sp>
         <p:nvSpPr>
           <p:cNvPr id="19" name="Shape 19"/>
-          <p:cNvSpPr txBox="1"/>
-          <p:nvPr>
-            <p:ph idx="12" type="sldNum"/>
+          <p:cNvSpPr txBox="1">
+            <a:spLocks noGrp="1"/>
+          </p:cNvSpPr>
+          <p:nvPr>
+            <p:ph type="sldNum" idx="12"/>
           </p:nvPr>
         </p:nvSpPr>
         <p:spPr>
@@ -2537,7 +2765,7 @@
           </a:prstGeom>
         </p:spPr>
         <p:txBody>
-          <a:bodyPr anchorCtr="0" anchor="ctr" bIns="91425" lIns="91425" rIns="91425" tIns="91425">
+          <a:bodyPr lIns="91425" tIns="91425" rIns="91425" bIns="91425" anchor="ctr" anchorCtr="0">
             <a:noAutofit/>
           </a:bodyPr>
           <a:lstStyle/>
@@ -2552,6 +2780,7 @@
               <a:rPr lang="en"/>
               <a:t>‹#›</a:t>
             </a:fld>
+            <a:endParaRPr lang="en"/>
           </a:p>
         </p:txBody>
       </p:sp>
@@ -2564,11 +2793,11 @@
 </file>
 
 <file path=ppt/slideLayouts/slideLayout4.xml><?xml version="1.0" encoding="utf-8"?>
-<p:sldLayout xmlns:a="http://schemas.openxmlformats.org/drawingml/2006/main" xmlns:r="http://schemas.openxmlformats.org/officeDocument/2006/relationships" xmlns:mc="http://schemas.openxmlformats.org/markup-compatibility/2006" xmlns:mv="urn:schemas-microsoft-com:mac:vml" xmlns:p="http://schemas.openxmlformats.org/presentationml/2006/main" xmlns:c="http://schemas.openxmlformats.org/drawingml/2006/chart" xmlns:dgm="http://schemas.openxmlformats.org/drawingml/2006/diagram" xmlns:o="urn:schemas-microsoft-com:office:office" xmlns:v="urn:schemas-microsoft-com:vml" xmlns:pvml="urn:schemas-microsoft-com:office:powerpoint" xmlns:com="http://schemas.openxmlformats.org/drawingml/2006/compatibility" xmlns:p14="http://schemas.microsoft.com/office/powerpoint/2010/main" type="twoColTx">
+<p:sldLayout xmlns:a="http://schemas.openxmlformats.org/drawingml/2006/main" xmlns:r="http://schemas.openxmlformats.org/officeDocument/2006/relationships" xmlns:p="http://schemas.openxmlformats.org/presentationml/2006/main" type="twoColTx">
   <p:cSld name="Title and two columns">
     <p:spTree>
       <p:nvGrpSpPr>
-        <p:cNvPr id="20" name="Shape 20"/>
+        <p:cNvPr id="1" name="Shape 20"/>
         <p:cNvGrpSpPr/>
         <p:nvPr/>
       </p:nvGrpSpPr>
@@ -2583,7 +2812,9 @@
       <p:sp>
         <p:nvSpPr>
           <p:cNvPr id="21" name="Shape 21"/>
-          <p:cNvSpPr txBox="1"/>
+          <p:cNvSpPr txBox="1">
+            <a:spLocks noGrp="1"/>
+          </p:cNvSpPr>
           <p:nvPr>
             <p:ph type="title"/>
           </p:nvPr>
@@ -2598,7 +2829,7 @@
           </a:prstGeom>
         </p:spPr>
         <p:txBody>
-          <a:bodyPr anchorCtr="0" anchor="t" bIns="91425" lIns="91425" rIns="91425" tIns="91425"/>
+          <a:bodyPr lIns="91425" tIns="91425" rIns="91425" bIns="91425" anchor="t" anchorCtr="0"/>
           <a:lstStyle>
             <a:lvl1pPr lvl="0">
               <a:spcBef>
@@ -2655,15 +2886,19 @@
               <a:defRPr/>
             </a:lvl9pPr>
           </a:lstStyle>
-          <a:p/>
+          <a:p>
+            <a:endParaRPr/>
+          </a:p>
         </p:txBody>
       </p:sp>
       <p:sp>
         <p:nvSpPr>
           <p:cNvPr id="22" name="Shape 22"/>
-          <p:cNvSpPr txBox="1"/>
-          <p:nvPr>
-            <p:ph idx="1" type="body"/>
+          <p:cNvSpPr txBox="1">
+            <a:spLocks noGrp="1"/>
+          </p:cNvSpPr>
+          <p:nvPr>
+            <p:ph type="body" idx="1"/>
           </p:nvPr>
         </p:nvSpPr>
         <p:spPr>
@@ -2676,7 +2911,7 @@
           </a:prstGeom>
         </p:spPr>
         <p:txBody>
-          <a:bodyPr anchorCtr="0" anchor="t" bIns="91425" lIns="91425" rIns="91425" tIns="91425"/>
+          <a:bodyPr lIns="91425" tIns="91425" rIns="91425" bIns="91425" anchor="t" anchorCtr="0"/>
           <a:lstStyle>
             <a:lvl1pPr lvl="0">
               <a:spcBef>
@@ -2742,15 +2977,19 @@
               <a:defRPr sz="1200"/>
             </a:lvl9pPr>
           </a:lstStyle>
-          <a:p/>
+          <a:p>
+            <a:endParaRPr/>
+          </a:p>
         </p:txBody>
       </p:sp>
       <p:sp>
         <p:nvSpPr>
           <p:cNvPr id="23" name="Shape 23"/>
-          <p:cNvSpPr txBox="1"/>
-          <p:nvPr>
-            <p:ph idx="2" type="body"/>
+          <p:cNvSpPr txBox="1">
+            <a:spLocks noGrp="1"/>
+          </p:cNvSpPr>
+          <p:nvPr>
+            <p:ph type="body" idx="2"/>
           </p:nvPr>
         </p:nvSpPr>
         <p:spPr>
@@ -2763,7 +3002,7 @@
           </a:prstGeom>
         </p:spPr>
         <p:txBody>
-          <a:bodyPr anchorCtr="0" anchor="t" bIns="91425" lIns="91425" rIns="91425" tIns="91425"/>
+          <a:bodyPr lIns="91425" tIns="91425" rIns="91425" bIns="91425" anchor="t" anchorCtr="0"/>
           <a:lstStyle>
             <a:lvl1pPr lvl="0">
               <a:spcBef>
@@ -2829,15 +3068,19 @@
               <a:defRPr sz="1200"/>
             </a:lvl9pPr>
           </a:lstStyle>
-          <a:p/>
+          <a:p>
+            <a:endParaRPr/>
+          </a:p>
         </p:txBody>
       </p:sp>
       <p:sp>
         <p:nvSpPr>
           <p:cNvPr id="24" name="Shape 24"/>
-          <p:cNvSpPr txBox="1"/>
-          <p:nvPr>
-            <p:ph idx="12" type="sldNum"/>
+          <p:cNvSpPr txBox="1">
+            <a:spLocks noGrp="1"/>
+          </p:cNvSpPr>
+          <p:nvPr>
+            <p:ph type="sldNum" idx="12"/>
           </p:nvPr>
         </p:nvSpPr>
         <p:spPr>
@@ -2850,7 +3093,7 @@
           </a:prstGeom>
         </p:spPr>
         <p:txBody>
-          <a:bodyPr anchorCtr="0" anchor="ctr" bIns="91425" lIns="91425" rIns="91425" tIns="91425">
+          <a:bodyPr lIns="91425" tIns="91425" rIns="91425" bIns="91425" anchor="ctr" anchorCtr="0">
             <a:noAutofit/>
           </a:bodyPr>
           <a:lstStyle/>
@@ -2865,6 +3108,7 @@
               <a:rPr lang="en"/>
               <a:t>‹#›</a:t>
             </a:fld>
+            <a:endParaRPr lang="en"/>
           </a:p>
         </p:txBody>
       </p:sp>
@@ -2877,11 +3121,11 @@
 </file>
 
 <file path=ppt/slideLayouts/slideLayout5.xml><?xml version="1.0" encoding="utf-8"?>
-<p:sldLayout xmlns:a="http://schemas.openxmlformats.org/drawingml/2006/main" xmlns:r="http://schemas.openxmlformats.org/officeDocument/2006/relationships" xmlns:mc="http://schemas.openxmlformats.org/markup-compatibility/2006" xmlns:mv="urn:schemas-microsoft-com:mac:vml" xmlns:p="http://schemas.openxmlformats.org/presentationml/2006/main" xmlns:c="http://schemas.openxmlformats.org/drawingml/2006/chart" xmlns:dgm="http://schemas.openxmlformats.org/drawingml/2006/diagram" xmlns:o="urn:schemas-microsoft-com:office:office" xmlns:v="urn:schemas-microsoft-com:vml" xmlns:pvml="urn:schemas-microsoft-com:office:powerpoint" xmlns:com="http://schemas.openxmlformats.org/drawingml/2006/compatibility" xmlns:p14="http://schemas.microsoft.com/office/powerpoint/2010/main" type="titleOnly">
+<p:sldLayout xmlns:a="http://schemas.openxmlformats.org/drawingml/2006/main" xmlns:r="http://schemas.openxmlformats.org/officeDocument/2006/relationships" xmlns:p="http://schemas.openxmlformats.org/presentationml/2006/main" type="titleOnly">
   <p:cSld name="Title only">
     <p:spTree>
       <p:nvGrpSpPr>
-        <p:cNvPr id="25" name="Shape 25"/>
+        <p:cNvPr id="1" name="Shape 25"/>
         <p:cNvGrpSpPr/>
         <p:nvPr/>
       </p:nvGrpSpPr>
@@ -2896,7 +3140,9 @@
       <p:sp>
         <p:nvSpPr>
           <p:cNvPr id="26" name="Shape 26"/>
-          <p:cNvSpPr txBox="1"/>
+          <p:cNvSpPr txBox="1">
+            <a:spLocks noGrp="1"/>
+          </p:cNvSpPr>
           <p:nvPr>
             <p:ph type="title"/>
           </p:nvPr>
@@ -2911,7 +3157,7 @@
           </a:prstGeom>
         </p:spPr>
         <p:txBody>
-          <a:bodyPr anchorCtr="0" anchor="t" bIns="91425" lIns="91425" rIns="91425" tIns="91425"/>
+          <a:bodyPr lIns="91425" tIns="91425" rIns="91425" bIns="91425" anchor="t" anchorCtr="0"/>
           <a:lstStyle>
             <a:lvl1pPr lvl="0">
               <a:spcBef>
@@ -2968,15 +3214,19 @@
               <a:defRPr/>
             </a:lvl9pPr>
           </a:lstStyle>
-          <a:p/>
+          <a:p>
+            <a:endParaRPr/>
+          </a:p>
         </p:txBody>
       </p:sp>
       <p:sp>
         <p:nvSpPr>
           <p:cNvPr id="27" name="Shape 27"/>
-          <p:cNvSpPr txBox="1"/>
-          <p:nvPr>
-            <p:ph idx="12" type="sldNum"/>
+          <p:cNvSpPr txBox="1">
+            <a:spLocks noGrp="1"/>
+          </p:cNvSpPr>
+          <p:nvPr>
+            <p:ph type="sldNum" idx="12"/>
           </p:nvPr>
         </p:nvSpPr>
         <p:spPr>
@@ -2989,7 +3239,7 @@
           </a:prstGeom>
         </p:spPr>
         <p:txBody>
-          <a:bodyPr anchorCtr="0" anchor="ctr" bIns="91425" lIns="91425" rIns="91425" tIns="91425">
+          <a:bodyPr lIns="91425" tIns="91425" rIns="91425" bIns="91425" anchor="ctr" anchorCtr="0">
             <a:noAutofit/>
           </a:bodyPr>
           <a:lstStyle/>
@@ -3004,6 +3254,7 @@
               <a:rPr lang="en"/>
               <a:t>‹#›</a:t>
             </a:fld>
+            <a:endParaRPr lang="en"/>
           </a:p>
         </p:txBody>
       </p:sp>
@@ -3016,11 +3267,11 @@
 </file>
 
 <file path=ppt/slideLayouts/slideLayout6.xml><?xml version="1.0" encoding="utf-8"?>
-<p:sldLayout xmlns:a="http://schemas.openxmlformats.org/drawingml/2006/main" xmlns:r="http://schemas.openxmlformats.org/officeDocument/2006/relationships" xmlns:mc="http://schemas.openxmlformats.org/markup-compatibility/2006" xmlns:mv="urn:schemas-microsoft-com:mac:vml" xmlns:p="http://schemas.openxmlformats.org/presentationml/2006/main" xmlns:c="http://schemas.openxmlformats.org/drawingml/2006/chart" xmlns:dgm="http://schemas.openxmlformats.org/drawingml/2006/diagram" xmlns:o="urn:schemas-microsoft-com:office:office" xmlns:v="urn:schemas-microsoft-com:vml" xmlns:pvml="urn:schemas-microsoft-com:office:powerpoint" xmlns:com="http://schemas.openxmlformats.org/drawingml/2006/compatibility" xmlns:p14="http://schemas.microsoft.com/office/powerpoint/2010/main">
+<p:sldLayout xmlns:a="http://schemas.openxmlformats.org/drawingml/2006/main" xmlns:r="http://schemas.openxmlformats.org/officeDocument/2006/relationships" xmlns:p="http://schemas.openxmlformats.org/presentationml/2006/main">
   <p:cSld name="One column text">
     <p:spTree>
       <p:nvGrpSpPr>
-        <p:cNvPr id="28" name="Shape 28"/>
+        <p:cNvPr id="1" name="Shape 28"/>
         <p:cNvGrpSpPr/>
         <p:nvPr/>
       </p:nvGrpSpPr>
@@ -3035,7 +3286,9 @@
       <p:sp>
         <p:nvSpPr>
           <p:cNvPr id="29" name="Shape 29"/>
-          <p:cNvSpPr txBox="1"/>
+          <p:cNvSpPr txBox="1">
+            <a:spLocks noGrp="1"/>
+          </p:cNvSpPr>
           <p:nvPr>
             <p:ph type="title"/>
           </p:nvPr>
@@ -3050,7 +3303,7 @@
           </a:prstGeom>
         </p:spPr>
         <p:txBody>
-          <a:bodyPr anchorCtr="0" anchor="b" bIns="91425" lIns="91425" rIns="91425" tIns="91425"/>
+          <a:bodyPr lIns="91425" tIns="91425" rIns="91425" bIns="91425" anchor="b" anchorCtr="0"/>
           <a:lstStyle>
             <a:lvl1pPr lvl="0">
               <a:spcBef>
@@ -3116,15 +3369,19 @@
               <a:defRPr sz="2400"/>
             </a:lvl9pPr>
           </a:lstStyle>
-          <a:p/>
+          <a:p>
+            <a:endParaRPr/>
+          </a:p>
         </p:txBody>
       </p:sp>
       <p:sp>
         <p:nvSpPr>
           <p:cNvPr id="30" name="Shape 30"/>
-          <p:cNvSpPr txBox="1"/>
-          <p:nvPr>
-            <p:ph idx="1" type="body"/>
+          <p:cNvSpPr txBox="1">
+            <a:spLocks noGrp="1"/>
+          </p:cNvSpPr>
+          <p:nvPr>
+            <p:ph type="body" idx="1"/>
           </p:nvPr>
         </p:nvSpPr>
         <p:spPr>
@@ -3137,7 +3394,7 @@
           </a:prstGeom>
         </p:spPr>
         <p:txBody>
-          <a:bodyPr anchorCtr="0" anchor="t" bIns="91425" lIns="91425" rIns="91425" tIns="91425"/>
+          <a:bodyPr lIns="91425" tIns="91425" rIns="91425" bIns="91425" anchor="t" anchorCtr="0"/>
           <a:lstStyle>
             <a:lvl1pPr lvl="0">
               <a:spcBef>
@@ -3203,15 +3460,19 @@
               <a:defRPr sz="1200"/>
             </a:lvl9pPr>
           </a:lstStyle>
-          <a:p/>
+          <a:p>
+            <a:endParaRPr/>
+          </a:p>
         </p:txBody>
       </p:sp>
       <p:sp>
         <p:nvSpPr>
           <p:cNvPr id="31" name="Shape 31"/>
-          <p:cNvSpPr txBox="1"/>
-          <p:nvPr>
-            <p:ph idx="12" type="sldNum"/>
+          <p:cNvSpPr txBox="1">
+            <a:spLocks noGrp="1"/>
+          </p:cNvSpPr>
+          <p:nvPr>
+            <p:ph type="sldNum" idx="12"/>
           </p:nvPr>
         </p:nvSpPr>
         <p:spPr>
@@ -3224,7 +3485,7 @@
           </a:prstGeom>
         </p:spPr>
         <p:txBody>
-          <a:bodyPr anchorCtr="0" anchor="ctr" bIns="91425" lIns="91425" rIns="91425" tIns="91425">
+          <a:bodyPr lIns="91425" tIns="91425" rIns="91425" bIns="91425" anchor="ctr" anchorCtr="0">
             <a:noAutofit/>
           </a:bodyPr>
           <a:lstStyle/>
@@ -3239,6 +3500,7 @@
               <a:rPr lang="en"/>
               <a:t>‹#›</a:t>
             </a:fld>
+            <a:endParaRPr lang="en"/>
           </a:p>
         </p:txBody>
       </p:sp>
@@ -3251,11 +3513,11 @@
 </file>
 
 <file path=ppt/slideLayouts/slideLayout7.xml><?xml version="1.0" encoding="utf-8"?>
-<p:sldLayout xmlns:a="http://schemas.openxmlformats.org/drawingml/2006/main" xmlns:r="http://schemas.openxmlformats.org/officeDocument/2006/relationships" xmlns:mc="http://schemas.openxmlformats.org/markup-compatibility/2006" xmlns:mv="urn:schemas-microsoft-com:mac:vml" xmlns:p="http://schemas.openxmlformats.org/presentationml/2006/main" xmlns:c="http://schemas.openxmlformats.org/drawingml/2006/chart" xmlns:dgm="http://schemas.openxmlformats.org/drawingml/2006/diagram" xmlns:o="urn:schemas-microsoft-com:office:office" xmlns:v="urn:schemas-microsoft-com:vml" xmlns:pvml="urn:schemas-microsoft-com:office:powerpoint" xmlns:com="http://schemas.openxmlformats.org/drawingml/2006/compatibility" xmlns:p14="http://schemas.microsoft.com/office/powerpoint/2010/main">
+<p:sldLayout xmlns:a="http://schemas.openxmlformats.org/drawingml/2006/main" xmlns:r="http://schemas.openxmlformats.org/officeDocument/2006/relationships" xmlns:p="http://schemas.openxmlformats.org/presentationml/2006/main">
   <p:cSld name="Main point">
     <p:spTree>
       <p:nvGrpSpPr>
-        <p:cNvPr id="32" name="Shape 32"/>
+        <p:cNvPr id="1" name="Shape 32"/>
         <p:cNvGrpSpPr/>
         <p:nvPr/>
       </p:nvGrpSpPr>
@@ -3270,7 +3532,9 @@
       <p:sp>
         <p:nvSpPr>
           <p:cNvPr id="33" name="Shape 33"/>
-          <p:cNvSpPr txBox="1"/>
+          <p:cNvSpPr txBox="1">
+            <a:spLocks noGrp="1"/>
+          </p:cNvSpPr>
           <p:nvPr>
             <p:ph type="title"/>
           </p:nvPr>
@@ -3285,7 +3549,7 @@
           </a:prstGeom>
         </p:spPr>
         <p:txBody>
-          <a:bodyPr anchorCtr="0" anchor="ctr" bIns="91425" lIns="91425" rIns="91425" tIns="91425"/>
+          <a:bodyPr lIns="91425" tIns="91425" rIns="91425" bIns="91425" anchor="ctr" anchorCtr="0"/>
           <a:lstStyle>
             <a:lvl1pPr lvl="0">
               <a:spcBef>
@@ -3351,15 +3615,19 @@
               <a:defRPr sz="4800"/>
             </a:lvl9pPr>
           </a:lstStyle>
-          <a:p/>
+          <a:p>
+            <a:endParaRPr/>
+          </a:p>
         </p:txBody>
       </p:sp>
       <p:sp>
         <p:nvSpPr>
           <p:cNvPr id="34" name="Shape 34"/>
-          <p:cNvSpPr txBox="1"/>
-          <p:nvPr>
-            <p:ph idx="12" type="sldNum"/>
+          <p:cNvSpPr txBox="1">
+            <a:spLocks noGrp="1"/>
+          </p:cNvSpPr>
+          <p:nvPr>
+            <p:ph type="sldNum" idx="12"/>
           </p:nvPr>
         </p:nvSpPr>
         <p:spPr>
@@ -3372,7 +3640,7 @@
           </a:prstGeom>
         </p:spPr>
         <p:txBody>
-          <a:bodyPr anchorCtr="0" anchor="ctr" bIns="91425" lIns="91425" rIns="91425" tIns="91425">
+          <a:bodyPr lIns="91425" tIns="91425" rIns="91425" bIns="91425" anchor="ctr" anchorCtr="0">
             <a:noAutofit/>
           </a:bodyPr>
           <a:lstStyle/>
@@ -3387,6 +3655,7 @@
               <a:rPr lang="en"/>
               <a:t>‹#›</a:t>
             </a:fld>
+            <a:endParaRPr lang="en"/>
           </a:p>
         </p:txBody>
       </p:sp>
@@ -3399,11 +3668,11 @@
 </file>
 
 <file path=ppt/slideLayouts/slideLayout8.xml><?xml version="1.0" encoding="utf-8"?>
-<p:sldLayout xmlns:a="http://schemas.openxmlformats.org/drawingml/2006/main" xmlns:r="http://schemas.openxmlformats.org/officeDocument/2006/relationships" xmlns:mc="http://schemas.openxmlformats.org/markup-compatibility/2006" xmlns:mv="urn:schemas-microsoft-com:mac:vml" xmlns:p="http://schemas.openxmlformats.org/presentationml/2006/main" xmlns:c="http://schemas.openxmlformats.org/drawingml/2006/chart" xmlns:dgm="http://schemas.openxmlformats.org/drawingml/2006/diagram" xmlns:o="urn:schemas-microsoft-com:office:office" xmlns:v="urn:schemas-microsoft-com:vml" xmlns:pvml="urn:schemas-microsoft-com:office:powerpoint" xmlns:com="http://schemas.openxmlformats.org/drawingml/2006/compatibility" xmlns:p14="http://schemas.microsoft.com/office/powerpoint/2010/main">
+<p:sldLayout xmlns:a="http://schemas.openxmlformats.org/drawingml/2006/main" xmlns:r="http://schemas.openxmlformats.org/officeDocument/2006/relationships" xmlns:p="http://schemas.openxmlformats.org/presentationml/2006/main">
   <p:cSld name="Section title and description">
     <p:spTree>
       <p:nvGrpSpPr>
-        <p:cNvPr id="35" name="Shape 35"/>
+        <p:cNvPr id="1" name="Shape 35"/>
         <p:cNvGrpSpPr/>
         <p:nvPr/>
       </p:nvGrpSpPr>
@@ -3437,7 +3706,7 @@
           </a:ln>
         </p:spPr>
         <p:txBody>
-          <a:bodyPr anchorCtr="0" anchor="ctr" bIns="91425" lIns="91425" rIns="91425" tIns="91425">
+          <a:bodyPr lIns="91425" tIns="91425" rIns="91425" bIns="91425" anchor="ctr" anchorCtr="0">
             <a:noAutofit/>
           </a:bodyPr>
           <a:lstStyle/>
@@ -3448,9 +3717,6 @@
               </a:spcBef>
               <a:buNone/>
             </a:pPr>
-            <a:r>
-              <a:t/>
-            </a:r>
             <a:endParaRPr/>
           </a:p>
         </p:txBody>
@@ -3458,7 +3724,9 @@
       <p:sp>
         <p:nvSpPr>
           <p:cNvPr id="37" name="Shape 37"/>
-          <p:cNvSpPr txBox="1"/>
+          <p:cNvSpPr txBox="1">
+            <a:spLocks noGrp="1"/>
+          </p:cNvSpPr>
           <p:nvPr>
             <p:ph type="title"/>
           </p:nvPr>
@@ -3473,7 +3741,7 @@
           </a:prstGeom>
         </p:spPr>
         <p:txBody>
-          <a:bodyPr anchorCtr="0" anchor="b" bIns="91425" lIns="91425" rIns="91425" tIns="91425"/>
+          <a:bodyPr lIns="91425" tIns="91425" rIns="91425" bIns="91425" anchor="b" anchorCtr="0"/>
           <a:lstStyle>
             <a:lvl1pPr lvl="0" algn="ctr">
               <a:spcBef>
@@ -3539,15 +3807,19 @@
               <a:defRPr sz="4200"/>
             </a:lvl9pPr>
           </a:lstStyle>
-          <a:p/>
+          <a:p>
+            <a:endParaRPr/>
+          </a:p>
         </p:txBody>
       </p:sp>
       <p:sp>
         <p:nvSpPr>
           <p:cNvPr id="38" name="Shape 38"/>
-          <p:cNvSpPr txBox="1"/>
-          <p:nvPr>
-            <p:ph idx="1" type="subTitle"/>
+          <p:cNvSpPr txBox="1">
+            <a:spLocks noGrp="1"/>
+          </p:cNvSpPr>
+          <p:nvPr>
+            <p:ph type="subTitle" idx="1"/>
           </p:nvPr>
         </p:nvSpPr>
         <p:spPr>
@@ -3560,7 +3832,7 @@
           </a:prstGeom>
         </p:spPr>
         <p:txBody>
-          <a:bodyPr anchorCtr="0" anchor="t" bIns="91425" lIns="91425" rIns="91425" tIns="91425"/>
+          <a:bodyPr lIns="91425" tIns="91425" rIns="91425" bIns="91425" anchor="t" anchorCtr="0"/>
           <a:lstStyle>
             <a:lvl1pPr lvl="0" algn="ctr">
               <a:lnSpc>
@@ -3689,15 +3961,19 @@
               <a:defRPr sz="2100"/>
             </a:lvl9pPr>
           </a:lstStyle>
-          <a:p/>
+          <a:p>
+            <a:endParaRPr/>
+          </a:p>
         </p:txBody>
       </p:sp>
       <p:sp>
         <p:nvSpPr>
           <p:cNvPr id="39" name="Shape 39"/>
-          <p:cNvSpPr txBox="1"/>
-          <p:nvPr>
-            <p:ph idx="2" type="body"/>
+          <p:cNvSpPr txBox="1">
+            <a:spLocks noGrp="1"/>
+          </p:cNvSpPr>
+          <p:nvPr>
+            <p:ph type="body" idx="2"/>
           </p:nvPr>
         </p:nvSpPr>
         <p:spPr>
@@ -3710,7 +3986,7 @@
           </a:prstGeom>
         </p:spPr>
         <p:txBody>
-          <a:bodyPr anchorCtr="0" anchor="ctr" bIns="91425" lIns="91425" rIns="91425" tIns="91425"/>
+          <a:bodyPr lIns="91425" tIns="91425" rIns="91425" bIns="91425" anchor="ctr" anchorCtr="0"/>
           <a:lstStyle>
             <a:lvl1pPr lvl="0">
               <a:spcBef>
@@ -3767,15 +4043,19 @@
               <a:defRPr/>
             </a:lvl9pPr>
           </a:lstStyle>
-          <a:p/>
+          <a:p>
+            <a:endParaRPr/>
+          </a:p>
         </p:txBody>
       </p:sp>
       <p:sp>
         <p:nvSpPr>
           <p:cNvPr id="40" name="Shape 40"/>
-          <p:cNvSpPr txBox="1"/>
-          <p:nvPr>
-            <p:ph idx="12" type="sldNum"/>
+          <p:cNvSpPr txBox="1">
+            <a:spLocks noGrp="1"/>
+          </p:cNvSpPr>
+          <p:nvPr>
+            <p:ph type="sldNum" idx="12"/>
           </p:nvPr>
         </p:nvSpPr>
         <p:spPr>
@@ -3788,7 +4068,7 @@
           </a:prstGeom>
         </p:spPr>
         <p:txBody>
-          <a:bodyPr anchorCtr="0" anchor="ctr" bIns="91425" lIns="91425" rIns="91425" tIns="91425">
+          <a:bodyPr lIns="91425" tIns="91425" rIns="91425" bIns="91425" anchor="ctr" anchorCtr="0">
             <a:noAutofit/>
           </a:bodyPr>
           <a:lstStyle/>
@@ -3803,6 +4083,7 @@
               <a:rPr lang="en"/>
               <a:t>‹#›</a:t>
             </a:fld>
+            <a:endParaRPr lang="en"/>
           </a:p>
         </p:txBody>
       </p:sp>
@@ -3815,11 +4096,11 @@
 </file>
 
 <file path=ppt/slideLayouts/slideLayout9.xml><?xml version="1.0" encoding="utf-8"?>
-<p:sldLayout xmlns:a="http://schemas.openxmlformats.org/drawingml/2006/main" xmlns:r="http://schemas.openxmlformats.org/officeDocument/2006/relationships" xmlns:mc="http://schemas.openxmlformats.org/markup-compatibility/2006" xmlns:mv="urn:schemas-microsoft-com:mac:vml" xmlns:p="http://schemas.openxmlformats.org/presentationml/2006/main" xmlns:c="http://schemas.openxmlformats.org/drawingml/2006/chart" xmlns:dgm="http://schemas.openxmlformats.org/drawingml/2006/diagram" xmlns:o="urn:schemas-microsoft-com:office:office" xmlns:v="urn:schemas-microsoft-com:vml" xmlns:pvml="urn:schemas-microsoft-com:office:powerpoint" xmlns:com="http://schemas.openxmlformats.org/drawingml/2006/compatibility" xmlns:p14="http://schemas.microsoft.com/office/powerpoint/2010/main">
+<p:sldLayout xmlns:a="http://schemas.openxmlformats.org/drawingml/2006/main" xmlns:r="http://schemas.openxmlformats.org/officeDocument/2006/relationships" xmlns:p="http://schemas.openxmlformats.org/presentationml/2006/main">
   <p:cSld name="Caption">
     <p:spTree>
       <p:nvGrpSpPr>
-        <p:cNvPr id="41" name="Shape 41"/>
+        <p:cNvPr id="1" name="Shape 41"/>
         <p:cNvGrpSpPr/>
         <p:nvPr/>
       </p:nvGrpSpPr>
@@ -3834,9 +4115,11 @@
       <p:sp>
         <p:nvSpPr>
           <p:cNvPr id="42" name="Shape 42"/>
-          <p:cNvSpPr txBox="1"/>
-          <p:nvPr>
-            <p:ph idx="1" type="body"/>
+          <p:cNvSpPr txBox="1">
+            <a:spLocks noGrp="1"/>
+          </p:cNvSpPr>
+          <p:nvPr>
+            <p:ph type="body" idx="1"/>
           </p:nvPr>
         </p:nvSpPr>
         <p:spPr>
@@ -3849,7 +4132,7 @@
           </a:prstGeom>
         </p:spPr>
         <p:txBody>
-          <a:bodyPr anchorCtr="0" anchor="ctr" bIns="91425" lIns="91425" rIns="91425" tIns="91425"/>
+          <a:bodyPr lIns="91425" tIns="91425" rIns="91425" bIns="91425" anchor="ctr" anchorCtr="0"/>
           <a:lstStyle>
             <a:lvl1pPr lvl="0">
               <a:lnSpc>
@@ -3865,15 +4148,19 @@
               <a:defRPr/>
             </a:lvl1pPr>
           </a:lstStyle>
-          <a:p/>
+          <a:p>
+            <a:endParaRPr/>
+          </a:p>
         </p:txBody>
       </p:sp>
       <p:sp>
         <p:nvSpPr>
           <p:cNvPr id="43" name="Shape 43"/>
-          <p:cNvSpPr txBox="1"/>
-          <p:nvPr>
-            <p:ph idx="12" type="sldNum"/>
+          <p:cNvSpPr txBox="1">
+            <a:spLocks noGrp="1"/>
+          </p:cNvSpPr>
+          <p:nvPr>
+            <p:ph type="sldNum" idx="12"/>
           </p:nvPr>
         </p:nvSpPr>
         <p:spPr>
@@ -3886,7 +4173,7 @@
           </a:prstGeom>
         </p:spPr>
         <p:txBody>
-          <a:bodyPr anchorCtr="0" anchor="ctr" bIns="91425" lIns="91425" rIns="91425" tIns="91425">
+          <a:bodyPr lIns="91425" tIns="91425" rIns="91425" bIns="91425" anchor="ctr" anchorCtr="0">
             <a:noAutofit/>
           </a:bodyPr>
           <a:lstStyle/>
@@ -3901,6 +4188,7 @@
               <a:rPr lang="en"/>
               <a:t>‹#›</a:t>
             </a:fld>
+            <a:endParaRPr lang="en"/>
           </a:p>
         </p:txBody>
       </p:sp>
@@ -3913,18 +4201,19 @@
 </file>
 
 <file path=ppt/slideMasters/slideMaster1.xml><?xml version="1.0" encoding="utf-8"?>
-<p:sldMaster xmlns:a="http://schemas.openxmlformats.org/drawingml/2006/main" xmlns:r="http://schemas.openxmlformats.org/officeDocument/2006/relationships" xmlns:mc="http://schemas.openxmlformats.org/markup-compatibility/2006" xmlns:mv="urn:schemas-microsoft-com:mac:vml" xmlns:p="http://schemas.openxmlformats.org/presentationml/2006/main" xmlns:c="http://schemas.openxmlformats.org/drawingml/2006/chart" xmlns:dgm="http://schemas.openxmlformats.org/drawingml/2006/diagram" xmlns:o="urn:schemas-microsoft-com:office:office" xmlns:v="urn:schemas-microsoft-com:vml" xmlns:pvml="urn:schemas-microsoft-com:office:powerpoint" xmlns:com="http://schemas.openxmlformats.org/drawingml/2006/compatibility" xmlns:p14="http://schemas.microsoft.com/office/powerpoint/2010/main">
+<p:sldMaster xmlns:a="http://schemas.openxmlformats.org/drawingml/2006/main" xmlns:r="http://schemas.openxmlformats.org/officeDocument/2006/relationships" xmlns:p="http://schemas.openxmlformats.org/presentationml/2006/main">
   <p:cSld>
     <p:bg>
       <p:bgPr>
         <a:solidFill>
           <a:schemeClr val="lt1"/>
         </a:solidFill>
+        <a:effectLst/>
       </p:bgPr>
     </p:bg>
     <p:spTree>
       <p:nvGrpSpPr>
-        <p:cNvPr id="5" name="Shape 5"/>
+        <p:cNvPr id="1" name="Shape 5"/>
         <p:cNvGrpSpPr/>
         <p:nvPr/>
       </p:nvGrpSpPr>
@@ -3939,7 +4228,9 @@
       <p:sp>
         <p:nvSpPr>
           <p:cNvPr id="6" name="Shape 6"/>
-          <p:cNvSpPr txBox="1"/>
+          <p:cNvSpPr txBox="1">
+            <a:spLocks noGrp="1"/>
+          </p:cNvSpPr>
           <p:nvPr>
             <p:ph type="title"/>
           </p:nvPr>
@@ -3958,7 +4249,7 @@
           </a:ln>
         </p:spPr>
         <p:txBody>
-          <a:bodyPr anchorCtr="0" anchor="t" bIns="91425" lIns="91425" rIns="91425" tIns="91425"/>
+          <a:bodyPr lIns="91425" tIns="91425" rIns="91425" bIns="91425" anchor="t" anchorCtr="0"/>
           <a:lstStyle>
             <a:lvl1pPr lvl="0">
               <a:spcBef>
@@ -4096,15 +4387,19 @@
               </a:defRPr>
             </a:lvl9pPr>
           </a:lstStyle>
-          <a:p/>
+          <a:p>
+            <a:endParaRPr/>
+          </a:p>
         </p:txBody>
       </p:sp>
       <p:sp>
         <p:nvSpPr>
           <p:cNvPr id="7" name="Shape 7"/>
-          <p:cNvSpPr txBox="1"/>
-          <p:nvPr>
-            <p:ph idx="1" type="body"/>
+          <p:cNvSpPr txBox="1">
+            <a:spLocks noGrp="1"/>
+          </p:cNvSpPr>
+          <p:nvPr>
+            <p:ph type="body" idx="1"/>
           </p:nvPr>
         </p:nvSpPr>
         <p:spPr>
@@ -4121,7 +4416,7 @@
           </a:ln>
         </p:spPr>
         <p:txBody>
-          <a:bodyPr anchorCtr="0" anchor="t" bIns="91425" lIns="91425" rIns="91425" tIns="91425"/>
+          <a:bodyPr lIns="91425" tIns="91425" rIns="91425" bIns="91425" anchor="t" anchorCtr="0"/>
           <a:lstStyle>
             <a:lvl1pPr lvl="0">
               <a:lnSpc>
@@ -4296,15 +4591,19 @@
               </a:defRPr>
             </a:lvl9pPr>
           </a:lstStyle>
-          <a:p/>
+          <a:p>
+            <a:endParaRPr/>
+          </a:p>
         </p:txBody>
       </p:sp>
       <p:sp>
         <p:nvSpPr>
           <p:cNvPr id="8" name="Shape 8"/>
-          <p:cNvSpPr txBox="1"/>
-          <p:nvPr>
-            <p:ph idx="12" type="sldNum"/>
+          <p:cNvSpPr txBox="1">
+            <a:spLocks noGrp="1"/>
+          </p:cNvSpPr>
+          <p:nvPr>
+            <p:ph type="sldNum" idx="12"/>
           </p:nvPr>
         </p:nvSpPr>
         <p:spPr>
@@ -4321,7 +4620,7 @@
           </a:ln>
         </p:spPr>
         <p:txBody>
-          <a:bodyPr anchorCtr="0" anchor="ctr" bIns="91425" lIns="91425" rIns="91425" tIns="91425">
+          <a:bodyPr lIns="91425" tIns="91425" rIns="91425" bIns="91425" anchor="ctr" anchorCtr="0">
             <a:noAutofit/>
           </a:bodyPr>
           <a:lstStyle/>
@@ -4340,12 +4639,17 @@
               </a:rPr>
               <a:t>‹#›</a:t>
             </a:fld>
+            <a:endParaRPr lang="en" sz="1000">
+              <a:solidFill>
+                <a:schemeClr val="dk2"/>
+              </a:solidFill>
+            </a:endParaRPr>
           </a:p>
         </p:txBody>
       </p:sp>
     </p:spTree>
   </p:cSld>
-  <p:clrMap accent1="accent1" accent2="accent2" accent3="accent3" accent4="accent4" accent5="accent5" accent6="accent6" bg1="lt1" bg2="dk2" tx1="dk1" tx2="lt2" folHlink="folHlink" hlink="hlink"/>
+  <p:clrMap bg1="lt1" tx1="dk1" bg2="dk2" tx2="lt2" accent1="accent1" accent2="accent2" accent3="accent3" accent4="accent4" accent5="accent5" accent6="accent6" hlink="hlink" folHlink="folHlink"/>
   <p:sldLayoutIdLst>
     <p:sldLayoutId id="2147483648" r:id="rId1"/>
     <p:sldLayoutId id="2147483649" r:id="rId2"/>
@@ -4359,10 +4663,10 @@
     <p:sldLayoutId id="2147483657" r:id="rId10"/>
     <p:sldLayoutId id="2147483658" r:id="rId11"/>
   </p:sldLayoutIdLst>
-  <p:hf dt="0" ftr="0" hdr="0" sldNum="0"/>
+  <p:hf sldNum="0" hdr="0" ftr="0" dt="0"/>
   <p:txStyles>
     <p:titleStyle>
-      <a:defPPr lvl="0" marR="0" rtl="0" algn="l">
+      <a:defPPr marR="0" lvl="0" algn="l" rtl="0">
         <a:lnSpc>
           <a:spcPct val="100000"/>
         </a:lnSpc>
@@ -4373,7 +4677,7 @@
           <a:spcPts val="0"/>
         </a:spcAft>
       </a:defPPr>
-      <a:lvl1pPr lvl="0" marR="0" rtl="0" algn="l">
+      <a:lvl1pPr marR="0" lvl="0" algn="l" rtl="0">
         <a:lnSpc>
           <a:spcPct val="100000"/>
         </a:lnSpc>
@@ -4384,7 +4688,7 @@
           <a:spcPts val="0"/>
         </a:spcAft>
         <a:buNone/>
-        <a:defRPr b="0" i="0" sz="1400" u="none" cap="none" strike="noStrike">
+        <a:defRPr sz="1400" b="0" i="0" u="none" strike="noStrike" cap="none">
           <a:solidFill>
             <a:srgbClr val="000000"/>
           </a:solidFill>
@@ -4396,7 +4700,7 @@
       </a:lvl1pPr>
     </p:titleStyle>
     <p:bodyStyle>
-      <a:defPPr lvl="0" marR="0" rtl="0" algn="l">
+      <a:defPPr marR="0" lvl="0" algn="l" rtl="0">
         <a:lnSpc>
           <a:spcPct val="100000"/>
         </a:lnSpc>
@@ -4407,7 +4711,7 @@
           <a:spcPts val="0"/>
         </a:spcAft>
       </a:defPPr>
-      <a:lvl1pPr lvl="0" marR="0" rtl="0" algn="l">
+      <a:lvl1pPr marR="0" lvl="0" algn="l" rtl="0">
         <a:lnSpc>
           <a:spcPct val="100000"/>
         </a:lnSpc>
@@ -4418,7 +4722,7 @@
           <a:spcPts val="0"/>
         </a:spcAft>
         <a:buNone/>
-        <a:defRPr b="0" i="0" sz="1400" u="none" cap="none" strike="noStrike">
+        <a:defRPr sz="1400" b="0" i="0" u="none" strike="noStrike" cap="none">
           <a:solidFill>
             <a:srgbClr val="000000"/>
           </a:solidFill>
@@ -4428,7 +4732,7 @@
           <a:sym typeface="Arial"/>
         </a:defRPr>
       </a:lvl1pPr>
-      <a:lvl2pPr lvl="1" marR="0" rtl="0" algn="l">
+      <a:lvl2pPr marR="0" lvl="1" algn="l" rtl="0">
         <a:lnSpc>
           <a:spcPct val="100000"/>
         </a:lnSpc>
@@ -4439,7 +4743,7 @@
           <a:spcPts val="0"/>
         </a:spcAft>
         <a:buNone/>
-        <a:defRPr b="0" i="0" sz="1400" u="none" cap="none" strike="noStrike">
+        <a:defRPr sz="1400" b="0" i="0" u="none" strike="noStrike" cap="none">
           <a:solidFill>
             <a:srgbClr val="000000"/>
           </a:solidFill>
@@ -4449,7 +4753,7 @@
           <a:sym typeface="Arial"/>
         </a:defRPr>
       </a:lvl2pPr>
-      <a:lvl3pPr lvl="2" marR="0" rtl="0" algn="l">
+      <a:lvl3pPr marR="0" lvl="2" algn="l" rtl="0">
         <a:lnSpc>
           <a:spcPct val="100000"/>
         </a:lnSpc>
@@ -4460,7 +4764,7 @@
           <a:spcPts val="0"/>
         </a:spcAft>
         <a:buNone/>
-        <a:defRPr b="0" i="0" sz="1400" u="none" cap="none" strike="noStrike">
+        <a:defRPr sz="1400" b="0" i="0" u="none" strike="noStrike" cap="none">
           <a:solidFill>
             <a:srgbClr val="000000"/>
           </a:solidFill>
@@ -4470,7 +4774,7 @@
           <a:sym typeface="Arial"/>
         </a:defRPr>
       </a:lvl3pPr>
-      <a:lvl4pPr lvl="3" marR="0" rtl="0" algn="l">
+      <a:lvl4pPr marR="0" lvl="3" algn="l" rtl="0">
         <a:lnSpc>
           <a:spcPct val="100000"/>
         </a:lnSpc>
@@ -4481,7 +4785,7 @@
           <a:spcPts val="0"/>
         </a:spcAft>
         <a:buNone/>
-        <a:defRPr b="0" i="0" sz="1400" u="none" cap="none" strike="noStrike">
+        <a:defRPr sz="1400" b="0" i="0" u="none" strike="noStrike" cap="none">
           <a:solidFill>
             <a:srgbClr val="000000"/>
           </a:solidFill>
@@ -4491,7 +4795,7 @@
           <a:sym typeface="Arial"/>
         </a:defRPr>
       </a:lvl4pPr>
-      <a:lvl5pPr lvl="4" marR="0" rtl="0" algn="l">
+      <a:lvl5pPr marR="0" lvl="4" algn="l" rtl="0">
         <a:lnSpc>
           <a:spcPct val="100000"/>
         </a:lnSpc>
@@ -4502,7 +4806,7 @@
           <a:spcPts val="0"/>
         </a:spcAft>
         <a:buNone/>
-        <a:defRPr b="0" i="0" sz="1400" u="none" cap="none" strike="noStrike">
+        <a:defRPr sz="1400" b="0" i="0" u="none" strike="noStrike" cap="none">
           <a:solidFill>
             <a:srgbClr val="000000"/>
           </a:solidFill>
@@ -4512,7 +4816,7 @@
           <a:sym typeface="Arial"/>
         </a:defRPr>
       </a:lvl5pPr>
-      <a:lvl6pPr lvl="5" marR="0" rtl="0" algn="l">
+      <a:lvl6pPr marR="0" lvl="5" algn="l" rtl="0">
         <a:lnSpc>
           <a:spcPct val="100000"/>
         </a:lnSpc>
@@ -4523,7 +4827,7 @@
           <a:spcPts val="0"/>
         </a:spcAft>
         <a:buNone/>
-        <a:defRPr b="0" i="0" sz="1400" u="none" cap="none" strike="noStrike">
+        <a:defRPr sz="1400" b="0" i="0" u="none" strike="noStrike" cap="none">
           <a:solidFill>
             <a:srgbClr val="000000"/>
           </a:solidFill>
@@ -4533,7 +4837,7 @@
           <a:sym typeface="Arial"/>
         </a:defRPr>
       </a:lvl6pPr>
-      <a:lvl7pPr lvl="6" marR="0" rtl="0" algn="l">
+      <a:lvl7pPr marR="0" lvl="6" algn="l" rtl="0">
         <a:lnSpc>
           <a:spcPct val="100000"/>
         </a:lnSpc>
@@ -4544,7 +4848,7 @@
           <a:spcPts val="0"/>
         </a:spcAft>
         <a:buNone/>
-        <a:defRPr b="0" i="0" sz="1400" u="none" cap="none" strike="noStrike">
+        <a:defRPr sz="1400" b="0" i="0" u="none" strike="noStrike" cap="none">
           <a:solidFill>
             <a:srgbClr val="000000"/>
           </a:solidFill>
@@ -4554,7 +4858,7 @@
           <a:sym typeface="Arial"/>
         </a:defRPr>
       </a:lvl7pPr>
-      <a:lvl8pPr lvl="7" marR="0" rtl="0" algn="l">
+      <a:lvl8pPr marR="0" lvl="7" algn="l" rtl="0">
         <a:lnSpc>
           <a:spcPct val="100000"/>
         </a:lnSpc>
@@ -4565,7 +4869,7 @@
           <a:spcPts val="0"/>
         </a:spcAft>
         <a:buNone/>
-        <a:defRPr b="0" i="0" sz="1400" u="none" cap="none" strike="noStrike">
+        <a:defRPr sz="1400" b="0" i="0" u="none" strike="noStrike" cap="none">
           <a:solidFill>
             <a:srgbClr val="000000"/>
           </a:solidFill>
@@ -4575,7 +4879,7 @@
           <a:sym typeface="Arial"/>
         </a:defRPr>
       </a:lvl8pPr>
-      <a:lvl9pPr lvl="8" marR="0" rtl="0" algn="l">
+      <a:lvl9pPr marR="0" lvl="8" algn="l" rtl="0">
         <a:lnSpc>
           <a:spcPct val="100000"/>
         </a:lnSpc>
@@ -4586,7 +4890,7 @@
           <a:spcPts val="0"/>
         </a:spcAft>
         <a:buNone/>
-        <a:defRPr b="0" i="0" sz="1400" u="none" cap="none" strike="noStrike">
+        <a:defRPr sz="1400" b="0" i="0" u="none" strike="noStrike" cap="none">
           <a:solidFill>
             <a:srgbClr val="000000"/>
           </a:solidFill>
@@ -4598,7 +4902,7 @@
       </a:lvl9pPr>
     </p:bodyStyle>
     <p:otherStyle>
-      <a:defPPr lvl="0" marR="0" rtl="0" algn="l">
+      <a:defPPr marR="0" lvl="0" algn="l" rtl="0">
         <a:lnSpc>
           <a:spcPct val="100000"/>
         </a:lnSpc>
@@ -4609,7 +4913,7 @@
           <a:spcPts val="0"/>
         </a:spcAft>
       </a:defPPr>
-      <a:lvl1pPr lvl="0" marR="0" rtl="0" algn="l">
+      <a:lvl1pPr marR="0" lvl="0" algn="l" rtl="0">
         <a:lnSpc>
           <a:spcPct val="100000"/>
         </a:lnSpc>
@@ -4620,7 +4924,7 @@
           <a:spcPts val="0"/>
         </a:spcAft>
         <a:buNone/>
-        <a:defRPr b="0" i="0" sz="1400" u="none" cap="none" strike="noStrike">
+        <a:defRPr sz="1400" b="0" i="0" u="none" strike="noStrike" cap="none">
           <a:solidFill>
             <a:srgbClr val="000000"/>
           </a:solidFill>
@@ -4630,7 +4934,7 @@
           <a:sym typeface="Arial"/>
         </a:defRPr>
       </a:lvl1pPr>
-      <a:lvl2pPr lvl="1" marR="0" rtl="0" algn="l">
+      <a:lvl2pPr marR="0" lvl="1" algn="l" rtl="0">
         <a:lnSpc>
           <a:spcPct val="100000"/>
         </a:lnSpc>
@@ -4641,7 +4945,7 @@
           <a:spcPts val="0"/>
         </a:spcAft>
         <a:buNone/>
-        <a:defRPr b="0" i="0" sz="1400" u="none" cap="none" strike="noStrike">
+        <a:defRPr sz="1400" b="0" i="0" u="none" strike="noStrike" cap="none">
           <a:solidFill>
             <a:srgbClr val="000000"/>
           </a:solidFill>
@@ -4651,7 +4955,7 @@
           <a:sym typeface="Arial"/>
         </a:defRPr>
       </a:lvl2pPr>
-      <a:lvl3pPr lvl="2" marR="0" rtl="0" algn="l">
+      <a:lvl3pPr marR="0" lvl="2" algn="l" rtl="0">
         <a:lnSpc>
           <a:spcPct val="100000"/>
         </a:lnSpc>
@@ -4662,7 +4966,7 @@
           <a:spcPts val="0"/>
         </a:spcAft>
         <a:buNone/>
-        <a:defRPr b="0" i="0" sz="1400" u="none" cap="none" strike="noStrike">
+        <a:defRPr sz="1400" b="0" i="0" u="none" strike="noStrike" cap="none">
           <a:solidFill>
             <a:srgbClr val="000000"/>
           </a:solidFill>
@@ -4672,7 +4976,7 @@
           <a:sym typeface="Arial"/>
         </a:defRPr>
       </a:lvl3pPr>
-      <a:lvl4pPr lvl="3" marR="0" rtl="0" algn="l">
+      <a:lvl4pPr marR="0" lvl="3" algn="l" rtl="0">
         <a:lnSpc>
           <a:spcPct val="100000"/>
         </a:lnSpc>
@@ -4683,7 +4987,7 @@
           <a:spcPts val="0"/>
         </a:spcAft>
         <a:buNone/>
-        <a:defRPr b="0" i="0" sz="1400" u="none" cap="none" strike="noStrike">
+        <a:defRPr sz="1400" b="0" i="0" u="none" strike="noStrike" cap="none">
           <a:solidFill>
             <a:srgbClr val="000000"/>
           </a:solidFill>
@@ -4693,7 +4997,7 @@
           <a:sym typeface="Arial"/>
         </a:defRPr>
       </a:lvl4pPr>
-      <a:lvl5pPr lvl="4" marR="0" rtl="0" algn="l">
+      <a:lvl5pPr marR="0" lvl="4" algn="l" rtl="0">
         <a:lnSpc>
           <a:spcPct val="100000"/>
         </a:lnSpc>
@@ -4704,7 +5008,7 @@
           <a:spcPts val="0"/>
         </a:spcAft>
         <a:buNone/>
-        <a:defRPr b="0" i="0" sz="1400" u="none" cap="none" strike="noStrike">
+        <a:defRPr sz="1400" b="0" i="0" u="none" strike="noStrike" cap="none">
           <a:solidFill>
             <a:srgbClr val="000000"/>
           </a:solidFill>
@@ -4714,7 +5018,7 @@
           <a:sym typeface="Arial"/>
         </a:defRPr>
       </a:lvl5pPr>
-      <a:lvl6pPr lvl="5" marR="0" rtl="0" algn="l">
+      <a:lvl6pPr marR="0" lvl="5" algn="l" rtl="0">
         <a:lnSpc>
           <a:spcPct val="100000"/>
         </a:lnSpc>
@@ -4725,7 +5029,7 @@
           <a:spcPts val="0"/>
         </a:spcAft>
         <a:buNone/>
-        <a:defRPr b="0" i="0" sz="1400" u="none" cap="none" strike="noStrike">
+        <a:defRPr sz="1400" b="0" i="0" u="none" strike="noStrike" cap="none">
           <a:solidFill>
             <a:srgbClr val="000000"/>
           </a:solidFill>
@@ -4735,7 +5039,7 @@
           <a:sym typeface="Arial"/>
         </a:defRPr>
       </a:lvl6pPr>
-      <a:lvl7pPr lvl="6" marR="0" rtl="0" algn="l">
+      <a:lvl7pPr marR="0" lvl="6" algn="l" rtl="0">
         <a:lnSpc>
           <a:spcPct val="100000"/>
         </a:lnSpc>
@@ -4746,7 +5050,7 @@
           <a:spcPts val="0"/>
         </a:spcAft>
         <a:buNone/>
-        <a:defRPr b="0" i="0" sz="1400" u="none" cap="none" strike="noStrike">
+        <a:defRPr sz="1400" b="0" i="0" u="none" strike="noStrike" cap="none">
           <a:solidFill>
             <a:srgbClr val="000000"/>
           </a:solidFill>
@@ -4756,7 +5060,7 @@
           <a:sym typeface="Arial"/>
         </a:defRPr>
       </a:lvl7pPr>
-      <a:lvl8pPr lvl="7" marR="0" rtl="0" algn="l">
+      <a:lvl8pPr marR="0" lvl="7" algn="l" rtl="0">
         <a:lnSpc>
           <a:spcPct val="100000"/>
         </a:lnSpc>
@@ -4767,7 +5071,7 @@
           <a:spcPts val="0"/>
         </a:spcAft>
         <a:buNone/>
-        <a:defRPr b="0" i="0" sz="1400" u="none" cap="none" strike="noStrike">
+        <a:defRPr sz="1400" b="0" i="0" u="none" strike="noStrike" cap="none">
           <a:solidFill>
             <a:srgbClr val="000000"/>
           </a:solidFill>
@@ -4777,7 +5081,7 @@
           <a:sym typeface="Arial"/>
         </a:defRPr>
       </a:lvl8pPr>
-      <a:lvl9pPr lvl="8" marR="0" rtl="0" algn="l">
+      <a:lvl9pPr marR="0" lvl="8" algn="l" rtl="0">
         <a:lnSpc>
           <a:spcPct val="100000"/>
         </a:lnSpc>
@@ -4788,7 +5092,7 @@
           <a:spcPts val="0"/>
         </a:spcAft>
         <a:buNone/>
-        <a:defRPr b="0" i="0" sz="1400" u="none" cap="none" strike="noStrike">
+        <a:defRPr sz="1400" b="0" i="0" u="none" strike="noStrike" cap="none">
           <a:solidFill>
             <a:srgbClr val="000000"/>
           </a:solidFill>
@@ -4804,11 +5108,11 @@
 </file>
 
 <file path=ppt/slides/slide1.xml><?xml version="1.0" encoding="utf-8"?>
-<p:sld xmlns:a="http://schemas.openxmlformats.org/drawingml/2006/main" xmlns:r="http://schemas.openxmlformats.org/officeDocument/2006/relationships" xmlns:mc="http://schemas.openxmlformats.org/markup-compatibility/2006" xmlns:mv="urn:schemas-microsoft-com:mac:vml" xmlns:p="http://schemas.openxmlformats.org/presentationml/2006/main" xmlns:c="http://schemas.openxmlformats.org/drawingml/2006/chart" xmlns:dgm="http://schemas.openxmlformats.org/drawingml/2006/diagram" xmlns:o="urn:schemas-microsoft-com:office:office" xmlns:v="urn:schemas-microsoft-com:vml" xmlns:pvml="urn:schemas-microsoft-com:office:powerpoint" xmlns:com="http://schemas.openxmlformats.org/drawingml/2006/compatibility" xmlns:p14="http://schemas.microsoft.com/office/powerpoint/2010/main">
+<p:sld xmlns:a="http://schemas.openxmlformats.org/drawingml/2006/main" xmlns:r="http://schemas.openxmlformats.org/officeDocument/2006/relationships" xmlns:p="http://schemas.openxmlformats.org/presentationml/2006/main">
   <p:cSld>
     <p:spTree>
       <p:nvGrpSpPr>
-        <p:cNvPr id="53" name="Shape 53"/>
+        <p:cNvPr id="1" name="Shape 53"/>
         <p:cNvGrpSpPr/>
         <p:nvPr/>
       </p:nvGrpSpPr>
@@ -4823,7 +5127,9 @@
       <p:sp>
         <p:nvSpPr>
           <p:cNvPr id="54" name="Shape 54"/>
-          <p:cNvSpPr txBox="1"/>
+          <p:cNvSpPr txBox="1">
+            <a:spLocks noGrp="1"/>
+          </p:cNvSpPr>
           <p:nvPr>
             <p:ph type="ctrTitle"/>
           </p:nvPr>
@@ -4838,7 +5144,7 @@
           </a:prstGeom>
         </p:spPr>
         <p:txBody>
-          <a:bodyPr anchorCtr="0" anchor="b" bIns="91425" lIns="91425" rIns="91425" tIns="91425">
+          <a:bodyPr lIns="91425" tIns="91425" rIns="91425" bIns="91425" anchor="b" anchorCtr="0">
             <a:noAutofit/>
           </a:bodyPr>
           <a:lstStyle/>
@@ -4864,9 +5170,11 @@
       <p:sp>
         <p:nvSpPr>
           <p:cNvPr id="55" name="Shape 55"/>
-          <p:cNvSpPr txBox="1"/>
-          <p:nvPr>
-            <p:ph idx="1" type="subTitle"/>
+          <p:cNvSpPr txBox="1">
+            <a:spLocks noGrp="1"/>
+          </p:cNvSpPr>
+          <p:nvPr>
+            <p:ph type="subTitle" idx="1"/>
           </p:nvPr>
         </p:nvSpPr>
         <p:spPr>
@@ -4879,7 +5187,7 @@
           </a:prstGeom>
         </p:spPr>
         <p:txBody>
-          <a:bodyPr anchorCtr="0" anchor="t" bIns="91425" lIns="91425" rIns="91425" tIns="91425">
+          <a:bodyPr lIns="91425" tIns="91425" rIns="91425" bIns="91425" anchor="t" anchorCtr="0">
             <a:noAutofit/>
           </a:bodyPr>
           <a:lstStyle/>
@@ -4914,11 +5222,11 @@
 </file>
 
 <file path=ppt/slides/slide10.xml><?xml version="1.0" encoding="utf-8"?>
-<p:sld xmlns:a="http://schemas.openxmlformats.org/drawingml/2006/main" xmlns:r="http://schemas.openxmlformats.org/officeDocument/2006/relationships" xmlns:mc="http://schemas.openxmlformats.org/markup-compatibility/2006" xmlns:mv="urn:schemas-microsoft-com:mac:vml" xmlns:p="http://schemas.openxmlformats.org/presentationml/2006/main" xmlns:c="http://schemas.openxmlformats.org/drawingml/2006/chart" xmlns:dgm="http://schemas.openxmlformats.org/drawingml/2006/diagram" xmlns:o="urn:schemas-microsoft-com:office:office" xmlns:v="urn:schemas-microsoft-com:vml" xmlns:pvml="urn:schemas-microsoft-com:office:powerpoint" xmlns:com="http://schemas.openxmlformats.org/drawingml/2006/compatibility" xmlns:p14="http://schemas.microsoft.com/office/powerpoint/2010/main">
+<p:sld xmlns:a="http://schemas.openxmlformats.org/drawingml/2006/main" xmlns:r="http://schemas.openxmlformats.org/officeDocument/2006/relationships" xmlns:p="http://schemas.openxmlformats.org/presentationml/2006/main">
   <p:cSld>
     <p:spTree>
       <p:nvGrpSpPr>
-        <p:cNvPr id="120" name="Shape 120"/>
+        <p:cNvPr id="1" name="Shape 120"/>
         <p:cNvGrpSpPr/>
         <p:nvPr/>
       </p:nvGrpSpPr>
@@ -4933,7 +5241,9 @@
       <p:sp>
         <p:nvSpPr>
           <p:cNvPr id="121" name="Shape 121"/>
-          <p:cNvSpPr txBox="1"/>
+          <p:cNvSpPr txBox="1">
+            <a:spLocks noGrp="1"/>
+          </p:cNvSpPr>
           <p:nvPr>
             <p:ph type="title"/>
           </p:nvPr>
@@ -4948,7 +5258,7 @@
           </a:prstGeom>
         </p:spPr>
         <p:txBody>
-          <a:bodyPr anchorCtr="0" anchor="t" bIns="91425" lIns="91425" rIns="91425" tIns="91425">
+          <a:bodyPr lIns="91425" tIns="91425" rIns="91425" bIns="91425" anchor="t" anchorCtr="0">
             <a:noAutofit/>
           </a:bodyPr>
           <a:lstStyle/>
@@ -4959,9 +5269,6 @@
               </a:spcBef>
               <a:buNone/>
             </a:pPr>
-            <a:r>
-              <a:t/>
-            </a:r>
             <a:endParaRPr/>
           </a:p>
         </p:txBody>
@@ -4969,9 +5276,11 @@
       <p:sp>
         <p:nvSpPr>
           <p:cNvPr id="122" name="Shape 122"/>
-          <p:cNvSpPr txBox="1"/>
-          <p:nvPr>
-            <p:ph idx="1" type="body"/>
+          <p:cNvSpPr txBox="1">
+            <a:spLocks noGrp="1"/>
+          </p:cNvSpPr>
+          <p:nvPr>
+            <p:ph type="body" idx="1"/>
           </p:nvPr>
         </p:nvSpPr>
         <p:spPr>
@@ -4984,7 +5293,7 @@
           </a:prstGeom>
         </p:spPr>
         <p:txBody>
-          <a:bodyPr anchorCtr="0" anchor="t" bIns="91425" lIns="91425" rIns="91425" tIns="91425">
+          <a:bodyPr lIns="91425" tIns="91425" rIns="91425" bIns="91425" anchor="t" anchorCtr="0">
             <a:noAutofit/>
           </a:bodyPr>
           <a:lstStyle/>
@@ -4995,16 +5304,13 @@
               </a:spcBef>
               <a:buNone/>
             </a:pPr>
-            <a:r>
-              <a:t/>
-            </a:r>
             <a:endParaRPr/>
           </a:p>
         </p:txBody>
       </p:sp>
       <p:pic>
         <p:nvPicPr>
-          <p:cNvPr descr="GP1_3_maxlimit-page-001.jpg" id="123" name="Shape 123"/>
+          <p:cNvPr id="123" name="Shape 123" descr="GP1_3_maxlimit-page-001.jpg"/>
           <p:cNvPicPr preferRelativeResize="0"/>
           <p:nvPr/>
         </p:nvPicPr>
@@ -5050,7 +5356,7 @@
           </a:ln>
         </p:spPr>
         <p:txBody>
-          <a:bodyPr anchorCtr="0" anchor="t" bIns="91425" lIns="91425" rIns="91425" tIns="91425">
+          <a:bodyPr lIns="91425" tIns="91425" rIns="91425" bIns="91425" anchor="t" anchorCtr="0">
             <a:noAutofit/>
           </a:bodyPr>
           <a:lstStyle/>
@@ -5082,11 +5388,11 @@
 </file>
 
 <file path=ppt/slides/slide11.xml><?xml version="1.0" encoding="utf-8"?>
-<p:sld xmlns:a="http://schemas.openxmlformats.org/drawingml/2006/main" xmlns:r="http://schemas.openxmlformats.org/officeDocument/2006/relationships" xmlns:mc="http://schemas.openxmlformats.org/markup-compatibility/2006" xmlns:mv="urn:schemas-microsoft-com:mac:vml" xmlns:p="http://schemas.openxmlformats.org/presentationml/2006/main" xmlns:c="http://schemas.openxmlformats.org/drawingml/2006/chart" xmlns:dgm="http://schemas.openxmlformats.org/drawingml/2006/diagram" xmlns:o="urn:schemas-microsoft-com:office:office" xmlns:v="urn:schemas-microsoft-com:vml" xmlns:pvml="urn:schemas-microsoft-com:office:powerpoint" xmlns:com="http://schemas.openxmlformats.org/drawingml/2006/compatibility" xmlns:p14="http://schemas.microsoft.com/office/powerpoint/2010/main">
+<p:sld xmlns:a="http://schemas.openxmlformats.org/drawingml/2006/main" xmlns:r="http://schemas.openxmlformats.org/officeDocument/2006/relationships" xmlns:p="http://schemas.openxmlformats.org/presentationml/2006/main">
   <p:cSld>
     <p:spTree>
       <p:nvGrpSpPr>
-        <p:cNvPr id="128" name="Shape 128"/>
+        <p:cNvPr id="1" name="Shape 128"/>
         <p:cNvGrpSpPr/>
         <p:nvPr/>
       </p:nvGrpSpPr>
@@ -5101,7 +5407,9 @@
       <p:sp>
         <p:nvSpPr>
           <p:cNvPr id="129" name="Shape 129"/>
-          <p:cNvSpPr txBox="1"/>
+          <p:cNvSpPr txBox="1">
+            <a:spLocks noGrp="1"/>
+          </p:cNvSpPr>
           <p:nvPr>
             <p:ph type="title"/>
           </p:nvPr>
@@ -5116,7 +5424,7 @@
           </a:prstGeom>
         </p:spPr>
         <p:txBody>
-          <a:bodyPr anchorCtr="0" anchor="t" bIns="91425" lIns="91425" rIns="91425" tIns="91425">
+          <a:bodyPr lIns="91425" tIns="91425" rIns="91425" bIns="91425" anchor="t" anchorCtr="0">
             <a:noAutofit/>
           </a:bodyPr>
           <a:lstStyle/>
@@ -5127,9 +5435,6 @@
               </a:spcBef>
               <a:buNone/>
             </a:pPr>
-            <a:r>
-              <a:t/>
-            </a:r>
             <a:endParaRPr/>
           </a:p>
         </p:txBody>
@@ -5137,9 +5442,11 @@
       <p:sp>
         <p:nvSpPr>
           <p:cNvPr id="130" name="Shape 130"/>
-          <p:cNvSpPr txBox="1"/>
-          <p:nvPr>
-            <p:ph idx="1" type="body"/>
+          <p:cNvSpPr txBox="1">
+            <a:spLocks noGrp="1"/>
+          </p:cNvSpPr>
+          <p:nvPr>
+            <p:ph type="body" idx="1"/>
           </p:nvPr>
         </p:nvSpPr>
         <p:spPr>
@@ -5152,7 +5459,7 @@
           </a:prstGeom>
         </p:spPr>
         <p:txBody>
-          <a:bodyPr anchorCtr="0" anchor="t" bIns="91425" lIns="91425" rIns="91425" tIns="91425">
+          <a:bodyPr lIns="91425" tIns="91425" rIns="91425" bIns="91425" anchor="t" anchorCtr="0">
             <a:noAutofit/>
           </a:bodyPr>
           <a:lstStyle/>
@@ -5163,16 +5470,13 @@
               </a:spcBef>
               <a:buNone/>
             </a:pPr>
-            <a:r>
-              <a:t/>
-            </a:r>
             <a:endParaRPr/>
           </a:p>
         </p:txBody>
       </p:sp>
       <p:pic>
         <p:nvPicPr>
-          <p:cNvPr descr="GP1_3b_2-page-001.jpg" id="131" name="Shape 131"/>
+          <p:cNvPr id="131" name="Shape 131" descr="GP1_3b_2-page-001.jpg"/>
           <p:cNvPicPr preferRelativeResize="0"/>
           <p:nvPr/>
         </p:nvPicPr>
@@ -5218,7 +5522,7 @@
           </a:ln>
         </p:spPr>
         <p:txBody>
-          <a:bodyPr anchorCtr="0" anchor="t" bIns="91425" lIns="91425" rIns="91425" tIns="91425">
+          <a:bodyPr lIns="91425" tIns="91425" rIns="91425" bIns="91425" anchor="t" anchorCtr="0">
             <a:noAutofit/>
           </a:bodyPr>
           <a:lstStyle/>
@@ -5250,11 +5554,11 @@
 </file>
 
 <file path=ppt/slides/slide12.xml><?xml version="1.0" encoding="utf-8"?>
-<p:sld xmlns:a="http://schemas.openxmlformats.org/drawingml/2006/main" xmlns:r="http://schemas.openxmlformats.org/officeDocument/2006/relationships" xmlns:mc="http://schemas.openxmlformats.org/markup-compatibility/2006" xmlns:mv="urn:schemas-microsoft-com:mac:vml" xmlns:p="http://schemas.openxmlformats.org/presentationml/2006/main" xmlns:c="http://schemas.openxmlformats.org/drawingml/2006/chart" xmlns:dgm="http://schemas.openxmlformats.org/drawingml/2006/diagram" xmlns:o="urn:schemas-microsoft-com:office:office" xmlns:v="urn:schemas-microsoft-com:vml" xmlns:pvml="urn:schemas-microsoft-com:office:powerpoint" xmlns:com="http://schemas.openxmlformats.org/drawingml/2006/compatibility" xmlns:p14="http://schemas.microsoft.com/office/powerpoint/2010/main">
+<p:sld xmlns:a="http://schemas.openxmlformats.org/drawingml/2006/main" xmlns:r="http://schemas.openxmlformats.org/officeDocument/2006/relationships" xmlns:p="http://schemas.openxmlformats.org/presentationml/2006/main">
   <p:cSld>
     <p:spTree>
       <p:nvGrpSpPr>
-        <p:cNvPr id="136" name="Shape 136"/>
+        <p:cNvPr id="1" name="Shape 136"/>
         <p:cNvGrpSpPr/>
         <p:nvPr/>
       </p:nvGrpSpPr>
@@ -5269,7 +5573,9 @@
       <p:sp>
         <p:nvSpPr>
           <p:cNvPr id="137" name="Shape 137"/>
-          <p:cNvSpPr txBox="1"/>
+          <p:cNvSpPr txBox="1">
+            <a:spLocks noGrp="1"/>
+          </p:cNvSpPr>
           <p:nvPr>
             <p:ph type="title"/>
           </p:nvPr>
@@ -5284,7 +5590,7 @@
           </a:prstGeom>
         </p:spPr>
         <p:txBody>
-          <a:bodyPr anchorCtr="0" anchor="t" bIns="91425" lIns="91425" rIns="91425" tIns="91425">
+          <a:bodyPr lIns="91425" tIns="91425" rIns="91425" bIns="91425" anchor="t" anchorCtr="0">
             <a:noAutofit/>
           </a:bodyPr>
           <a:lstStyle/>
@@ -5295,9 +5601,6 @@
               </a:spcBef>
               <a:buNone/>
             </a:pPr>
-            <a:r>
-              <a:t/>
-            </a:r>
             <a:endParaRPr/>
           </a:p>
         </p:txBody>
@@ -5305,9 +5608,11 @@
       <p:sp>
         <p:nvSpPr>
           <p:cNvPr id="138" name="Shape 138"/>
-          <p:cNvSpPr txBox="1"/>
-          <p:nvPr>
-            <p:ph idx="1" type="body"/>
+          <p:cNvSpPr txBox="1">
+            <a:spLocks noGrp="1"/>
+          </p:cNvSpPr>
+          <p:nvPr>
+            <p:ph type="body" idx="1"/>
           </p:nvPr>
         </p:nvSpPr>
         <p:spPr>
@@ -5320,7 +5625,7 @@
           </a:prstGeom>
         </p:spPr>
         <p:txBody>
-          <a:bodyPr anchorCtr="0" anchor="t" bIns="91425" lIns="91425" rIns="91425" tIns="91425">
+          <a:bodyPr lIns="91425" tIns="91425" rIns="91425" bIns="91425" anchor="t" anchorCtr="0">
             <a:noAutofit/>
           </a:bodyPr>
           <a:lstStyle/>
@@ -5331,16 +5636,13 @@
               </a:spcBef>
               <a:buNone/>
             </a:pPr>
-            <a:r>
-              <a:t/>
-            </a:r>
             <a:endParaRPr/>
           </a:p>
         </p:txBody>
       </p:sp>
       <p:pic>
         <p:nvPicPr>
-          <p:cNvPr descr="GP1_3_maxlimit_density-page-001.jpg" id="139" name="Shape 139"/>
+          <p:cNvPr id="139" name="Shape 139" descr="GP1_3_maxlimit_density-page-001.jpg"/>
           <p:cNvPicPr preferRelativeResize="0"/>
           <p:nvPr/>
         </p:nvPicPr>
@@ -5386,7 +5688,7 @@
           </a:ln>
         </p:spPr>
         <p:txBody>
-          <a:bodyPr anchorCtr="0" anchor="t" bIns="91425" lIns="91425" rIns="91425" tIns="91425">
+          <a:bodyPr lIns="91425" tIns="91425" rIns="91425" bIns="91425" anchor="t" anchorCtr="0">
             <a:noAutofit/>
           </a:bodyPr>
           <a:lstStyle/>
@@ -5404,16 +5706,7 @@
                 <a:cs typeface="Times New Roman"/>
                 <a:sym typeface="Times New Roman"/>
               </a:rPr>
-              <a:t>Linear population densities of f</a:t>
-            </a:r>
-            <a:r>
-              <a:rPr lang="en" sz="2400">
-                <a:latin typeface="Times New Roman"/>
-                <a:ea typeface="Times New Roman"/>
-                <a:cs typeface="Times New Roman"/>
-                <a:sym typeface="Times New Roman"/>
-              </a:rPr>
-              <a:t>ully mixed gases</a:t>
+              <a:t>Linear population densities of fully mixed gases</a:t>
             </a:r>
           </a:p>
         </p:txBody>
@@ -5427,11 +5720,11 @@
 </file>
 
 <file path=ppt/slides/slide13.xml><?xml version="1.0" encoding="utf-8"?>
-<p:sld xmlns:a="http://schemas.openxmlformats.org/drawingml/2006/main" xmlns:r="http://schemas.openxmlformats.org/officeDocument/2006/relationships" xmlns:mc="http://schemas.openxmlformats.org/markup-compatibility/2006" xmlns:mv="urn:schemas-microsoft-com:mac:vml" xmlns:p="http://schemas.openxmlformats.org/presentationml/2006/main" xmlns:c="http://schemas.openxmlformats.org/drawingml/2006/chart" xmlns:dgm="http://schemas.openxmlformats.org/drawingml/2006/diagram" xmlns:o="urn:schemas-microsoft-com:office:office" xmlns:v="urn:schemas-microsoft-com:vml" xmlns:pvml="urn:schemas-microsoft-com:office:powerpoint" xmlns:com="http://schemas.openxmlformats.org/drawingml/2006/compatibility" xmlns:p14="http://schemas.microsoft.com/office/powerpoint/2010/main">
+<p:sld xmlns:a="http://schemas.openxmlformats.org/drawingml/2006/main" xmlns:r="http://schemas.openxmlformats.org/officeDocument/2006/relationships" xmlns:p="http://schemas.openxmlformats.org/presentationml/2006/main">
   <p:cSld>
     <p:spTree>
       <p:nvGrpSpPr>
-        <p:cNvPr id="144" name="Shape 144"/>
+        <p:cNvPr id="1" name="Shape 144"/>
         <p:cNvGrpSpPr/>
         <p:nvPr/>
       </p:nvGrpSpPr>
@@ -5446,7 +5739,9 @@
       <p:sp>
         <p:nvSpPr>
           <p:cNvPr id="145" name="Shape 145"/>
-          <p:cNvSpPr txBox="1"/>
+          <p:cNvSpPr txBox="1">
+            <a:spLocks noGrp="1"/>
+          </p:cNvSpPr>
           <p:nvPr>
             <p:ph type="title"/>
           </p:nvPr>
@@ -5461,7 +5756,7 @@
           </a:prstGeom>
         </p:spPr>
         <p:txBody>
-          <a:bodyPr anchorCtr="0" anchor="t" bIns="91425" lIns="91425" rIns="91425" tIns="91425">
+          <a:bodyPr lIns="91425" tIns="91425" rIns="91425" bIns="91425" anchor="t" anchorCtr="0">
             <a:noAutofit/>
           </a:bodyPr>
           <a:lstStyle/>
@@ -5472,9 +5767,6 @@
               </a:spcBef>
               <a:buNone/>
             </a:pPr>
-            <a:r>
-              <a:t/>
-            </a:r>
             <a:endParaRPr/>
           </a:p>
         </p:txBody>
@@ -5482,9 +5774,11 @@
       <p:sp>
         <p:nvSpPr>
           <p:cNvPr id="146" name="Shape 146"/>
-          <p:cNvSpPr txBox="1"/>
-          <p:nvPr>
-            <p:ph idx="1" type="body"/>
+          <p:cNvSpPr txBox="1">
+            <a:spLocks noGrp="1"/>
+          </p:cNvSpPr>
+          <p:nvPr>
+            <p:ph type="body" idx="1"/>
           </p:nvPr>
         </p:nvSpPr>
         <p:spPr>
@@ -5497,7 +5791,7 @@
           </a:prstGeom>
         </p:spPr>
         <p:txBody>
-          <a:bodyPr anchorCtr="0" anchor="t" bIns="91425" lIns="91425" rIns="91425" tIns="91425">
+          <a:bodyPr lIns="91425" tIns="91425" rIns="91425" bIns="91425" anchor="t" anchorCtr="0">
             <a:noAutofit/>
           </a:bodyPr>
           <a:lstStyle/>
@@ -5508,16 +5802,13 @@
               </a:spcBef>
               <a:buNone/>
             </a:pPr>
-            <a:r>
-              <a:t/>
-            </a:r>
             <a:endParaRPr/>
           </a:p>
         </p:txBody>
       </p:sp>
       <p:pic>
         <p:nvPicPr>
-          <p:cNvPr descr="GP1_3c-page-001.jpg" id="147" name="Shape 147"/>
+          <p:cNvPr id="147" name="Shape 147" descr="GP1_3c-page-001.jpg"/>
           <p:cNvPicPr preferRelativeResize="0"/>
           <p:nvPr/>
         </p:nvPicPr>
@@ -5563,7 +5854,7 @@
           </a:ln>
         </p:spPr>
         <p:txBody>
-          <a:bodyPr anchorCtr="0" anchor="t" bIns="91425" lIns="91425" rIns="91425" tIns="91425">
+          <a:bodyPr lIns="91425" tIns="91425" rIns="91425" bIns="91425" anchor="t" anchorCtr="0">
             <a:noAutofit/>
           </a:bodyPr>
           <a:lstStyle/>
@@ -5595,11 +5886,11 @@
 </file>
 
 <file path=ppt/slides/slide2.xml><?xml version="1.0" encoding="utf-8"?>
-<p:sld xmlns:a="http://schemas.openxmlformats.org/drawingml/2006/main" xmlns:r="http://schemas.openxmlformats.org/officeDocument/2006/relationships" xmlns:mc="http://schemas.openxmlformats.org/markup-compatibility/2006" xmlns:mv="urn:schemas-microsoft-com:mac:vml" xmlns:p="http://schemas.openxmlformats.org/presentationml/2006/main" xmlns:c="http://schemas.openxmlformats.org/drawingml/2006/chart" xmlns:dgm="http://schemas.openxmlformats.org/drawingml/2006/diagram" xmlns:o="urn:schemas-microsoft-com:office:office" xmlns:v="urn:schemas-microsoft-com:vml" xmlns:pvml="urn:schemas-microsoft-com:office:powerpoint" xmlns:com="http://schemas.openxmlformats.org/drawingml/2006/compatibility" xmlns:p14="http://schemas.microsoft.com/office/powerpoint/2010/main">
+<p:sld xmlns:a="http://schemas.openxmlformats.org/drawingml/2006/main" xmlns:r="http://schemas.openxmlformats.org/officeDocument/2006/relationships" xmlns:p="http://schemas.openxmlformats.org/presentationml/2006/main">
   <p:cSld>
     <p:spTree>
       <p:nvGrpSpPr>
-        <p:cNvPr id="59" name="Shape 59"/>
+        <p:cNvPr id="1" name="Shape 59"/>
         <p:cNvGrpSpPr/>
         <p:nvPr/>
       </p:nvGrpSpPr>
@@ -5614,7 +5905,9 @@
       <p:sp>
         <p:nvSpPr>
           <p:cNvPr id="60" name="Shape 60"/>
-          <p:cNvSpPr txBox="1"/>
+          <p:cNvSpPr txBox="1">
+            <a:spLocks noGrp="1"/>
+          </p:cNvSpPr>
           <p:nvPr>
             <p:ph type="title"/>
           </p:nvPr>
@@ -5629,7 +5922,7 @@
           </a:prstGeom>
         </p:spPr>
         <p:txBody>
-          <a:bodyPr anchorCtr="0" anchor="t" bIns="91425" lIns="91425" rIns="91425" tIns="91425">
+          <a:bodyPr lIns="91425" tIns="91425" rIns="91425" bIns="91425" anchor="t" anchorCtr="0">
             <a:noAutofit/>
           </a:bodyPr>
           <a:lstStyle/>
@@ -5641,7 +5934,7 @@
               <a:buNone/>
             </a:pPr>
             <a:r>
-              <a:rPr b="1" lang="en">
+              <a:rPr lang="en" b="1">
                 <a:latin typeface="Times New Roman"/>
                 <a:ea typeface="Times New Roman"/>
                 <a:cs typeface="Times New Roman"/>
@@ -5655,9 +5948,11 @@
       <p:sp>
         <p:nvSpPr>
           <p:cNvPr id="61" name="Shape 61"/>
-          <p:cNvSpPr txBox="1"/>
-          <p:nvPr>
-            <p:ph idx="1" type="body"/>
+          <p:cNvSpPr txBox="1">
+            <a:spLocks noGrp="1"/>
+          </p:cNvSpPr>
+          <p:nvPr>
+            <p:ph type="body" idx="1"/>
           </p:nvPr>
         </p:nvSpPr>
         <p:spPr>
@@ -5670,7 +5965,7 @@
           </a:prstGeom>
         </p:spPr>
         <p:txBody>
-          <a:bodyPr anchorCtr="0" anchor="t" bIns="91425" lIns="91425" rIns="91425" tIns="91425">
+          <a:bodyPr lIns="91425" tIns="91425" rIns="91425" bIns="91425" anchor="t" anchorCtr="0">
             <a:noAutofit/>
           </a:bodyPr>
           <a:lstStyle/>
@@ -5694,7 +5989,7 @@
               <a:t>Simulated a random walker in 2 dimensions, taking steps of unit length in ±</a:t>
             </a:r>
             <a:r>
-              <a:rPr i="1" lang="en" sz="2400">
+              <a:rPr lang="en" sz="2400" i="1">
                 <a:solidFill>
                   <a:schemeClr val="dk1"/>
                 </a:solidFill>
@@ -5718,7 +6013,7 @@
               <a:t>or ±</a:t>
             </a:r>
             <a:r>
-              <a:rPr i="1" lang="en" sz="2400">
+              <a:rPr lang="en" sz="2400" i="1">
                 <a:solidFill>
                   <a:schemeClr val="dk1"/>
                 </a:solidFill>
@@ -5762,7 +6057,7 @@
               <a:t>Plotted ❬</a:t>
             </a:r>
             <a:r>
-              <a:rPr i="1" lang="en" sz="2400">
+              <a:rPr lang="en" sz="2400" i="1">
                 <a:solidFill>
                   <a:schemeClr val="dk1"/>
                 </a:solidFill>
@@ -5774,7 +6069,7 @@
               <a:t>x</a:t>
             </a:r>
             <a:r>
-              <a:rPr baseline="-25000" i="1" lang="en" sz="2400">
+              <a:rPr lang="en" sz="2400" i="1" baseline="-25000">
                 <a:solidFill>
                   <a:schemeClr val="dk1"/>
                 </a:solidFill>
@@ -5798,7 +6093,7 @@
               <a:t>❭, ❬</a:t>
             </a:r>
             <a:r>
-              <a:rPr i="1" lang="en" sz="2400">
+              <a:rPr lang="en" sz="2400" i="1">
                 <a:solidFill>
                   <a:schemeClr val="dk1"/>
                 </a:solidFill>
@@ -5810,7 +6105,7 @@
               <a:t>x</a:t>
             </a:r>
             <a:r>
-              <a:rPr baseline="30000" i="1" lang="en" sz="2400">
+              <a:rPr lang="en" sz="2400" i="1" baseline="30000">
                 <a:solidFill>
                   <a:schemeClr val="dk1"/>
                 </a:solidFill>
@@ -5822,7 +6117,7 @@
               <a:t>2</a:t>
             </a:r>
             <a:r>
-              <a:rPr baseline="-25000" i="1" lang="en" sz="2400">
+              <a:rPr lang="en" sz="2400" i="1" baseline="-25000">
                 <a:solidFill>
                   <a:schemeClr val="dk1"/>
                 </a:solidFill>
@@ -5846,7 +6141,7 @@
               <a:t>❭, and ❬</a:t>
             </a:r>
             <a:r>
-              <a:rPr i="1" lang="en" sz="2400">
+              <a:rPr lang="en" sz="2400" i="1">
                 <a:solidFill>
                   <a:schemeClr val="dk1"/>
                 </a:solidFill>
@@ -5858,7 +6153,7 @@
               <a:t>r</a:t>
             </a:r>
             <a:r>
-              <a:rPr baseline="30000" i="1" lang="en" sz="2400">
+              <a:rPr lang="en" sz="2400" i="1" baseline="30000">
                 <a:solidFill>
                   <a:schemeClr val="dk1"/>
                 </a:solidFill>
@@ -5870,7 +6165,7 @@
               <a:t>2</a:t>
             </a:r>
             <a:r>
-              <a:rPr baseline="-25000" i="1" lang="en" sz="2400">
+              <a:rPr lang="en" sz="2400" i="1" baseline="-25000">
                 <a:solidFill>
                   <a:schemeClr val="dk1"/>
                 </a:solidFill>
@@ -5894,7 +6189,7 @@
               <a:t>❭ versus </a:t>
             </a:r>
             <a:r>
-              <a:rPr i="1" lang="en" sz="2400">
+              <a:rPr lang="en" sz="2400" i="1">
                 <a:solidFill>
                   <a:schemeClr val="dk1"/>
                 </a:solidFill>
@@ -5918,7 +6213,7 @@
               <a:t>by averaging over at least 10</a:t>
             </a:r>
             <a:r>
-              <a:rPr baseline="30000" lang="en" sz="2400">
+              <a:rPr lang="en" sz="2400" baseline="30000">
                 <a:solidFill>
                   <a:schemeClr val="dk1"/>
                 </a:solidFill>
@@ -5942,7 +6237,7 @@
               <a:t> different walks for each </a:t>
             </a:r>
             <a:r>
-              <a:rPr i="1" lang="en" sz="2400">
+              <a:rPr lang="en" sz="2400" i="1">
                 <a:solidFill>
                   <a:schemeClr val="dk1"/>
                 </a:solidFill>
@@ -5977,11 +6272,11 @@
 </file>
 
 <file path=ppt/slides/slide3.xml><?xml version="1.0" encoding="utf-8"?>
-<p:sld xmlns:a="http://schemas.openxmlformats.org/drawingml/2006/main" xmlns:r="http://schemas.openxmlformats.org/officeDocument/2006/relationships" xmlns:mc="http://schemas.openxmlformats.org/markup-compatibility/2006" xmlns:mv="urn:schemas-microsoft-com:mac:vml" xmlns:p="http://schemas.openxmlformats.org/presentationml/2006/main" xmlns:c="http://schemas.openxmlformats.org/drawingml/2006/chart" xmlns:dgm="http://schemas.openxmlformats.org/drawingml/2006/diagram" xmlns:o="urn:schemas-microsoft-com:office:office" xmlns:v="urn:schemas-microsoft-com:vml" xmlns:pvml="urn:schemas-microsoft-com:office:powerpoint" xmlns:com="http://schemas.openxmlformats.org/drawingml/2006/compatibility" xmlns:p14="http://schemas.microsoft.com/office/powerpoint/2010/main">
+<p:sld xmlns:a="http://schemas.openxmlformats.org/drawingml/2006/main" xmlns:r="http://schemas.openxmlformats.org/officeDocument/2006/relationships" xmlns:p="http://schemas.openxmlformats.org/presentationml/2006/main">
   <p:cSld>
     <p:spTree>
       <p:nvGrpSpPr>
-        <p:cNvPr id="65" name="Shape 65"/>
+        <p:cNvPr id="1" name="Shape 65"/>
         <p:cNvGrpSpPr/>
         <p:nvPr/>
       </p:nvGrpSpPr>
@@ -5996,7 +6291,9 @@
       <p:sp>
         <p:nvSpPr>
           <p:cNvPr id="66" name="Shape 66"/>
-          <p:cNvSpPr txBox="1"/>
+          <p:cNvSpPr txBox="1">
+            <a:spLocks noGrp="1"/>
+          </p:cNvSpPr>
           <p:nvPr>
             <p:ph type="title"/>
           </p:nvPr>
@@ -6011,7 +6308,7 @@
           </a:prstGeom>
         </p:spPr>
         <p:txBody>
-          <a:bodyPr anchorCtr="0" anchor="t" bIns="91425" lIns="91425" rIns="91425" tIns="91425">
+          <a:bodyPr lIns="91425" tIns="91425" rIns="91425" bIns="91425" anchor="t" anchorCtr="0">
             <a:noAutofit/>
           </a:bodyPr>
           <a:lstStyle/>
@@ -6022,9 +6319,6 @@
               </a:spcBef>
               <a:buNone/>
             </a:pPr>
-            <a:r>
-              <a:t/>
-            </a:r>
             <a:endParaRPr/>
           </a:p>
         </p:txBody>
@@ -6032,9 +6326,11 @@
       <p:sp>
         <p:nvSpPr>
           <p:cNvPr id="67" name="Shape 67"/>
-          <p:cNvSpPr txBox="1"/>
-          <p:nvPr>
-            <p:ph idx="1" type="body"/>
+          <p:cNvSpPr txBox="1">
+            <a:spLocks noGrp="1"/>
+          </p:cNvSpPr>
+          <p:nvPr>
+            <p:ph type="body" idx="1"/>
           </p:nvPr>
         </p:nvSpPr>
         <p:spPr>
@@ -6047,7 +6343,7 @@
           </a:prstGeom>
         </p:spPr>
         <p:txBody>
-          <a:bodyPr anchorCtr="0" anchor="t" bIns="91425" lIns="91425" rIns="91425" tIns="91425">
+          <a:bodyPr lIns="91425" tIns="91425" rIns="91425" bIns="91425" anchor="t" anchorCtr="0">
             <a:noAutofit/>
           </a:bodyPr>
           <a:lstStyle/>
@@ -6058,16 +6354,13 @@
               </a:spcBef>
               <a:buNone/>
             </a:pPr>
-            <a:r>
-              <a:t/>
-            </a:r>
             <a:endParaRPr/>
           </a:p>
         </p:txBody>
       </p:sp>
       <p:pic>
         <p:nvPicPr>
-          <p:cNvPr descr="P1_Yuan-page-001.jpg" id="68" name="Shape 68"/>
+          <p:cNvPr id="68" name="Shape 68" descr="P1_Yuan-page-001.jpg"/>
           <p:cNvPicPr preferRelativeResize="0"/>
           <p:nvPr/>
         </p:nvPicPr>
@@ -6113,7 +6406,7 @@
           </a:ln>
         </p:spPr>
         <p:txBody>
-          <a:bodyPr anchorCtr="0" anchor="t" bIns="91425" lIns="91425" rIns="91425" tIns="91425">
+          <a:bodyPr lIns="91425" tIns="91425" rIns="91425" bIns="91425" anchor="t" anchorCtr="0">
             <a:noAutofit/>
           </a:bodyPr>
           <a:lstStyle/>
@@ -6146,7 +6439,7 @@
               <a:t>❬</a:t>
             </a:r>
             <a:r>
-              <a:rPr i="1" lang="en" sz="2400">
+              <a:rPr lang="en" sz="2400" i="1">
                 <a:solidFill>
                   <a:schemeClr val="dk1"/>
                 </a:solidFill>
@@ -6158,7 +6451,7 @@
               <a:t>r</a:t>
             </a:r>
             <a:r>
-              <a:rPr baseline="30000" i="1" lang="en" sz="2400">
+              <a:rPr lang="en" sz="2400" i="1" baseline="30000">
                 <a:solidFill>
                   <a:schemeClr val="dk1"/>
                 </a:solidFill>
@@ -6170,7 +6463,7 @@
               <a:t>2</a:t>
             </a:r>
             <a:r>
-              <a:rPr baseline="-25000" i="1" lang="en" sz="2400">
+              <a:rPr lang="en" sz="2400" i="1" baseline="-25000">
                 <a:solidFill>
                   <a:schemeClr val="dk1"/>
                 </a:solidFill>
@@ -6194,7 +6487,7 @@
               <a:t>❭ ∝ </a:t>
             </a:r>
             <a:r>
-              <a:rPr i="1" lang="en" sz="2400">
+              <a:rPr lang="en" sz="2400" i="1">
                 <a:solidFill>
                   <a:schemeClr val="dk1"/>
                 </a:solidFill>
@@ -6228,7 +6521,7 @@
           </a:ln>
         </p:spPr>
         <p:txBody>
-          <a:bodyPr anchorCtr="0" anchor="t" bIns="91425" lIns="91425" rIns="91425" tIns="91425">
+          <a:bodyPr lIns="91425" tIns="91425" rIns="91425" bIns="91425" anchor="t" anchorCtr="0">
             <a:noAutofit/>
           </a:bodyPr>
           <a:lstStyle/>
@@ -6249,7 +6542,7 @@
               <a:t>Estimate </a:t>
             </a:r>
             <a:r>
-              <a:rPr i="1" lang="en" sz="2400">
+              <a:rPr lang="en" sz="2400" i="1">
                 <a:latin typeface="Times New Roman"/>
                 <a:ea typeface="Times New Roman"/>
                 <a:cs typeface="Times New Roman"/>
@@ -6278,11 +6571,11 @@
 </file>
 
 <file path=ppt/slides/slide4.xml><?xml version="1.0" encoding="utf-8"?>
-<p:sld xmlns:a="http://schemas.openxmlformats.org/drawingml/2006/main" xmlns:r="http://schemas.openxmlformats.org/officeDocument/2006/relationships" xmlns:mc="http://schemas.openxmlformats.org/markup-compatibility/2006" xmlns:mv="urn:schemas-microsoft-com:mac:vml" xmlns:p="http://schemas.openxmlformats.org/presentationml/2006/main" xmlns:c="http://schemas.openxmlformats.org/drawingml/2006/chart" xmlns:dgm="http://schemas.openxmlformats.org/drawingml/2006/diagram" xmlns:o="urn:schemas-microsoft-com:office:office" xmlns:v="urn:schemas-microsoft-com:vml" xmlns:pvml="urn:schemas-microsoft-com:office:powerpoint" xmlns:com="http://schemas.openxmlformats.org/drawingml/2006/compatibility" xmlns:p14="http://schemas.microsoft.com/office/powerpoint/2010/main">
+<p:sld xmlns:a="http://schemas.openxmlformats.org/drawingml/2006/main" xmlns:r="http://schemas.openxmlformats.org/officeDocument/2006/relationships" xmlns:p="http://schemas.openxmlformats.org/presentationml/2006/main">
   <p:cSld>
     <p:spTree>
       <p:nvGrpSpPr>
-        <p:cNvPr id="74" name="Shape 74"/>
+        <p:cNvPr id="1" name="Shape 74"/>
         <p:cNvGrpSpPr/>
         <p:nvPr/>
       </p:nvGrpSpPr>
@@ -6297,7 +6590,9 @@
       <p:sp>
         <p:nvSpPr>
           <p:cNvPr id="75" name="Shape 75"/>
-          <p:cNvSpPr txBox="1"/>
+          <p:cNvSpPr txBox="1">
+            <a:spLocks noGrp="1"/>
+          </p:cNvSpPr>
           <p:nvPr>
             <p:ph type="title"/>
           </p:nvPr>
@@ -6312,7 +6607,7 @@
           </a:prstGeom>
         </p:spPr>
         <p:txBody>
-          <a:bodyPr anchorCtr="0" anchor="t" bIns="91425" lIns="91425" rIns="91425" tIns="91425">
+          <a:bodyPr lIns="91425" tIns="91425" rIns="91425" bIns="91425" anchor="t" anchorCtr="0">
             <a:noAutofit/>
           </a:bodyPr>
           <a:lstStyle/>
@@ -6324,7 +6619,7 @@
               <a:buNone/>
             </a:pPr>
             <a:r>
-              <a:rPr b="1" lang="en">
+              <a:rPr lang="en" b="1">
                 <a:latin typeface="Times New Roman"/>
                 <a:ea typeface="Times New Roman"/>
                 <a:cs typeface="Times New Roman"/>
@@ -6338,9 +6633,11 @@
       <p:sp>
         <p:nvSpPr>
           <p:cNvPr id="76" name="Shape 76"/>
-          <p:cNvSpPr txBox="1"/>
-          <p:nvPr>
-            <p:ph idx="1" type="body"/>
+          <p:cNvSpPr txBox="1">
+            <a:spLocks noGrp="1"/>
+          </p:cNvSpPr>
+          <p:nvPr>
+            <p:ph type="body" idx="1"/>
           </p:nvPr>
         </p:nvSpPr>
         <p:spPr>
@@ -6353,7 +6650,7 @@
           </a:prstGeom>
         </p:spPr>
         <p:txBody>
-          <a:bodyPr anchorCtr="0" anchor="t" bIns="91425" lIns="91425" rIns="91425" tIns="91425">
+          <a:bodyPr lIns="91425" tIns="91425" rIns="91425" bIns="91425" anchor="t" anchorCtr="0">
             <a:noAutofit/>
           </a:bodyPr>
           <a:lstStyle/>
@@ -6377,7 +6674,7 @@
               <a:t>Wrote a program to solve the 1D diffusion equation using finite difference form with diffusion constant </a:t>
             </a:r>
             <a:r>
-              <a:rPr i="1" lang="en" sz="2400">
+              <a:rPr lang="en" sz="2400" i="1">
                 <a:solidFill>
                   <a:srgbClr val="000000"/>
                 </a:solidFill>
@@ -6432,11 +6729,11 @@
 </file>
 
 <file path=ppt/slides/slide5.xml><?xml version="1.0" encoding="utf-8"?>
-<p:sld xmlns:a="http://schemas.openxmlformats.org/drawingml/2006/main" xmlns:r="http://schemas.openxmlformats.org/officeDocument/2006/relationships" xmlns:mc="http://schemas.openxmlformats.org/markup-compatibility/2006" xmlns:mv="urn:schemas-microsoft-com:mac:vml" xmlns:p="http://schemas.openxmlformats.org/presentationml/2006/main" xmlns:c="http://schemas.openxmlformats.org/drawingml/2006/chart" xmlns:dgm="http://schemas.openxmlformats.org/drawingml/2006/diagram" xmlns:o="urn:schemas-microsoft-com:office:office" xmlns:v="urn:schemas-microsoft-com:vml" xmlns:pvml="urn:schemas-microsoft-com:office:powerpoint" xmlns:com="http://schemas.openxmlformats.org/drawingml/2006/compatibility" xmlns:p14="http://schemas.microsoft.com/office/powerpoint/2010/main">
+<p:sld xmlns:a="http://schemas.openxmlformats.org/drawingml/2006/main" xmlns:r="http://schemas.openxmlformats.org/officeDocument/2006/relationships" xmlns:p="http://schemas.openxmlformats.org/presentationml/2006/main">
   <p:cSld>
     <p:spTree>
       <p:nvGrpSpPr>
-        <p:cNvPr id="80" name="Shape 80"/>
+        <p:cNvPr id="1" name="Shape 80"/>
         <p:cNvGrpSpPr/>
         <p:nvPr/>
       </p:nvGrpSpPr>
@@ -6451,7 +6748,9 @@
       <p:sp>
         <p:nvSpPr>
           <p:cNvPr id="81" name="Shape 81"/>
-          <p:cNvSpPr txBox="1"/>
+          <p:cNvSpPr txBox="1">
+            <a:spLocks noGrp="1"/>
+          </p:cNvSpPr>
           <p:nvPr>
             <p:ph type="title"/>
           </p:nvPr>
@@ -6466,7 +6765,7 @@
           </a:prstGeom>
         </p:spPr>
         <p:txBody>
-          <a:bodyPr anchorCtr="0" anchor="t" bIns="91425" lIns="91425" rIns="91425" tIns="91425">
+          <a:bodyPr lIns="91425" tIns="91425" rIns="91425" bIns="91425" anchor="t" anchorCtr="0">
             <a:noAutofit/>
           </a:bodyPr>
           <a:lstStyle/>
@@ -6477,9 +6776,6 @@
               </a:spcBef>
               <a:buNone/>
             </a:pPr>
-            <a:r>
-              <a:t/>
-            </a:r>
             <a:endParaRPr/>
           </a:p>
         </p:txBody>
@@ -6487,9 +6783,11 @@
       <p:sp>
         <p:nvSpPr>
           <p:cNvPr id="82" name="Shape 82"/>
-          <p:cNvSpPr txBox="1"/>
-          <p:nvPr>
-            <p:ph idx="1" type="body"/>
+          <p:cNvSpPr txBox="1">
+            <a:spLocks noGrp="1"/>
+          </p:cNvSpPr>
+          <p:nvPr>
+            <p:ph type="body" idx="1"/>
           </p:nvPr>
         </p:nvSpPr>
         <p:spPr>
@@ -6502,7 +6800,7 @@
           </a:prstGeom>
         </p:spPr>
         <p:txBody>
-          <a:bodyPr anchorCtr="0" anchor="t" bIns="91425" lIns="91425" rIns="91425" tIns="91425">
+          <a:bodyPr lIns="91425" tIns="91425" rIns="91425" bIns="91425" anchor="t" anchorCtr="0">
             <a:noAutofit/>
           </a:bodyPr>
           <a:lstStyle/>
@@ -6513,16 +6811,13 @@
               </a:spcBef>
               <a:buNone/>
             </a:pPr>
-            <a:r>
-              <a:t/>
-            </a:r>
             <a:endParaRPr/>
           </a:p>
         </p:txBody>
       </p:sp>
       <p:pic>
         <p:nvPicPr>
-          <p:cNvPr descr="snapshots-page-001.jpg" id="83" name="Shape 83"/>
+          <p:cNvPr id="83" name="Shape 83" descr="snapshots-page-001.jpg"/>
           <p:cNvPicPr preferRelativeResize="0"/>
           <p:nvPr/>
         </p:nvPicPr>
@@ -6568,7 +6863,7 @@
           </a:ln>
         </p:spPr>
         <p:txBody>
-          <a:bodyPr anchorCtr="0" anchor="t" bIns="91425" lIns="91425" rIns="91425" tIns="91425">
+          <a:bodyPr lIns="91425" tIns="91425" rIns="91425" bIns="91425" anchor="t" anchorCtr="0">
             <a:noAutofit/>
           </a:bodyPr>
           <a:lstStyle/>
@@ -6611,7 +6906,7 @@
           </a:ln>
         </p:spPr>
         <p:txBody>
-          <a:bodyPr anchorCtr="0" anchor="t" bIns="91425" lIns="91425" rIns="91425" tIns="91425">
+          <a:bodyPr lIns="91425" tIns="91425" rIns="91425" bIns="91425" anchor="t" anchorCtr="0">
             <a:noAutofit/>
           </a:bodyPr>
           <a:lstStyle/>
@@ -6632,7 +6927,7 @@
               <a:t>Profiles at later times correspond to normal distribution with 𝜎</a:t>
             </a:r>
             <a:r>
-              <a:rPr i="1" lang="en" sz="2400">
+              <a:rPr lang="en" sz="2400" i="1">
                 <a:latin typeface="Times New Roman"/>
                 <a:ea typeface="Times New Roman"/>
                 <a:cs typeface="Times New Roman"/>
@@ -6661,11 +6956,11 @@
 </file>
 
 <file path=ppt/slides/slide6.xml><?xml version="1.0" encoding="utf-8"?>
-<p:sld xmlns:a="http://schemas.openxmlformats.org/drawingml/2006/main" xmlns:r="http://schemas.openxmlformats.org/officeDocument/2006/relationships" xmlns:mc="http://schemas.openxmlformats.org/markup-compatibility/2006" xmlns:mv="urn:schemas-microsoft-com:mac:vml" xmlns:p="http://schemas.openxmlformats.org/presentationml/2006/main" xmlns:c="http://schemas.openxmlformats.org/drawingml/2006/chart" xmlns:dgm="http://schemas.openxmlformats.org/drawingml/2006/diagram" xmlns:o="urn:schemas-microsoft-com:office:office" xmlns:v="urn:schemas-microsoft-com:vml" xmlns:pvml="urn:schemas-microsoft-com:office:powerpoint" xmlns:com="http://schemas.openxmlformats.org/drawingml/2006/compatibility" xmlns:p14="http://schemas.microsoft.com/office/powerpoint/2010/main">
+<p:sld xmlns:a="http://schemas.openxmlformats.org/drawingml/2006/main" xmlns:r="http://schemas.openxmlformats.org/officeDocument/2006/relationships" xmlns:p="http://schemas.openxmlformats.org/presentationml/2006/main">
   <p:cSld>
     <p:spTree>
       <p:nvGrpSpPr>
-        <p:cNvPr id="89" name="Shape 89"/>
+        <p:cNvPr id="1" name="Shape 89"/>
         <p:cNvGrpSpPr/>
         <p:nvPr/>
       </p:nvGrpSpPr>
@@ -6680,7 +6975,9 @@
       <p:sp>
         <p:nvSpPr>
           <p:cNvPr id="90" name="Shape 90"/>
-          <p:cNvSpPr txBox="1"/>
+          <p:cNvSpPr txBox="1">
+            <a:spLocks noGrp="1"/>
+          </p:cNvSpPr>
           <p:nvPr>
             <p:ph type="title"/>
           </p:nvPr>
@@ -6695,7 +6992,7 @@
           </a:prstGeom>
         </p:spPr>
         <p:txBody>
-          <a:bodyPr anchorCtr="0" anchor="t" bIns="91425" lIns="91425" rIns="91425" tIns="91425">
+          <a:bodyPr lIns="91425" tIns="91425" rIns="91425" bIns="91425" anchor="t" anchorCtr="0">
             <a:noAutofit/>
           </a:bodyPr>
           <a:lstStyle/>
@@ -6706,9 +7003,6 @@
               </a:spcBef>
               <a:buNone/>
             </a:pPr>
-            <a:r>
-              <a:t/>
-            </a:r>
             <a:endParaRPr/>
           </a:p>
         </p:txBody>
@@ -6716,9 +7010,11 @@
       <p:sp>
         <p:nvSpPr>
           <p:cNvPr id="91" name="Shape 91"/>
-          <p:cNvSpPr txBox="1"/>
-          <p:nvPr>
-            <p:ph idx="1" type="body"/>
+          <p:cNvSpPr txBox="1">
+            <a:spLocks noGrp="1"/>
+          </p:cNvSpPr>
+          <p:nvPr>
+            <p:ph type="body" idx="1"/>
           </p:nvPr>
         </p:nvSpPr>
         <p:spPr>
@@ -6731,7 +7027,7 @@
           </a:prstGeom>
         </p:spPr>
         <p:txBody>
-          <a:bodyPr anchorCtr="0" anchor="t" bIns="91425" lIns="91425" rIns="91425" tIns="91425">
+          <a:bodyPr lIns="91425" tIns="91425" rIns="91425" bIns="91425" anchor="t" anchorCtr="0">
             <a:noAutofit/>
           </a:bodyPr>
           <a:lstStyle/>
@@ -6742,16 +7038,13 @@
               </a:spcBef>
               <a:buNone/>
             </a:pPr>
-            <a:r>
-              <a:t/>
-            </a:r>
             <a:endParaRPr/>
           </a:p>
         </p:txBody>
       </p:sp>
       <p:pic>
         <p:nvPicPr>
-          <p:cNvPr descr="sigma-page-001.jpg" id="92" name="Shape 92"/>
+          <p:cNvPr id="92" name="Shape 92" descr="sigma-page-001.jpg"/>
           <p:cNvPicPr preferRelativeResize="0"/>
           <p:nvPr/>
         </p:nvPicPr>
@@ -6797,7 +7090,7 @@
           </a:ln>
         </p:spPr>
         <p:txBody>
-          <a:bodyPr anchorCtr="0" anchor="t" bIns="91425" lIns="91425" rIns="91425" tIns="91425">
+          <a:bodyPr lIns="91425" tIns="91425" rIns="91425" bIns="91425" anchor="t" anchorCtr="0">
             <a:noAutofit/>
           </a:bodyPr>
           <a:lstStyle/>
@@ -6826,7 +7119,7 @@
               <a:t>𝜎</a:t>
             </a:r>
             <a:r>
-              <a:rPr i="1" lang="en" sz="2400">
+              <a:rPr lang="en" sz="2400" i="1">
                 <a:solidFill>
                   <a:schemeClr val="dk1"/>
                 </a:solidFill>
@@ -6861,11 +7154,11 @@
 </file>
 
 <file path=ppt/slides/slide7.xml><?xml version="1.0" encoding="utf-8"?>
-<p:sld xmlns:a="http://schemas.openxmlformats.org/drawingml/2006/main" xmlns:r="http://schemas.openxmlformats.org/officeDocument/2006/relationships" xmlns:mc="http://schemas.openxmlformats.org/markup-compatibility/2006" xmlns:mv="urn:schemas-microsoft-com:mac:vml" xmlns:p="http://schemas.openxmlformats.org/presentationml/2006/main" xmlns:c="http://schemas.openxmlformats.org/drawingml/2006/chart" xmlns:dgm="http://schemas.openxmlformats.org/drawingml/2006/diagram" xmlns:o="urn:schemas-microsoft-com:office:office" xmlns:v="urn:schemas-microsoft-com:vml" xmlns:pvml="urn:schemas-microsoft-com:office:powerpoint" xmlns:com="http://schemas.openxmlformats.org/drawingml/2006/compatibility" xmlns:p14="http://schemas.microsoft.com/office/powerpoint/2010/main">
+<p:sld xmlns:a="http://schemas.openxmlformats.org/drawingml/2006/main" xmlns:r="http://schemas.openxmlformats.org/officeDocument/2006/relationships" xmlns:p="http://schemas.openxmlformats.org/presentationml/2006/main">
   <p:cSld>
     <p:spTree>
       <p:nvGrpSpPr>
-        <p:cNvPr id="97" name="Shape 97"/>
+        <p:cNvPr id="1" name="Shape 97"/>
         <p:cNvGrpSpPr/>
         <p:nvPr/>
       </p:nvGrpSpPr>
@@ -6880,7 +7173,9 @@
       <p:sp>
         <p:nvSpPr>
           <p:cNvPr id="98" name="Shape 98"/>
-          <p:cNvSpPr txBox="1"/>
+          <p:cNvSpPr txBox="1">
+            <a:spLocks noGrp="1"/>
+          </p:cNvSpPr>
           <p:nvPr>
             <p:ph type="title"/>
           </p:nvPr>
@@ -6895,7 +7190,7 @@
           </a:prstGeom>
         </p:spPr>
         <p:txBody>
-          <a:bodyPr anchorCtr="0" anchor="t" bIns="91425" lIns="91425" rIns="91425" tIns="91425">
+          <a:bodyPr lIns="91425" tIns="91425" rIns="91425" bIns="91425" anchor="t" anchorCtr="0">
             <a:noAutofit/>
           </a:bodyPr>
           <a:lstStyle/>
@@ -6906,9 +7201,6 @@
               </a:spcBef>
               <a:buNone/>
             </a:pPr>
-            <a:r>
-              <a:t/>
-            </a:r>
             <a:endParaRPr/>
           </a:p>
         </p:txBody>
@@ -6916,9 +7208,11 @@
       <p:sp>
         <p:nvSpPr>
           <p:cNvPr id="99" name="Shape 99"/>
-          <p:cNvSpPr txBox="1"/>
-          <p:nvPr>
-            <p:ph idx="1" type="body"/>
+          <p:cNvSpPr txBox="1">
+            <a:spLocks noGrp="1"/>
+          </p:cNvSpPr>
+          <p:nvPr>
+            <p:ph type="body" idx="1"/>
           </p:nvPr>
         </p:nvSpPr>
         <p:spPr>
@@ -6931,7 +7225,7 @@
           </a:prstGeom>
         </p:spPr>
         <p:txBody>
-          <a:bodyPr anchorCtr="0" anchor="t" bIns="91425" lIns="91425" rIns="91425" tIns="91425">
+          <a:bodyPr lIns="91425" tIns="91425" rIns="91425" bIns="91425" anchor="t" anchorCtr="0">
             <a:noAutofit/>
           </a:bodyPr>
           <a:lstStyle/>
@@ -6961,7 +7255,7 @@
               <a:t>𝜎</a:t>
             </a:r>
             <a:r>
-              <a:rPr i="1" lang="en" sz="2400">
+              <a:rPr lang="en" sz="2400" i="1">
                 <a:solidFill>
                   <a:schemeClr val="dk1"/>
                 </a:solidFill>
@@ -6992,16 +7286,13 @@
               </a:spcBef>
               <a:buNone/>
             </a:pPr>
-            <a:r>
-              <a:t/>
-            </a:r>
             <a:endParaRPr/>
           </a:p>
         </p:txBody>
       </p:sp>
       <p:pic>
         <p:nvPicPr>
-          <p:cNvPr descr="sigma2fit-page-001.jpg" id="100" name="Shape 100"/>
+          <p:cNvPr id="100" name="Shape 100" descr="sigma2fit-page-001.jpg"/>
           <p:cNvPicPr preferRelativeResize="0"/>
           <p:nvPr/>
         </p:nvPicPr>
@@ -7047,7 +7338,7 @@
           </a:ln>
         </p:spPr>
         <p:txBody>
-          <a:bodyPr anchorCtr="0" anchor="t" bIns="91425" lIns="91425" rIns="91425" tIns="91425">
+          <a:bodyPr lIns="91425" tIns="91425" rIns="91425" bIns="91425" anchor="t" anchorCtr="0">
             <a:noAutofit/>
           </a:bodyPr>
           <a:lstStyle/>
@@ -7071,7 +7362,7 @@
               <a:t>𝜎</a:t>
             </a:r>
             <a:r>
-              <a:rPr baseline="30000" i="1" lang="en" sz="2400">
+              <a:rPr lang="en" sz="2400" i="1" baseline="30000">
                 <a:solidFill>
                   <a:schemeClr val="dk1"/>
                 </a:solidFill>
@@ -7083,7 +7374,7 @@
               <a:t>2</a:t>
             </a:r>
             <a:r>
-              <a:rPr i="1" lang="en" sz="2400">
+              <a:rPr lang="en" sz="2400" i="1">
                 <a:solidFill>
                   <a:schemeClr val="dk1"/>
                 </a:solidFill>
@@ -7118,11 +7409,11 @@
 </file>
 
 <file path=ppt/slides/slide8.xml><?xml version="1.0" encoding="utf-8"?>
-<p:sld xmlns:a="http://schemas.openxmlformats.org/drawingml/2006/main" xmlns:r="http://schemas.openxmlformats.org/officeDocument/2006/relationships" xmlns:mc="http://schemas.openxmlformats.org/markup-compatibility/2006" xmlns:mv="urn:schemas-microsoft-com:mac:vml" xmlns:p="http://schemas.openxmlformats.org/presentationml/2006/main" xmlns:c="http://schemas.openxmlformats.org/drawingml/2006/chart" xmlns:dgm="http://schemas.openxmlformats.org/drawingml/2006/diagram" xmlns:o="urn:schemas-microsoft-com:office:office" xmlns:v="urn:schemas-microsoft-com:vml" xmlns:pvml="urn:schemas-microsoft-com:office:powerpoint" xmlns:com="http://schemas.openxmlformats.org/drawingml/2006/compatibility" xmlns:p14="http://schemas.microsoft.com/office/powerpoint/2010/main">
+<p:sld xmlns:a="http://schemas.openxmlformats.org/drawingml/2006/main" xmlns:r="http://schemas.openxmlformats.org/officeDocument/2006/relationships" xmlns:p="http://schemas.openxmlformats.org/presentationml/2006/main">
   <p:cSld>
     <p:spTree>
       <p:nvGrpSpPr>
-        <p:cNvPr id="105" name="Shape 105"/>
+        <p:cNvPr id="1" name="Shape 105"/>
         <p:cNvGrpSpPr/>
         <p:nvPr/>
       </p:nvGrpSpPr>
@@ -7137,7 +7428,9 @@
       <p:sp>
         <p:nvSpPr>
           <p:cNvPr id="106" name="Shape 106"/>
-          <p:cNvSpPr txBox="1"/>
+          <p:cNvSpPr txBox="1">
+            <a:spLocks noGrp="1"/>
+          </p:cNvSpPr>
           <p:nvPr>
             <p:ph type="title"/>
           </p:nvPr>
@@ -7152,7 +7445,7 @@
           </a:prstGeom>
         </p:spPr>
         <p:txBody>
-          <a:bodyPr anchorCtr="0" anchor="t" bIns="91425" lIns="91425" rIns="91425" tIns="91425">
+          <a:bodyPr lIns="91425" tIns="91425" rIns="91425" bIns="91425" anchor="t" anchorCtr="0">
             <a:noAutofit/>
           </a:bodyPr>
           <a:lstStyle/>
@@ -7164,7 +7457,7 @@
               <a:buNone/>
             </a:pPr>
             <a:r>
-              <a:rPr b="1" lang="en">
+              <a:rPr lang="en" b="1">
                 <a:latin typeface="Times New Roman"/>
                 <a:ea typeface="Times New Roman"/>
                 <a:cs typeface="Times New Roman"/>
@@ -7178,9 +7471,11 @@
       <p:sp>
         <p:nvSpPr>
           <p:cNvPr id="107" name="Shape 107"/>
-          <p:cNvSpPr txBox="1"/>
-          <p:nvPr>
-            <p:ph idx="1" type="body"/>
+          <p:cNvSpPr txBox="1">
+            <a:spLocks noGrp="1"/>
+          </p:cNvSpPr>
+          <p:nvPr>
+            <p:ph type="body" idx="1"/>
           </p:nvPr>
         </p:nvSpPr>
         <p:spPr>
@@ -7193,7 +7488,7 @@
           </a:prstGeom>
         </p:spPr>
         <p:txBody>
-          <a:bodyPr anchorCtr="0" anchor="t" bIns="91425" lIns="91425" rIns="91425" tIns="91425">
+          <a:bodyPr lIns="91425" tIns="91425" rIns="91425" bIns="91425" anchor="t" anchorCtr="0">
             <a:noAutofit/>
           </a:bodyPr>
           <a:lstStyle/>
@@ -7204,16 +7499,13 @@
               </a:spcBef>
               <a:buNone/>
             </a:pPr>
-            <a:r>
-              <a:t/>
-            </a:r>
             <a:endParaRPr/>
           </a:p>
         </p:txBody>
       </p:sp>
       <p:pic>
         <p:nvPicPr>
-          <p:cNvPr descr="GP1_3b_1-page-001.jpg" id="108" name="Shape 108"/>
+          <p:cNvPr id="108" name="Shape 108" descr="GP1_3b_1-page-001.jpg"/>
           <p:cNvPicPr preferRelativeResize="0"/>
           <p:nvPr/>
         </p:nvPicPr>
@@ -7259,7 +7551,7 @@
           </a:ln>
         </p:spPr>
         <p:txBody>
-          <a:bodyPr anchorCtr="0" anchor="t" bIns="91425" lIns="91425" rIns="91425" tIns="91425">
+          <a:bodyPr lIns="91425" tIns="91425" rIns="91425" bIns="91425" anchor="t" anchorCtr="0">
             <a:noAutofit/>
           </a:bodyPr>
           <a:lstStyle/>
@@ -7302,7 +7594,7 @@
           </a:ln>
         </p:spPr>
         <p:txBody>
-          <a:bodyPr anchorCtr="0" anchor="t" bIns="91425" lIns="91425" rIns="91425" tIns="91425">
+          <a:bodyPr lIns="91425" tIns="91425" rIns="91425" bIns="91425" anchor="t" anchorCtr="0">
             <a:noAutofit/>
           </a:bodyPr>
           <a:lstStyle/>
@@ -7334,11 +7626,11 @@
 </file>
 
 <file path=ppt/slides/slide9.xml><?xml version="1.0" encoding="utf-8"?>
-<p:sld xmlns:a="http://schemas.openxmlformats.org/drawingml/2006/main" xmlns:r="http://schemas.openxmlformats.org/officeDocument/2006/relationships" xmlns:mc="http://schemas.openxmlformats.org/markup-compatibility/2006" xmlns:mv="urn:schemas-microsoft-com:mac:vml" xmlns:p="http://schemas.openxmlformats.org/presentationml/2006/main" xmlns:c="http://schemas.openxmlformats.org/drawingml/2006/chart" xmlns:dgm="http://schemas.openxmlformats.org/drawingml/2006/diagram" xmlns:o="urn:schemas-microsoft-com:office:office" xmlns:v="urn:schemas-microsoft-com:vml" xmlns:pvml="urn:schemas-microsoft-com:office:powerpoint" xmlns:com="http://schemas.openxmlformats.org/drawingml/2006/compatibility" xmlns:p14="http://schemas.microsoft.com/office/powerpoint/2010/main">
+<p:sld xmlns:a="http://schemas.openxmlformats.org/drawingml/2006/main" xmlns:r="http://schemas.openxmlformats.org/officeDocument/2006/relationships" xmlns:p="http://schemas.openxmlformats.org/presentationml/2006/main">
   <p:cSld>
     <p:spTree>
       <p:nvGrpSpPr>
-        <p:cNvPr id="114" name="Shape 114"/>
+        <p:cNvPr id="1" name="Shape 114"/>
         <p:cNvGrpSpPr/>
         <p:nvPr/>
       </p:nvGrpSpPr>
@@ -7353,7 +7645,9 @@
       <p:sp>
         <p:nvSpPr>
           <p:cNvPr id="115" name="Shape 115"/>
-          <p:cNvSpPr txBox="1"/>
+          <p:cNvSpPr txBox="1">
+            <a:spLocks noGrp="1"/>
+          </p:cNvSpPr>
           <p:nvPr>
             <p:ph type="title"/>
           </p:nvPr>
@@ -7368,7 +7662,7 @@
           </a:prstGeom>
         </p:spPr>
         <p:txBody>
-          <a:bodyPr anchorCtr="0" anchor="t" bIns="91425" lIns="91425" rIns="91425" tIns="91425">
+          <a:bodyPr lIns="91425" tIns="91425" rIns="91425" bIns="91425" anchor="t" anchorCtr="0">
             <a:noAutofit/>
           </a:bodyPr>
           <a:lstStyle/>
@@ -7380,7 +7674,7 @@
               <a:buNone/>
             </a:pPr>
             <a:r>
-              <a:rPr b="1" lang="en">
+              <a:rPr lang="en" b="1">
                 <a:latin typeface="Times New Roman"/>
                 <a:ea typeface="Times New Roman"/>
                 <a:cs typeface="Times New Roman"/>
@@ -7394,9 +7688,11 @@
       <p:sp>
         <p:nvSpPr>
           <p:cNvPr id="116" name="Shape 116"/>
-          <p:cNvSpPr txBox="1"/>
-          <p:nvPr>
-            <p:ph idx="1" type="body"/>
+          <p:cNvSpPr txBox="1">
+            <a:spLocks noGrp="1"/>
+          </p:cNvSpPr>
+          <p:nvPr>
+            <p:ph type="body" idx="1"/>
           </p:nvPr>
         </p:nvSpPr>
         <p:spPr>
@@ -7409,7 +7705,7 @@
           </a:prstGeom>
         </p:spPr>
         <p:txBody>
-          <a:bodyPr anchorCtr="0" anchor="t" bIns="91425" lIns="91425" rIns="91425" tIns="91425">
+          <a:bodyPr lIns="91425" tIns="91425" rIns="91425" bIns="91425" anchor="t" anchorCtr="0">
             <a:noAutofit/>
           </a:bodyPr>
           <a:lstStyle/>
@@ -7421,7 +7717,7 @@
               <a:buNone/>
             </a:pPr>
             <a:r>
-              <a:rPr lang="en" sz="2400">
+              <a:rPr lang="en" sz="2400" dirty="0">
                 <a:solidFill>
                   <a:schemeClr val="dk1"/>
                 </a:solidFill>
@@ -7434,7 +7730,7 @@
             </a:r>
           </a:p>
           <a:p>
-            <a:pPr indent="-381000" lvl="0" marL="457200" rtl="0">
+            <a:pPr marL="457200" lvl="0" indent="-381000" rtl="0">
               <a:spcBef>
                 <a:spcPts val="0"/>
               </a:spcBef>
@@ -7446,7 +7742,7 @@
               <a:buAutoNum type="arabicPeriod"/>
             </a:pPr>
             <a:r>
-              <a:rPr lang="en" sz="2400">
+              <a:rPr lang="en" sz="2400" dirty="0">
                 <a:solidFill>
                   <a:schemeClr val="dk1"/>
                 </a:solidFill>
@@ -7459,7 +7755,7 @@
             </a:r>
           </a:p>
           <a:p>
-            <a:pPr indent="-381000" lvl="0" marL="457200" rtl="0">
+            <a:pPr marL="457200" lvl="0" indent="-381000" rtl="0">
               <a:spcBef>
                 <a:spcPts val="0"/>
               </a:spcBef>
@@ -7471,7 +7767,7 @@
               <a:buAutoNum type="arabicPeriod"/>
             </a:pPr>
             <a:r>
-              <a:rPr lang="en" sz="2400">
+              <a:rPr lang="en" sz="2400" dirty="0">
                 <a:solidFill>
                   <a:schemeClr val="dk1"/>
                 </a:solidFill>
@@ -7480,23 +7776,10 @@
                 <a:cs typeface="Times New Roman"/>
                 <a:sym typeface="Times New Roman"/>
               </a:rPr>
-              <a:t>Generate one random integer for both selecting location, and selecting neighbour of location</a:t>
+              <a:t>Generate one random integer for both selecting location, and selecting </a:t>
             </a:r>
-          </a:p>
-          <a:p>
-            <a:pPr indent="-381000" lvl="0" marL="457200" rtl="0">
-              <a:spcBef>
-                <a:spcPts val="0"/>
-              </a:spcBef>
-              <a:buClr>
-                <a:schemeClr val="dk1"/>
-              </a:buClr>
-              <a:buSzPct val="100000"/>
-              <a:buFont typeface="Times New Roman"/>
-              <a:buAutoNum type="arabicPeriod"/>
-            </a:pPr>
             <a:r>
-              <a:rPr lang="en" sz="2400">
+              <a:rPr lang="en" sz="2400" dirty="0" err="1" smtClean="0">
                 <a:solidFill>
                   <a:schemeClr val="dk1"/>
                 </a:solidFill>
@@ -7505,7 +7788,92 @@
                 <a:cs typeface="Times New Roman"/>
                 <a:sym typeface="Times New Roman"/>
               </a:rPr>
-              <a:t>Create a boundary of occupied sites around grid to avoid assertions for sites at the edge</a:t>
+              <a:t>neighbour</a:t>
+            </a:r>
+            <a:r>
+              <a:rPr lang="en" sz="2400" dirty="0" smtClean="0">
+                <a:solidFill>
+                  <a:schemeClr val="dk1"/>
+                </a:solidFill>
+                <a:latin typeface="Times New Roman"/>
+                <a:ea typeface="Times New Roman"/>
+                <a:cs typeface="Times New Roman"/>
+                <a:sym typeface="Times New Roman"/>
+              </a:rPr>
+              <a:t> </a:t>
+            </a:r>
+            <a:r>
+              <a:rPr lang="en" sz="2400" dirty="0">
+                <a:solidFill>
+                  <a:schemeClr val="dk1"/>
+                </a:solidFill>
+                <a:latin typeface="Times New Roman"/>
+                <a:ea typeface="Times New Roman"/>
+                <a:cs typeface="Times New Roman"/>
+                <a:sym typeface="Times New Roman"/>
+              </a:rPr>
+              <a:t>of location</a:t>
+            </a:r>
+          </a:p>
+          <a:p>
+            <a:pPr marL="457200" lvl="0" indent="-381000" rtl="0">
+              <a:spcBef>
+                <a:spcPts val="0"/>
+              </a:spcBef>
+              <a:buClr>
+                <a:schemeClr val="dk1"/>
+              </a:buClr>
+              <a:buSzPct val="100000"/>
+              <a:buFont typeface="Times New Roman"/>
+              <a:buAutoNum type="arabicPeriod"/>
+            </a:pPr>
+            <a:r>
+              <a:rPr lang="en" sz="2400" dirty="0">
+                <a:solidFill>
+                  <a:schemeClr val="dk1"/>
+                </a:solidFill>
+                <a:latin typeface="Times New Roman"/>
+                <a:ea typeface="Times New Roman"/>
+                <a:cs typeface="Times New Roman"/>
+                <a:sym typeface="Times New Roman"/>
+              </a:rPr>
+              <a:t>Create a boundary of </a:t>
+            </a:r>
+            <a:r>
+              <a:rPr lang="en-US" sz="2400" dirty="0" smtClean="0">
+                <a:solidFill>
+                  <a:schemeClr val="dk1"/>
+                </a:solidFill>
+                <a:latin typeface="Times New Roman"/>
+                <a:ea typeface="Times New Roman"/>
+                <a:cs typeface="Times New Roman"/>
+                <a:sym typeface="Times New Roman"/>
+              </a:rPr>
+              <a:t>un</a:t>
+            </a:r>
+            <a:r>
+              <a:rPr lang="en" sz="2400" dirty="0" smtClean="0">
+                <a:solidFill>
+                  <a:schemeClr val="dk1"/>
+                </a:solidFill>
+                <a:latin typeface="Times New Roman"/>
+                <a:ea typeface="Times New Roman"/>
+                <a:cs typeface="Times New Roman"/>
+                <a:sym typeface="Times New Roman"/>
+              </a:rPr>
+              <a:t>occupied </a:t>
+            </a:r>
+            <a:r>
+              <a:rPr lang="en" sz="2400" dirty="0">
+                <a:solidFill>
+                  <a:schemeClr val="dk1"/>
+                </a:solidFill>
+                <a:latin typeface="Times New Roman"/>
+                <a:ea typeface="Times New Roman"/>
+                <a:cs typeface="Times New Roman"/>
+                <a:sym typeface="Times New Roman"/>
+              </a:rPr>
+              <a:t>sites around grid to avoid assertions for sites at the edge</a:t>
             </a:r>
           </a:p>
         </p:txBody>
@@ -7519,7 +7887,7 @@
 </file>
 
 <file path=ppt/theme/theme1.xml><?xml version="1.0" encoding="utf-8"?>
-<a:theme xmlns:a="http://schemas.openxmlformats.org/drawingml/2006/main" xmlns:r="http://schemas.openxmlformats.org/officeDocument/2006/relationships" name="simple-light-2">
+<a:theme xmlns:a="http://schemas.openxmlformats.org/drawingml/2006/main" name="simple-light-2">
   <a:themeElements>
     <a:clrScheme name="Simple Light">
       <a:dk1>
@@ -7794,11 +8162,13 @@
       </a:bgFillStyleLst>
     </a:fmtScheme>
   </a:themeElements>
+  <a:objectDefaults/>
+  <a:extraClrSchemeLst/>
 </a:theme>
 </file>
 
 <file path=ppt/theme/theme2.xml><?xml version="1.0" encoding="utf-8"?>
-<a:theme xmlns:a="http://schemas.openxmlformats.org/drawingml/2006/main" xmlns:r="http://schemas.openxmlformats.org/officeDocument/2006/relationships" name="Custom Theme">
+<a:theme xmlns:a="http://schemas.openxmlformats.org/drawingml/2006/main" name="Custom Theme">
   <a:themeElements>
     <a:clrScheme name="Default">
       <a:dk1>
@@ -8073,5 +8443,7 @@
       </a:bgFillStyleLst>
     </a:fmtScheme>
   </a:themeElements>
+  <a:objectDefaults/>
+  <a:extraClrSchemeLst/>
 </a:theme>
 </file>
--- a/Group Project 1B.pptx
+++ b/Group Project 1B.pptx
@@ -226,6 +226,11 @@
       </a:defRPr>
     </a:lvl9pPr>
   </p:defaultTextStyle>
+  <p:extLst>
+    <p:ext uri="{EFAFB233-063F-42B5-8137-9DF3F51BA10A}">
+      <p15:sldGuideLst xmlns:p15="http://schemas.microsoft.com/office/powerpoint/2012/main"/>
+    </p:ext>
+  </p:extLst>
 </p:presentation>
 </file>
 
@@ -717,7 +722,7 @@
         </p:nvSpPr>
         <p:spPr>
           <a:xfrm>
-            <a:off x="381300" y="685800"/>
+            <a:off x="381000" y="685800"/>
             <a:ext cx="6096000" cy="3429000"/>
           </a:xfrm>
           <a:custGeom>
@@ -919,7 +924,7 @@
         </p:nvSpPr>
         <p:spPr>
           <a:xfrm>
-            <a:off x="381300" y="685800"/>
+            <a:off x="381000" y="685800"/>
             <a:ext cx="6096000" cy="3429000"/>
           </a:xfrm>
           <a:custGeom>
@@ -1121,7 +1126,7 @@
         </p:nvSpPr>
         <p:spPr>
           <a:xfrm>
-            <a:off x="381300" y="685800"/>
+            <a:off x="381000" y="685800"/>
             <a:ext cx="6096000" cy="3429000"/>
           </a:xfrm>
           <a:custGeom>
@@ -5384,6 +5389,13 @@
   <p:clrMapOvr>
     <a:masterClrMapping/>
   </p:clrMapOvr>
+  <p:timing>
+    <p:tnLst>
+      <p:par>
+        <p:cTn id="1" dur="indefinite" restart="never" nodeType="tmRoot"/>
+      </p:par>
+    </p:tnLst>
+  </p:timing>
 </p:sld>
 </file>
 
@@ -5550,6 +5562,13 @@
   <p:clrMapOvr>
     <a:masterClrMapping/>
   </p:clrMapOvr>
+  <p:timing>
+    <p:tnLst>
+      <p:par>
+        <p:cTn id="1" dur="indefinite" restart="never" nodeType="tmRoot"/>
+      </p:par>
+    </p:tnLst>
+  </p:timing>
 </p:sld>
 </file>
 
@@ -5716,6 +5735,13 @@
   <p:clrMapOvr>
     <a:masterClrMapping/>
   </p:clrMapOvr>
+  <p:timing>
+    <p:tnLst>
+      <p:par>
+        <p:cTn id="1" dur="indefinite" restart="never" nodeType="tmRoot"/>
+      </p:par>
+    </p:tnLst>
+  </p:timing>
 </p:sld>
 </file>
 
@@ -5822,7 +5848,7 @@
         </p:blipFill>
         <p:spPr>
           <a:xfrm>
-            <a:off x="311700" y="445025"/>
+            <a:off x="311700" y="454820"/>
             <a:ext cx="5828475" cy="4371349"/>
           </a:xfrm>
           <a:prstGeom prst="rect">
@@ -5842,7 +5868,7 @@
         </p:nvSpPr>
         <p:spPr>
           <a:xfrm>
-            <a:off x="6307800" y="2046975"/>
+            <a:off x="6307800" y="2067295"/>
             <a:ext cx="2836200" cy="2108100"/>
           </a:xfrm>
           <a:prstGeom prst="rect">
@@ -5882,6 +5908,13 @@
   <p:clrMapOvr>
     <a:masterClrMapping/>
   </p:clrMapOvr>
+  <p:timing>
+    <p:tnLst>
+      <p:par>
+        <p:cTn id="1" dur="indefinite" restart="never" nodeType="tmRoot"/>
+      </p:par>
+    </p:tnLst>
+  </p:timing>
 </p:sld>
 </file>
 
@@ -6533,7 +6566,7 @@
               <a:buNone/>
             </a:pPr>
             <a:r>
-              <a:rPr lang="en" sz="2400">
+              <a:rPr lang="en" sz="2400" dirty="0">
                 <a:latin typeface="Times New Roman"/>
                 <a:ea typeface="Times New Roman"/>
                 <a:cs typeface="Times New Roman"/>
@@ -6542,7 +6575,7 @@
               <a:t>Estimate </a:t>
             </a:r>
             <a:r>
-              <a:rPr lang="en" sz="2400" i="1">
+              <a:rPr lang="en" sz="2400" i="1" dirty="0">
                 <a:latin typeface="Times New Roman"/>
                 <a:ea typeface="Times New Roman"/>
                 <a:cs typeface="Times New Roman"/>
@@ -6551,14 +6584,38 @@
               <a:t>D </a:t>
             </a:r>
             <a:r>
-              <a:rPr lang="en" sz="2400">
+              <a:rPr lang="en" sz="2400" dirty="0">
                 <a:latin typeface="Times New Roman"/>
                 <a:ea typeface="Times New Roman"/>
                 <a:cs typeface="Times New Roman"/>
                 <a:sym typeface="Times New Roman"/>
               </a:rPr>
-              <a:t>= 2</a:t>
+              <a:t>= </a:t>
             </a:r>
+            <a:r>
+              <a:rPr lang="en-US" sz="2400" dirty="0" smtClean="0">
+                <a:latin typeface="Times New Roman"/>
+                <a:ea typeface="Times New Roman"/>
+                <a:cs typeface="Times New Roman"/>
+                <a:sym typeface="Times New Roman"/>
+              </a:rPr>
+              <a:t>1/</a:t>
+            </a:r>
+            <a:r>
+              <a:rPr lang="en" sz="2400" dirty="0" smtClean="0">
+                <a:latin typeface="Times New Roman"/>
+                <a:ea typeface="Times New Roman"/>
+                <a:cs typeface="Times New Roman"/>
+                <a:sym typeface="Times New Roman"/>
+              </a:rPr>
+              <a:t>2</a:t>
+            </a:r>
+            <a:endParaRPr lang="en" sz="2400" dirty="0">
+              <a:latin typeface="Times New Roman"/>
+              <a:ea typeface="Times New Roman"/>
+              <a:cs typeface="Times New Roman"/>
+              <a:sym typeface="Times New Roman"/>
+            </a:endParaRPr>
           </a:p>
         </p:txBody>
       </p:sp>
@@ -7405,6 +7462,13 @@
   <p:clrMapOvr>
     <a:masterClrMapping/>
   </p:clrMapOvr>
+  <p:timing>
+    <p:tnLst>
+      <p:par>
+        <p:cTn id="1" dur="indefinite" restart="never" nodeType="tmRoot"/>
+      </p:par>
+    </p:tnLst>
+  </p:timing>
 </p:sld>
 </file>
 
@@ -7622,6 +7686,13 @@
   <p:clrMapOvr>
     <a:masterClrMapping/>
   </p:clrMapOvr>
+  <p:timing>
+    <p:tnLst>
+      <p:par>
+        <p:cTn id="1" dur="indefinite" restart="never" nodeType="tmRoot"/>
+      </p:par>
+    </p:tnLst>
+  </p:timing>
 </p:sld>
 </file>
 
@@ -7883,6 +7954,13 @@
   <p:clrMapOvr>
     <a:masterClrMapping/>
   </p:clrMapOvr>
+  <p:timing>
+    <p:tnLst>
+      <p:par>
+        <p:cTn id="1" dur="indefinite" restart="never" nodeType="tmRoot"/>
+      </p:par>
+    </p:tnLst>
+  </p:timing>
 </p:sld>
 </file>
 
